--- a/site/wtr/Ways to Read a Text.pptx
+++ b/site/wtr/Ways to Read a Text.pptx
@@ -148,6 +148,22 @@
       </a:defRPr>
     </a:lvl9pPr>
   </p:defaultTextStyle>
+  <p:extLst>
+    <p:ext uri="{EFAFB233-063F-42B5-8137-9DF3F51BA10A}">
+      <p15:sldGuideLst xmlns:p15="http://schemas.microsoft.com/office/powerpoint/2012/main">
+        <p15:guide id="1" orient="horz" pos="2160">
+          <p15:clr>
+            <a:srgbClr val="A4A3A4"/>
+          </p15:clr>
+        </p15:guide>
+        <p15:guide id="2" pos="2880">
+          <p15:clr>
+            <a:srgbClr val="A4A3A4"/>
+          </p15:clr>
+        </p15:guide>
+      </p15:sldGuideLst>
+    </p:ext>
+  </p:extLst>
 </p:presentation>
 </file>
 
@@ -233,7 +249,7 @@
           <a:p>
             <a:fld id="{D35F8EC2-548C-D74C-9CA6-7F5E0D341CB3}" type="datetimeFigureOut">
               <a:rPr lang="en-US" smtClean="0"/>
-              <a:t>9/16/18</a:t>
+              <a:t>9/17/19</a:t>
             </a:fld>
             <a:endParaRPr lang="en-US"/>
           </a:p>
@@ -297,38 +313,37 @@
           <a:p>
             <a:pPr lvl="0"/>
             <a:r>
-              <a:rPr lang="en-US" smtClean="0"/>
+              <a:rPr lang="en-US"/>
               <a:t>Click to edit Master text styles</a:t>
             </a:r>
           </a:p>
           <a:p>
             <a:pPr lvl="1"/>
             <a:r>
-              <a:rPr lang="en-US" smtClean="0"/>
+              <a:rPr lang="en-US"/>
               <a:t>Second level</a:t>
             </a:r>
           </a:p>
           <a:p>
             <a:pPr lvl="2"/>
             <a:r>
-              <a:rPr lang="en-US" smtClean="0"/>
+              <a:rPr lang="en-US"/>
               <a:t>Third level</a:t>
             </a:r>
           </a:p>
           <a:p>
             <a:pPr lvl="3"/>
             <a:r>
-              <a:rPr lang="en-US" smtClean="0"/>
+              <a:rPr lang="en-US"/>
               <a:t>Fourth level</a:t>
             </a:r>
           </a:p>
           <a:p>
             <a:pPr lvl="4"/>
             <a:r>
-              <a:rPr lang="en-US" smtClean="0"/>
+              <a:rPr lang="en-US"/>
               <a:t>Fifth level</a:t>
             </a:r>
-            <a:endParaRPr lang="en-US"/>
           </a:p>
         </p:txBody>
       </p:sp>
@@ -546,30 +561,30 @@
           <a:lstStyle/>
           <a:p>
             <a:r>
-              <a:rPr lang="en-US" dirty="0" smtClean="0"/>
+              <a:rPr lang="en-US" dirty="0"/>
               <a:t>Start with a kind of reading that we do all the time</a:t>
             </a:r>
           </a:p>
           <a:p>
             <a:r>
-              <a:rPr lang="en-US" dirty="0" smtClean="0"/>
+              <a:rPr lang="en-US" dirty="0"/>
               <a:t>Tell</a:t>
             </a:r>
             <a:r>
-              <a:rPr lang="en-US" baseline="0" dirty="0" smtClean="0"/>
+              <a:rPr lang="en-US" baseline="0" dirty="0"/>
               <a:t> me some things about this note.</a:t>
             </a:r>
           </a:p>
           <a:p>
             <a:r>
-              <a:rPr lang="en-US" baseline="0" dirty="0" smtClean="0"/>
+              <a:rPr lang="en-US" baseline="0" dirty="0"/>
               <a:t>Is it a love note? A break up note? How do you know?</a:t>
             </a:r>
             <a:br>
-              <a:rPr lang="en-US" baseline="0" dirty="0" smtClean="0"/>
+              <a:rPr lang="en-US" baseline="0" dirty="0"/>
             </a:br>
             <a:r>
-              <a:rPr lang="en-US" baseline="0" dirty="0" smtClean="0"/>
+              <a:rPr lang="en-US" baseline="0" dirty="0"/>
               <a:t>Attention to details, attention to particulars.</a:t>
             </a:r>
             <a:endParaRPr lang="en-US" dirty="0"/>
@@ -657,10 +672,9 @@
           <a:lstStyle/>
           <a:p>
             <a:r>
-              <a:rPr lang="en-US" dirty="0" smtClean="0"/>
+              <a:rPr lang="en-US" dirty="0"/>
               <a:t>Is this what you got? Questions?</a:t>
             </a:r>
-            <a:endParaRPr lang="en-US" dirty="0"/>
           </a:p>
         </p:txBody>
       </p:sp>
@@ -745,11 +759,11 @@
           <a:lstStyle/>
           <a:p>
             <a:r>
-              <a:rPr lang="en-US" dirty="0" smtClean="0"/>
+              <a:rPr lang="en-US" dirty="0"/>
               <a:t>Now a more extensive version of the same exercise.</a:t>
             </a:r>
             <a:r>
-              <a:rPr lang="en-US" baseline="0" dirty="0" smtClean="0"/>
+              <a:rPr lang="en-US" baseline="0" dirty="0"/>
               <a:t> Might work well to divide up the tasks.</a:t>
             </a:r>
             <a:endParaRPr lang="en-US" dirty="0"/>
@@ -837,99 +851,94 @@
           <a:lstStyle/>
           <a:p>
             <a:r>
-              <a:rPr lang="en-US" dirty="0" smtClean="0"/>
+              <a:rPr lang="en-US" dirty="0"/>
               <a:t>Any differences?</a:t>
             </a:r>
           </a:p>
           <a:p>
             <a:r>
-              <a:rPr lang="en-US" dirty="0" smtClean="0"/>
+              <a:rPr lang="en-US" dirty="0"/>
               <a:t>Other questions?</a:t>
             </a:r>
             <a:br>
-              <a:rPr lang="en-US" dirty="0" smtClean="0"/>
+              <a:rPr lang="en-US" dirty="0"/>
             </a:br>
             <a:r>
-              <a:rPr lang="en-US" dirty="0" smtClean="0"/>
+              <a:rPr lang="en-US" dirty="0"/>
               <a:t>Did you do punctuation?</a:t>
             </a:r>
             <a:br>
-              <a:rPr lang="en-US" dirty="0" smtClean="0"/>
+              <a:rPr lang="en-US" dirty="0"/>
             </a:br>
             <a:r>
-              <a:rPr lang="en-US" dirty="0" smtClean="0"/>
+              <a:rPr lang="en-US" dirty="0"/>
               <a:t>Did</a:t>
             </a:r>
             <a:r>
-              <a:rPr lang="en-US" baseline="0" dirty="0" smtClean="0"/>
+              <a:rPr lang="en-US" baseline="0" dirty="0"/>
               <a:t> you collapse capitalized words and </a:t>
             </a:r>
             <a:r>
-              <a:rPr lang="en-US" baseline="0" dirty="0" err="1" smtClean="0"/>
+              <a:rPr lang="en-US" baseline="0" dirty="0" err="1"/>
               <a:t>uncapitalized</a:t>
             </a:r>
             <a:r>
-              <a:rPr lang="en-US" baseline="0" dirty="0" smtClean="0"/>
+              <a:rPr lang="en-US" baseline="0" dirty="0"/>
               <a:t>?</a:t>
             </a:r>
             <a:br>
-              <a:rPr lang="en-US" baseline="0" dirty="0" smtClean="0"/>
+              <a:rPr lang="en-US" baseline="0" dirty="0"/>
             </a:br>
             <a:r>
-              <a:rPr lang="en-US" baseline="0" dirty="0" smtClean="0"/>
+              <a:rPr lang="en-US" baseline="0" dirty="0"/>
               <a:t>Singular </a:t>
             </a:r>
             <a:r>
-              <a:rPr lang="en-US" baseline="0" dirty="0" err="1" smtClean="0"/>
+              <a:rPr lang="en-US" baseline="0" dirty="0" err="1"/>
               <a:t>vs</a:t>
             </a:r>
             <a:r>
-              <a:rPr lang="en-US" baseline="0" dirty="0" smtClean="0"/>
+              <a:rPr lang="en-US" baseline="0" dirty="0"/>
               <a:t> plural.</a:t>
             </a:r>
           </a:p>
           <a:p>
-            <a:endParaRPr lang="en-US" baseline="0" dirty="0" smtClean="0"/>
-          </a:p>
-          <a:p>
-            <a:r>
-              <a:rPr lang="en-US" baseline="0" dirty="0" smtClean="0"/>
+            <a:endParaRPr lang="en-US" baseline="0" dirty="0"/>
+          </a:p>
+          <a:p>
+            <a:r>
+              <a:rPr lang="en-US" baseline="0" dirty="0"/>
               <a:t>What do you notice about this list? Anything interesting? </a:t>
             </a:r>
             <a:br>
-              <a:rPr lang="en-US" baseline="0" dirty="0" smtClean="0"/>
+              <a:rPr lang="en-US" baseline="0" dirty="0"/>
             </a:br>
             <a:r>
-              <a:rPr lang="en-US" baseline="0" dirty="0" smtClean="0"/>
+              <a:rPr lang="en-US" baseline="0" dirty="0"/>
               <a:t>What does this list suggest that the text is about?</a:t>
             </a:r>
           </a:p>
           <a:p>
             <a:r>
-              <a:rPr lang="en-US" baseline="0" dirty="0" err="1" smtClean="0"/>
+              <a:rPr lang="en-US" baseline="0" dirty="0" err="1"/>
               <a:t>Stopwords</a:t>
             </a:r>
             <a:r>
-              <a:rPr lang="en-US" baseline="0" dirty="0" smtClean="0"/>
-              <a:t> vs. </a:t>
-            </a:r>
-            <a:r>
-              <a:rPr lang="en-US" baseline="0" dirty="0" err="1" smtClean="0"/>
-              <a:t>hapax</a:t>
-            </a:r>
-            <a:r>
-              <a:rPr lang="en-US" baseline="0" dirty="0" smtClean="0"/>
-              <a:t> </a:t>
-            </a:r>
-            <a:r>
-              <a:rPr lang="en-US" baseline="0" dirty="0" err="1" smtClean="0"/>
+              <a:rPr lang="en-US" baseline="0" dirty="0"/>
+              <a:t> vs. hapax </a:t>
+            </a:r>
+            <a:r>
+              <a:rPr lang="en-US" baseline="0" dirty="0" err="1"/>
               <a:t>legemenon</a:t>
             </a:r>
-            <a:endParaRPr lang="en-US" baseline="0" dirty="0" smtClean="0"/>
-          </a:p>
-          <a:p>
-            <a:r>
-              <a:rPr lang="en-US" baseline="0" dirty="0" smtClean="0"/>
+            <a:r>
+              <a:rPr lang="en-US" baseline="0" dirty="0"/>
+              <a:t> (only used once)</a:t>
+            </a:r>
+          </a:p>
+          <a:p>
+            <a:r>
+              <a:rPr lang="en-US" baseline="0" dirty="0"/>
               <a:t>What is gained and lost here?</a:t>
             </a:r>
             <a:endParaRPr lang="en-US" dirty="0"/>
@@ -1017,10 +1026,9 @@
           <a:lstStyle/>
           <a:p>
             <a:r>
-              <a:rPr lang="en-US" dirty="0" smtClean="0"/>
+              <a:rPr lang="en-US" dirty="0"/>
               <a:t>Review</a:t>
             </a:r>
-            <a:endParaRPr lang="en-US" dirty="0"/>
           </a:p>
         </p:txBody>
       </p:sp>
@@ -1105,11 +1113,11 @@
           <a:lstStyle/>
           <a:p>
             <a:r>
-              <a:rPr lang="en-US" dirty="0" smtClean="0"/>
+              <a:rPr lang="en-US" dirty="0"/>
               <a:t>Let’s take a closer look at the sentences</a:t>
             </a:r>
             <a:r>
-              <a:rPr lang="en-US" baseline="0" dirty="0" smtClean="0"/>
+              <a:rPr lang="en-US" baseline="0" dirty="0"/>
               <a:t> here.</a:t>
             </a:r>
             <a:endParaRPr lang="en-US" dirty="0"/>
@@ -1197,11 +1205,11 @@
           <a:lstStyle/>
           <a:p>
             <a:r>
-              <a:rPr lang="en-US" dirty="0" smtClean="0"/>
+              <a:rPr lang="en-US" dirty="0"/>
               <a:t>Which sentences are more</a:t>
             </a:r>
             <a:r>
-              <a:rPr lang="en-US" baseline="0" dirty="0" smtClean="0"/>
+              <a:rPr lang="en-US" baseline="0" dirty="0"/>
               <a:t> similar to the others? How might you tell?</a:t>
             </a:r>
             <a:endParaRPr lang="en-US" dirty="0"/>
@@ -1289,40 +1297,32 @@
           <a:lstStyle/>
           <a:p>
             <a:r>
-              <a:rPr lang="en-US" dirty="0" smtClean="0"/>
+              <a:rPr lang="en-US" dirty="0"/>
               <a:t>A and C are mirror images of each other – they don’t share anything.</a:t>
             </a:r>
           </a:p>
           <a:p>
-            <a:endParaRPr lang="en-US" dirty="0" smtClean="0"/>
-          </a:p>
-          <a:p>
-            <a:r>
-              <a:rPr lang="en-US" dirty="0" smtClean="0"/>
+            <a:endParaRPr lang="en-US" dirty="0"/>
+          </a:p>
+          <a:p>
+            <a:r>
+              <a:rPr lang="en-US" dirty="0"/>
               <a:t>B’s relationship to</a:t>
             </a:r>
             <a:r>
-              <a:rPr lang="en-US" baseline="0" dirty="0" smtClean="0"/>
+              <a:rPr lang="en-US" baseline="0" dirty="0"/>
               <a:t> A: shares 4 terms</a:t>
             </a:r>
           </a:p>
           <a:p>
             <a:r>
-              <a:rPr lang="en-US" baseline="0" dirty="0" smtClean="0"/>
-              <a:t>B’s relationship to C: shares </a:t>
-            </a:r>
-            <a:r>
-              <a:rPr lang="en-US" baseline="0" dirty="0" smtClean="0"/>
-              <a:t>3 </a:t>
-            </a:r>
-            <a:r>
-              <a:rPr lang="en-US" baseline="0" dirty="0" smtClean="0"/>
-              <a:t>terms (counting 0’s)</a:t>
-            </a:r>
-          </a:p>
-          <a:p>
-            <a:r>
-              <a:rPr lang="en-US" baseline="0" dirty="0" smtClean="0"/>
+              <a:rPr lang="en-US" baseline="0" dirty="0"/>
+              <a:t>B’s relationship to C: shares 3 terms (counting 0’s)</a:t>
+            </a:r>
+          </a:p>
+          <a:p>
+            <a:r>
+              <a:rPr lang="en-US" baseline="0" dirty="0"/>
               <a:t>Just a way of showing you the kinds of things you can do when you convert things to numbers.</a:t>
             </a:r>
             <a:endParaRPr lang="en-US" dirty="0"/>
@@ -1410,31 +1410,31 @@
           <a:lstStyle/>
           <a:p>
             <a:r>
-              <a:rPr lang="en-US" dirty="0" smtClean="0"/>
+              <a:rPr lang="en-US" dirty="0"/>
               <a:t>You</a:t>
             </a:r>
             <a:r>
-              <a:rPr lang="en-US" baseline="0" dirty="0" smtClean="0"/>
+              <a:rPr lang="en-US" baseline="0" dirty="0"/>
               <a:t> can really do quite a lot just from counting words. Word cloud.</a:t>
             </a:r>
           </a:p>
           <a:p>
             <a:r>
-              <a:rPr lang="en-US" baseline="0" dirty="0" smtClean="0"/>
+              <a:rPr lang="en-US" baseline="0" dirty="0"/>
               <a:t>What is the text about (beyond Holmes)?</a:t>
             </a:r>
             <a:br>
-              <a:rPr lang="en-US" baseline="0" dirty="0" smtClean="0"/>
+              <a:rPr lang="en-US" baseline="0" dirty="0"/>
             </a:br>
             <a:r>
-              <a:rPr lang="en-US" baseline="0" dirty="0" smtClean="0"/>
+              <a:rPr lang="en-US" baseline="0" dirty="0"/>
               <a:t>How do you know?</a:t>
             </a:r>
-            <a:endParaRPr lang="en-US" dirty="0" smtClean="0"/>
-          </a:p>
-          <a:p>
-            <a:r>
-              <a:rPr lang="en-US" dirty="0" err="1" smtClean="0"/>
+            <a:endParaRPr lang="en-US" dirty="0"/>
+          </a:p>
+          <a:p>
+            <a:r>
+              <a:rPr lang="en-US" dirty="0" err="1"/>
               <a:t>voyant-tools.org</a:t>
             </a:r>
             <a:endParaRPr lang="en-US" dirty="0"/>
@@ -1522,41 +1522,41 @@
           <a:lstStyle/>
           <a:p>
             <a:r>
-              <a:rPr lang="en-US" dirty="0" smtClean="0"/>
+              <a:rPr lang="en-US" dirty="0"/>
               <a:t>Another thing. You</a:t>
             </a:r>
             <a:r>
-              <a:rPr lang="en-US" baseline="0" dirty="0" smtClean="0"/>
+              <a:rPr lang="en-US" baseline="0" dirty="0"/>
               <a:t> can divide up a whole text into pieces and count words for particular sections. Gives you a sense of rise and fall of text counts over time.</a:t>
             </a:r>
-            <a:endParaRPr lang="en-US" dirty="0" smtClean="0"/>
-          </a:p>
-          <a:p>
-            <a:endParaRPr lang="en-US" dirty="0" smtClean="0"/>
-          </a:p>
-          <a:p>
-            <a:r>
-              <a:rPr lang="en-US" dirty="0" smtClean="0"/>
+            <a:endParaRPr lang="en-US" dirty="0"/>
+          </a:p>
+          <a:p>
+            <a:endParaRPr lang="en-US" dirty="0"/>
+          </a:p>
+          <a:p>
+            <a:r>
+              <a:rPr lang="en-US" dirty="0"/>
               <a:t>String</a:t>
             </a:r>
             <a:r>
-              <a:rPr lang="en-US" baseline="0" dirty="0" smtClean="0"/>
+              <a:rPr lang="en-US" baseline="0" dirty="0"/>
               <a:t> of Pearls here – the story </a:t>
             </a:r>
             <a:r>
-              <a:rPr lang="en-US" baseline="0" dirty="0" err="1" smtClean="0"/>
+              <a:rPr lang="en-US" baseline="0" dirty="0" err="1"/>
               <a:t>sweeney</a:t>
             </a:r>
             <a:r>
-              <a:rPr lang="en-US" baseline="0" dirty="0" smtClean="0"/>
+              <a:rPr lang="en-US" baseline="0" dirty="0"/>
               <a:t> </a:t>
             </a:r>
             <a:r>
-              <a:rPr lang="en-US" baseline="0" dirty="0" err="1" smtClean="0"/>
+              <a:rPr lang="en-US" baseline="0" dirty="0" err="1"/>
               <a:t>todd</a:t>
             </a:r>
             <a:r>
-              <a:rPr lang="en-US" baseline="0" dirty="0" smtClean="0"/>
+              <a:rPr lang="en-US" baseline="0" dirty="0"/>
               <a:t> is based on. What is this showing?</a:t>
             </a:r>
             <a:endParaRPr lang="en-US" dirty="0"/>
@@ -1644,52 +1644,52 @@
           <a:lstStyle/>
           <a:p>
             <a:r>
-              <a:rPr lang="en-US" dirty="0" smtClean="0"/>
+              <a:rPr lang="en-US" dirty="0"/>
               <a:t>Using the same principle, if you have more than one</a:t>
             </a:r>
             <a:r>
-              <a:rPr lang="en-US" baseline="0" dirty="0" smtClean="0"/>
+              <a:rPr lang="en-US" baseline="0" dirty="0"/>
               <a:t> book, you track word usage over time. What does this graph seem to be telling you?</a:t>
             </a:r>
-            <a:endParaRPr lang="en-US" dirty="0" smtClean="0"/>
-          </a:p>
-          <a:p>
-            <a:r>
-              <a:rPr lang="en-US" dirty="0" smtClean="0"/>
+            <a:endParaRPr lang="en-US" dirty="0"/>
+          </a:p>
+          <a:p>
+            <a:r>
+              <a:rPr lang="en-US" dirty="0"/>
               <a:t>Explain what </a:t>
             </a:r>
             <a:r>
-              <a:rPr lang="en-US" dirty="0" err="1" smtClean="0"/>
+              <a:rPr lang="en-US" dirty="0" err="1"/>
               <a:t>google</a:t>
             </a:r>
             <a:r>
-              <a:rPr lang="en-US" dirty="0" smtClean="0"/>
+              <a:rPr lang="en-US" dirty="0"/>
               <a:t> </a:t>
             </a:r>
             <a:r>
-              <a:rPr lang="en-US" dirty="0" err="1" smtClean="0"/>
+              <a:rPr lang="en-US" dirty="0" err="1"/>
               <a:t>ngrams</a:t>
             </a:r>
             <a:r>
-              <a:rPr lang="en-US" baseline="0" dirty="0" smtClean="0"/>
+              <a:rPr lang="en-US" baseline="0" dirty="0"/>
               <a:t> is</a:t>
             </a:r>
           </a:p>
           <a:p>
             <a:r>
-              <a:rPr lang="en-US" dirty="0" smtClean="0"/>
+              <a:rPr lang="en-US" dirty="0"/>
               <a:t>https://</a:t>
             </a:r>
             <a:r>
-              <a:rPr lang="en-US" dirty="0" err="1" smtClean="0"/>
+              <a:rPr lang="en-US" dirty="0" err="1"/>
               <a:t>books.google.com</a:t>
             </a:r>
             <a:r>
-              <a:rPr lang="en-US" dirty="0" smtClean="0"/>
+              <a:rPr lang="en-US" dirty="0"/>
               <a:t>/</a:t>
             </a:r>
             <a:r>
-              <a:rPr lang="en-US" dirty="0" err="1" smtClean="0"/>
+              <a:rPr lang="en-US" dirty="0" err="1"/>
               <a:t>ngrams</a:t>
             </a:r>
             <a:endParaRPr lang="en-US" dirty="0"/>
@@ -1861,26 +1861,26 @@
           <a:lstStyle/>
           <a:p>
             <a:r>
-              <a:rPr lang="en-US" dirty="0" smtClean="0"/>
+              <a:rPr lang="en-US" dirty="0"/>
               <a:t>Remember </a:t>
             </a:r>
             <a:r>
-              <a:rPr lang="en-US" dirty="0" err="1" smtClean="0"/>
+              <a:rPr lang="en-US" dirty="0" err="1"/>
               <a:t>stopwords</a:t>
             </a:r>
             <a:r>
-              <a:rPr lang="en-US" dirty="0" smtClean="0"/>
+              <a:rPr lang="en-US" dirty="0"/>
               <a:t>?</a:t>
             </a:r>
             <a:br>
-              <a:rPr lang="en-US" dirty="0" smtClean="0"/>
+              <a:rPr lang="en-US" dirty="0"/>
             </a:br>
             <a:r>
-              <a:rPr lang="en-US" dirty="0" smtClean="0"/>
+              <a:rPr lang="en-US" dirty="0"/>
               <a:t>What</a:t>
             </a:r>
             <a:r>
-              <a:rPr lang="en-US" baseline="0" dirty="0" smtClean="0"/>
+              <a:rPr lang="en-US" baseline="0" dirty="0"/>
               <a:t> is this?</a:t>
             </a:r>
             <a:endParaRPr lang="en-US" dirty="0"/>
@@ -1968,27 +1968,27 @@
           <a:lstStyle/>
           <a:p>
             <a:r>
-              <a:rPr lang="en-US" dirty="0" smtClean="0"/>
+              <a:rPr lang="en-US" dirty="0"/>
               <a:t>Gives you the </a:t>
             </a:r>
             <a:r>
-              <a:rPr lang="en-US" dirty="0" err="1" smtClean="0"/>
+              <a:rPr lang="en-US" dirty="0" err="1"/>
               <a:t>stopword</a:t>
             </a:r>
             <a:r>
-              <a:rPr lang="en-US" baseline="0" dirty="0" smtClean="0"/>
+              <a:rPr lang="en-US" baseline="0" dirty="0"/>
               <a:t> list basically.</a:t>
             </a:r>
           </a:p>
           <a:p>
             <a:r>
-              <a:rPr lang="en-US" baseline="0" dirty="0" smtClean="0"/>
+              <a:rPr lang="en-US" baseline="0" dirty="0"/>
               <a:t>It gives you a list of those words that you often don’t care about. Normally you ignore them.</a:t>
             </a:r>
           </a:p>
           <a:p>
             <a:r>
-              <a:rPr lang="en-US" baseline="0" dirty="0" smtClean="0"/>
+              <a:rPr lang="en-US" baseline="0" dirty="0"/>
               <a:t>But they CAN be good for telling you how someone is talking about something if not what they’re talking about.</a:t>
             </a:r>
             <a:endParaRPr lang="en-US" dirty="0"/>
@@ -2076,44 +2076,44 @@
           <a:lstStyle/>
           <a:p>
             <a:r>
-              <a:rPr lang="en-US" dirty="0" smtClean="0"/>
+              <a:rPr lang="en-US" dirty="0"/>
               <a:t>Next activity</a:t>
             </a:r>
             <a:r>
-              <a:rPr lang="en-US" baseline="0" dirty="0" smtClean="0"/>
+              <a:rPr lang="en-US" baseline="0" dirty="0"/>
               <a:t> – a more advanced form of counting words. Not just about counting individual words. It’s about telling what </a:t>
             </a:r>
-            <a:endParaRPr lang="en-US" dirty="0" smtClean="0"/>
-          </a:p>
-          <a:p>
-            <a:r>
-              <a:rPr lang="en-US" baseline="0" dirty="0" smtClean="0"/>
+            <a:endParaRPr lang="en-US" dirty="0"/>
+          </a:p>
+          <a:p>
+            <a:r>
+              <a:rPr lang="en-US" baseline="0" dirty="0"/>
               <a:t>Text 1 – Jack the Ripper, newspaper article</a:t>
             </a:r>
           </a:p>
           <a:p>
             <a:r>
-              <a:rPr lang="en-US" baseline="0" dirty="0" smtClean="0"/>
+              <a:rPr lang="en-US" baseline="0" dirty="0"/>
               <a:t>Text 2 – Sherlock Holmes, Scandal in Bohemia</a:t>
             </a:r>
           </a:p>
           <a:p>
             <a:r>
-              <a:rPr lang="en-US" baseline="0" dirty="0" smtClean="0"/>
+              <a:rPr lang="en-US" baseline="0" dirty="0"/>
               <a:t>Text 3 – http://</a:t>
             </a:r>
             <a:r>
-              <a:rPr lang="en-US" baseline="0" dirty="0" err="1" smtClean="0"/>
+              <a:rPr lang="en-US" baseline="0" dirty="0" err="1"/>
               <a:t>www.npr.org</a:t>
             </a:r>
             <a:r>
-              <a:rPr lang="en-US" baseline="0" dirty="0" smtClean="0"/>
+              <a:rPr lang="en-US" baseline="0" dirty="0"/>
               <a:t>/sections/health-shots/2016/09/13/493289511/doctors-test-drones-to-speed-up-delivery-of-lab-tests</a:t>
             </a:r>
           </a:p>
           <a:p>
             <a:r>
-              <a:rPr lang="en-US" baseline="0" dirty="0" smtClean="0"/>
+              <a:rPr lang="en-US" baseline="0" dirty="0"/>
               <a:t>What did you find?</a:t>
             </a:r>
           </a:p>
@@ -2217,14 +2217,14 @@
               <a:defRPr/>
             </a:pPr>
             <a:r>
-              <a:rPr lang="en-US" dirty="0" smtClean="0"/>
+              <a:rPr lang="en-US" dirty="0"/>
               <a:t>You get anything else? How did you know what</a:t>
             </a:r>
             <a:r>
-              <a:rPr lang="en-US" baseline="0" dirty="0" smtClean="0"/>
+              <a:rPr lang="en-US" baseline="0" dirty="0"/>
               <a:t> topics the texts had if you didn’t have the order of the words?</a:t>
             </a:r>
-            <a:endParaRPr lang="en-US" dirty="0" smtClean="0"/>
+            <a:endParaRPr lang="en-US" dirty="0"/>
           </a:p>
           <a:p>
             <a:pPr marL="0" marR="0" indent="0" algn="l" defTabSz="457200" rtl="0" eaLnBrk="1" fontAlgn="auto" latinLnBrk="0" hangingPunct="1">
@@ -2244,7 +2244,7 @@
               <a:tabLst/>
               <a:defRPr/>
             </a:pPr>
-            <a:endParaRPr lang="en-US" dirty="0" smtClean="0"/>
+            <a:endParaRPr lang="en-US" dirty="0"/>
           </a:p>
           <a:p>
             <a:pPr marL="0" marR="0" indent="0" algn="l" defTabSz="457200" rtl="0" eaLnBrk="1" fontAlgn="auto" latinLnBrk="0" hangingPunct="1">
@@ -2265,11 +2265,11 @@
               <a:defRPr/>
             </a:pPr>
             <a:r>
-              <a:rPr lang="en-US" dirty="0" smtClean="0"/>
+              <a:rPr lang="en-US" dirty="0"/>
               <a:t>Not just about word count – it’s also about collocating</a:t>
             </a:r>
             <a:r>
-              <a:rPr lang="en-US" baseline="0" dirty="0" smtClean="0"/>
+              <a:rPr lang="en-US" baseline="0" dirty="0"/>
               <a:t> words. Counting with an eye towards what words occur next to each other.</a:t>
             </a:r>
           </a:p>
@@ -2359,11 +2359,11 @@
           <a:lstStyle/>
           <a:p>
             <a:r>
-              <a:rPr lang="en-US" dirty="0" smtClean="0"/>
+              <a:rPr lang="en-US" dirty="0"/>
               <a:t>The</a:t>
             </a:r>
             <a:r>
-              <a:rPr lang="en-US" baseline="0" dirty="0" smtClean="0"/>
+              <a:rPr lang="en-US" baseline="0" dirty="0"/>
               <a:t> computer can do this for us!</a:t>
             </a:r>
             <a:endParaRPr lang="en-US" dirty="0"/>
@@ -2451,80 +2451,76 @@
           <a:lstStyle/>
           <a:p>
             <a:r>
-              <a:rPr lang="en-US" dirty="0" smtClean="0"/>
+              <a:rPr lang="en-US" dirty="0"/>
               <a:t>This</a:t>
             </a:r>
             <a:r>
-              <a:rPr lang="en-US" baseline="0" dirty="0" smtClean="0"/>
+              <a:rPr lang="en-US" baseline="0" dirty="0"/>
               <a:t> is text 1 in order. I ran it through a program – </a:t>
             </a:r>
             <a:r>
-              <a:rPr lang="en-US" baseline="0" dirty="0" err="1" smtClean="0"/>
+              <a:rPr lang="en-US" baseline="0" dirty="0" err="1"/>
               <a:t>prism.scholarslab.org</a:t>
             </a:r>
             <a:r>
               <a:rPr lang="en-US" baseline="0" dirty="0"/>
-              <a:t> </a:t>
-            </a:r>
-            <a:r>
-              <a:rPr lang="en-US" baseline="0" dirty="0" smtClean="0"/>
-              <a:t>– to show the different themes. You might do it differently.</a:t>
-            </a:r>
-          </a:p>
-          <a:p>
-            <a:r>
-              <a:rPr lang="en-US" baseline="0" dirty="0" smtClean="0"/>
+              <a:t> – to show the different themes. You might do it differently.</a:t>
+            </a:r>
+          </a:p>
+          <a:p>
+            <a:r>
+              <a:rPr lang="en-US" baseline="0" dirty="0"/>
               <a:t>But when you’re reading, you probably do something similar.</a:t>
             </a:r>
           </a:p>
           <a:p>
             <a:r>
-              <a:rPr lang="en-US" baseline="0" dirty="0" smtClean="0"/>
+              <a:rPr lang="en-US" baseline="0" dirty="0"/>
               <a:t>Individual words suggest certain themes to you. And you internalize these when you read. </a:t>
             </a:r>
           </a:p>
           <a:p>
             <a:r>
-              <a:rPr lang="en-US" baseline="0" dirty="0" smtClean="0"/>
+              <a:rPr lang="en-US" baseline="0" dirty="0"/>
               <a:t>It’s also about clusters of these theme/topic rich words together.</a:t>
             </a:r>
           </a:p>
           <a:p>
             <a:r>
-              <a:rPr lang="en-US" baseline="0" dirty="0" smtClean="0"/>
+              <a:rPr lang="en-US" baseline="0" dirty="0"/>
               <a:t>We could go a step further and say that any text is made up a number of these themes, each of which is comprised of a series of words. When we read, we sift through the text and discern the themes at work. </a:t>
             </a:r>
             <a:br>
-              <a:rPr lang="en-US" baseline="0" dirty="0" smtClean="0"/>
+              <a:rPr lang="en-US" baseline="0" dirty="0"/>
             </a:br>
             <a:r>
-              <a:rPr lang="en-US" baseline="0" dirty="0" smtClean="0"/>
+              <a:rPr lang="en-US" baseline="0" dirty="0"/>
               <a:t>A flipped version would say that authors actually compose in the same way – they have buckets full of words that correspond to each theme. When composing this text, the author might have said something like:</a:t>
             </a:r>
           </a:p>
           <a:p>
-            <a:endParaRPr lang="en-US" baseline="0" dirty="0" smtClean="0"/>
-          </a:p>
-          <a:p>
-            <a:r>
-              <a:rPr lang="en-US" baseline="0" dirty="0" smtClean="0"/>
+            <a:endParaRPr lang="en-US" baseline="0" dirty="0"/>
+          </a:p>
+          <a:p>
+            <a:r>
+              <a:rPr lang="en-US" baseline="0" dirty="0"/>
               <a:t>I have some words related to evidence, some for medicine, and some for murder. I’m going to select some from each and arrange this text. But </a:t>
             </a:r>
             <a:r>
-              <a:rPr lang="en-US" baseline="0" dirty="0" err="1" smtClean="0"/>
+              <a:rPr lang="en-US" baseline="0" dirty="0" err="1"/>
               <a:t>i’ll</a:t>
             </a:r>
             <a:r>
-              <a:rPr lang="en-US" baseline="0" dirty="0" smtClean="0"/>
+              <a:rPr lang="en-US" baseline="0" dirty="0"/>
               <a:t> leave that bucket of words related to basketball alone.</a:t>
             </a:r>
           </a:p>
           <a:p>
-            <a:endParaRPr lang="en-US" baseline="0" dirty="0" smtClean="0"/>
-          </a:p>
-          <a:p>
-            <a:r>
-              <a:rPr lang="en-US" baseline="0" dirty="0" smtClean="0"/>
+            <a:endParaRPr lang="en-US" baseline="0" dirty="0"/>
+          </a:p>
+          <a:p>
+            <a:r>
+              <a:rPr lang="en-US" baseline="0" dirty="0"/>
               <a:t>A weird way to think about reading and writing / and it’s partially metaphor. But you can actually use a computer to work through metaphors like this for you.</a:t>
             </a:r>
           </a:p>
@@ -2611,23 +2607,23 @@
           <a:lstStyle/>
           <a:p>
             <a:r>
-              <a:rPr lang="en-US" dirty="0" smtClean="0"/>
+              <a:rPr lang="en-US" dirty="0"/>
               <a:t>So when</a:t>
             </a:r>
             <a:r>
-              <a:rPr lang="en-US" baseline="0" dirty="0" smtClean="0"/>
+              <a:rPr lang="en-US" baseline="0" dirty="0"/>
               <a:t> you do topic modeling.</a:t>
             </a:r>
           </a:p>
           <a:p>
             <a:r>
-              <a:rPr lang="en-US" baseline="0" dirty="0" smtClean="0"/>
+              <a:rPr lang="en-US" baseline="0" dirty="0"/>
               <a:t>Assumes that there are significant topics or discourses at work in a text.</a:t>
             </a:r>
           </a:p>
           <a:p>
             <a:r>
-              <a:rPr lang="en-US" baseline="0" dirty="0" smtClean="0"/>
+              <a:rPr lang="en-US" baseline="0" dirty="0"/>
               <a:t>Tries to get at them by finding which words occur frequently together over time. At the end of the day, that results in a sense of the topic distribution.</a:t>
             </a:r>
             <a:endParaRPr lang="en-US" dirty="0"/>
@@ -2715,62 +2711,61 @@
           <a:lstStyle/>
           <a:p>
             <a:r>
-              <a:rPr lang="en-US" dirty="0" smtClean="0"/>
+              <a:rPr lang="en-US" dirty="0"/>
               <a:t>Here is an example of TM. If we have</a:t>
             </a:r>
             <a:r>
-              <a:rPr lang="en-US" baseline="0" dirty="0" smtClean="0"/>
+              <a:rPr lang="en-US" baseline="0" dirty="0"/>
               <a:t> a whole lot of texts and we look at the topics over time, we can get a sense of how they change over time!</a:t>
             </a:r>
           </a:p>
           <a:p>
             <a:r>
-              <a:rPr lang="en-US" dirty="0" smtClean="0"/>
+              <a:rPr lang="en-US" dirty="0"/>
               <a:t>TM run over the Richmond Daily Dispatch during the civil</a:t>
             </a:r>
             <a:r>
-              <a:rPr lang="en-US" baseline="0" dirty="0" smtClean="0"/>
+              <a:rPr lang="en-US" baseline="0" dirty="0"/>
               <a:t> war. This topic came to the surface. Knowing their corpus, they </a:t>
             </a:r>
             <a:r>
-              <a:rPr lang="en-US" baseline="0" dirty="0" err="1" smtClean="0"/>
+              <a:rPr lang="en-US" baseline="0" dirty="0" err="1"/>
               <a:t>ID’d</a:t>
             </a:r>
             <a:r>
-              <a:rPr lang="en-US" baseline="0" dirty="0" smtClean="0"/>
+              <a:rPr lang="en-US" baseline="0" dirty="0"/>
               <a:t> it as a fugitive slave topic. Charted over time, they can see that the number of fugitive slave ads spiked at particular times of union occupations – summer of 1862 and summer of 1864. “relative proximity of the union to enslaved people gave them a chance to escape or attempt to escape to freedom.</a:t>
             </a:r>
-            <a:endParaRPr lang="en-US" dirty="0" smtClean="0"/>
-          </a:p>
-          <a:p>
-            <a:endParaRPr lang="en-US" dirty="0" smtClean="0"/>
-          </a:p>
-          <a:p>
-            <a:r>
-              <a:rPr lang="en-US" smtClean="0"/>
+            <a:endParaRPr lang="en-US" dirty="0"/>
+          </a:p>
+          <a:p>
+            <a:endParaRPr lang="en-US" dirty="0"/>
+          </a:p>
+          <a:p>
+            <a:r>
+              <a:rPr lang="en-US"/>
               <a:t>Their</a:t>
             </a:r>
             <a:r>
-              <a:rPr lang="en-US" baseline="0" smtClean="0"/>
+              <a:rPr lang="en-US" baseline="0"/>
               <a:t> words - </a:t>
             </a:r>
             <a:r>
-              <a:rPr lang="en-US" smtClean="0"/>
+              <a:rPr lang="en-US"/>
               <a:t>“</a:t>
             </a:r>
             <a:r>
-              <a:rPr lang="en-US" dirty="0" smtClean="0"/>
+              <a:rPr lang="en-US" dirty="0"/>
               <a:t>What conclusions can we make from this kind of distant reading and draw from this graph specifically? For one, I think, this graph underscores the role of the Union army in presenting enslaved African Americans with opportunities—risky opportunities—to seize their freedom by running to the Yankee lines. There are two sustained spikes in the number of fugitive slave ads, the first in the summer of 1862 and the second in the summer of 1864. At both of those moments the Union army approached Richmond. In 1862 the Union army under </a:t>
             </a:r>
             <a:r>
-              <a:rPr lang="en-US" dirty="0" err="1" smtClean="0"/>
+              <a:rPr lang="en-US" dirty="0" err="1"/>
               <a:t>McClennan</a:t>
             </a:r>
             <a:r>
-              <a:rPr lang="en-US" dirty="0" smtClean="0"/>
+              <a:rPr lang="en-US" dirty="0"/>
               <a:t> approached within seven miles of Richmond during the Peninsula Campaign. (Jefferson Davis's coachman, William A. Jackson, was one of the slaves who ran to the Union army that spring.) Two summers later Grant's Overland Campaign brought Union armies near Richmond. The graph registers how during each of those summers enslaved men and women used to opportunity offered by relative proximity of the Union armies—which we might think of as a mobile North, bringing the free states closer to men and women enslaved in the South—to attempt to escape from bondage. A third spike at the end of 1861 is less explicable, and we'll return to it in a moment.”</a:t>
             </a:r>
-            <a:endParaRPr lang="en-US" dirty="0"/>
           </a:p>
         </p:txBody>
       </p:sp>
@@ -2855,11 +2850,11 @@
           <a:lstStyle/>
           <a:p>
             <a:r>
-              <a:rPr lang="en-US" dirty="0" smtClean="0"/>
+              <a:rPr lang="en-US" dirty="0"/>
               <a:t>One last type</a:t>
             </a:r>
             <a:r>
-              <a:rPr lang="en-US" baseline="0" dirty="0" smtClean="0"/>
+              <a:rPr lang="en-US" baseline="0" dirty="0"/>
               <a:t> of reading. How do you tell if a text is happy or sad?</a:t>
             </a:r>
             <a:endParaRPr lang="en-US" dirty="0"/>
@@ -2947,11 +2942,11 @@
           <a:lstStyle/>
           <a:p>
             <a:r>
-              <a:rPr lang="en-US" dirty="0" smtClean="0"/>
+              <a:rPr lang="en-US" dirty="0"/>
               <a:t>Are these sentences happy or sad?</a:t>
             </a:r>
             <a:r>
-              <a:rPr lang="en-US" baseline="0" dirty="0" smtClean="0"/>
+              <a:rPr lang="en-US" baseline="0" dirty="0"/>
               <a:t> How do you tell?</a:t>
             </a:r>
             <a:endParaRPr lang="en-US" dirty="0"/>
@@ -3039,30 +3034,30 @@
           <a:lstStyle/>
           <a:p>
             <a:r>
-              <a:rPr lang="en-US" dirty="0" smtClean="0"/>
+              <a:rPr lang="en-US" dirty="0"/>
               <a:t>For follow</a:t>
             </a:r>
             <a:r>
-              <a:rPr lang="en-US" baseline="0" dirty="0" smtClean="0"/>
+              <a:rPr lang="en-US" baseline="0" dirty="0"/>
               <a:t> up try to get them to focus on some particulars.</a:t>
             </a:r>
           </a:p>
           <a:p>
             <a:r>
-              <a:rPr lang="en-US" dirty="0" smtClean="0"/>
+              <a:rPr lang="en-US" dirty="0"/>
               <a:t>Guiding questions:</a:t>
             </a:r>
           </a:p>
           <a:p>
             <a:r>
-              <a:rPr lang="en-US" dirty="0" smtClean="0"/>
+              <a:rPr lang="en-US" dirty="0"/>
               <a:t>What kind of a text is it? What does it care about? What kind of a world</a:t>
             </a:r>
             <a:r>
-              <a:rPr lang="en-US" baseline="0" dirty="0" smtClean="0"/>
+              <a:rPr lang="en-US" baseline="0" dirty="0"/>
               <a:t> is it depicting?</a:t>
             </a:r>
-            <a:endParaRPr lang="en-US" dirty="0" smtClean="0"/>
+            <a:endParaRPr lang="en-US" dirty="0"/>
           </a:p>
           <a:p>
             <a:endParaRPr lang="en-US" dirty="0"/>
@@ -3150,11 +3145,11 @@
           <a:lstStyle/>
           <a:p>
             <a:r>
-              <a:rPr lang="en-US" dirty="0" smtClean="0"/>
+              <a:rPr lang="en-US" dirty="0"/>
               <a:t>Happy? Sad? How do you</a:t>
             </a:r>
             <a:r>
-              <a:rPr lang="en-US" baseline="0" dirty="0" smtClean="0"/>
+              <a:rPr lang="en-US" baseline="0" dirty="0"/>
               <a:t> tell? Maybe there’s some other kind of measure?</a:t>
             </a:r>
             <a:endParaRPr lang="en-US" dirty="0"/>
@@ -3242,15 +3237,15 @@
           <a:lstStyle/>
           <a:p>
             <a:r>
-              <a:rPr lang="en-US" dirty="0" smtClean="0"/>
+              <a:rPr lang="en-US" dirty="0"/>
               <a:t>Happy? Sad? How do you</a:t>
             </a:r>
             <a:r>
-              <a:rPr lang="en-US" baseline="0" dirty="0" smtClean="0"/>
+              <a:rPr lang="en-US" baseline="0" dirty="0"/>
               <a:t> tell? Maybe there’s some other kind </a:t>
             </a:r>
             <a:r>
-              <a:rPr lang="en-US" baseline="0" smtClean="0"/>
+              <a:rPr lang="en-US" baseline="0"/>
               <a:t>of measure?</a:t>
             </a:r>
             <a:endParaRPr lang="en-US"/>
@@ -3338,10 +3333,9 @@
           <a:lstStyle/>
           <a:p>
             <a:r>
-              <a:rPr lang="en-US" dirty="0" smtClean="0"/>
+              <a:rPr lang="en-US" dirty="0"/>
               <a:t>But remember computers like numbers. How might we register this?</a:t>
             </a:r>
-            <a:endParaRPr lang="en-US" dirty="0"/>
           </a:p>
         </p:txBody>
       </p:sp>
@@ -3510,11 +3504,11 @@
           <a:lstStyle/>
           <a:p>
             <a:r>
-              <a:rPr lang="en-US" dirty="0" smtClean="0"/>
+              <a:rPr lang="en-US" dirty="0"/>
               <a:t>If we add up</a:t>
             </a:r>
             <a:r>
-              <a:rPr lang="en-US" baseline="0" dirty="0" smtClean="0"/>
+              <a:rPr lang="en-US" baseline="0" dirty="0"/>
               <a:t> the numbers for the sentence, we can get a sense of the feelings in it.</a:t>
             </a:r>
             <a:endParaRPr lang="en-US" dirty="0"/>
@@ -3686,11 +3680,11 @@
           <a:lstStyle/>
           <a:p>
             <a:r>
-              <a:rPr lang="en-US" dirty="0" smtClean="0"/>
+              <a:rPr lang="en-US" dirty="0"/>
               <a:t>Note in particular that Fahrenheit</a:t>
             </a:r>
             <a:r>
-              <a:rPr lang="en-US" baseline="0" dirty="0" smtClean="0"/>
+              <a:rPr lang="en-US" baseline="0" dirty="0"/>
               <a:t> 451 appears to be the happiest.</a:t>
             </a:r>
             <a:endParaRPr lang="en-US" dirty="0"/>
@@ -3778,34 +3772,34 @@
           <a:lstStyle/>
           <a:p>
             <a:r>
-              <a:rPr lang="en-US" dirty="0" smtClean="0"/>
+              <a:rPr lang="en-US" dirty="0"/>
               <a:t>What</a:t>
             </a:r>
             <a:r>
-              <a:rPr lang="en-US" baseline="0" dirty="0" smtClean="0"/>
+              <a:rPr lang="en-US" baseline="0" dirty="0"/>
               <a:t> numbers did you get? Do some people have different numbers?</a:t>
             </a:r>
-            <a:endParaRPr lang="en-US" dirty="0" smtClean="0"/>
-          </a:p>
-          <a:p>
-            <a:r>
-              <a:rPr lang="en-US" dirty="0" smtClean="0"/>
+            <a:endParaRPr lang="en-US" dirty="0"/>
+          </a:p>
+          <a:p>
+            <a:r>
+              <a:rPr lang="en-US" dirty="0"/>
               <a:t>Note in particular that Fahrenheit</a:t>
             </a:r>
             <a:r>
-              <a:rPr lang="en-US" baseline="0" dirty="0" smtClean="0"/>
+              <a:rPr lang="en-US" baseline="0" dirty="0"/>
               <a:t> 451 appears to be the happiest.</a:t>
             </a:r>
           </a:p>
           <a:p>
             <a:r>
-              <a:rPr lang="en-US" baseline="0" dirty="0" smtClean="0"/>
+              <a:rPr lang="en-US" baseline="0" dirty="0"/>
               <a:t>What do you make of this form of measure? What can you imagine it used for.</a:t>
             </a:r>
           </a:p>
           <a:p>
             <a:r>
-              <a:rPr lang="en-US" baseline="0" dirty="0" smtClean="0"/>
+              <a:rPr lang="en-US" baseline="0" dirty="0"/>
               <a:t>Can you imagine any way to make it work better? (have humans validate the results and tweak them)</a:t>
             </a:r>
             <a:endParaRPr lang="en-US" dirty="0"/>
@@ -3893,27 +3887,19 @@
           <a:lstStyle/>
           <a:p>
             <a:r>
-              <a:rPr lang="en-US" dirty="0" smtClean="0"/>
-              <a:t>What can you do with sentiment analysis?</a:t>
-            </a:r>
-          </a:p>
-          <a:p>
-            <a:r>
-              <a:rPr lang="en-US" dirty="0" smtClean="0"/>
-              <a:t>From a humanities perspective, you can say that by registering</a:t>
-            </a:r>
-            <a:r>
-              <a:rPr lang="en-US" baseline="0" dirty="0" smtClean="0"/>
-              <a:t> moments of happiness or sadness over time, you can measure a plot’s tension. You could get a sense of the plot arc in a text. </a:t>
-            </a:r>
-            <a:r>
-              <a:rPr lang="en-US" baseline="0" dirty="0" err="1" smtClean="0"/>
-              <a:t>Jockers</a:t>
-            </a:r>
-            <a:r>
-              <a:rPr lang="en-US" baseline="0" dirty="0" smtClean="0"/>
-              <a:t> claims there are really only six shapes if you do this kind of math.</a:t>
-            </a:r>
+              <a:rPr lang="en-US" dirty="0"/>
+              <a:t>https://</a:t>
+            </a:r>
+            <a:r>
+              <a:rPr lang="en-US" dirty="0" err="1"/>
+              <a:t>open.nytimes.com</a:t>
+            </a:r>
+            <a:r>
+              <a:rPr lang="en-US" dirty="0"/>
+              <a:t>/how-does-this-article-make-you-feel-4684e5e9c47</a:t>
+            </a:r>
+          </a:p>
+          <a:p>
             <a:endParaRPr lang="en-US" dirty="0"/>
           </a:p>
         </p:txBody>
@@ -3925,7 +3911,7 @@
             <a:spLocks noGrp="1"/>
           </p:cNvSpPr>
           <p:nvPr>
-            <p:ph type="sldNum" sz="quarter" idx="10"/>
+            <p:ph type="sldNum" sz="quarter" idx="5"/>
           </p:nvPr>
         </p:nvSpPr>
         <p:spPr/>
@@ -3935,7 +3921,7 @@
           <a:p>
             <a:fld id="{3C549AD9-45EC-574A-BF48-6DAFD1875592}" type="slidenum">
               <a:rPr lang="en-US" smtClean="0"/>
-              <a:t>41</a:t>
+              <a:t>40</a:t>
             </a:fld>
             <a:endParaRPr lang="en-US"/>
           </a:p>
@@ -3944,7 +3930,7 @@
     </p:spTree>
     <p:extLst>
       <p:ext uri="{BB962C8B-B14F-4D97-AF65-F5344CB8AC3E}">
-        <p14:creationId xmlns:p14="http://schemas.microsoft.com/office/powerpoint/2010/main" val="925077062"/>
+        <p14:creationId xmlns:p14="http://schemas.microsoft.com/office/powerpoint/2010/main" val="3962036282"/>
       </p:ext>
     </p:extLst>
   </p:cSld>
@@ -3999,48 +3985,26 @@
           <a:lstStyle/>
           <a:p>
             <a:r>
-              <a:rPr lang="en-US" dirty="0" smtClean="0"/>
-              <a:t>A different kind of approach</a:t>
-            </a:r>
-            <a:r>
-              <a:rPr lang="en-US" baseline="0" dirty="0" smtClean="0"/>
-              <a:t> with different corpus. </a:t>
-            </a:r>
-            <a:r>
-              <a:rPr lang="en-US" baseline="0" dirty="0" err="1" smtClean="0"/>
-              <a:t>Emojisentiment</a:t>
-            </a:r>
-            <a:r>
-              <a:rPr lang="en-US" baseline="0" dirty="0" smtClean="0"/>
-              <a:t> takes a </a:t>
-            </a:r>
-            <a:r>
-              <a:rPr lang="en-US" baseline="0" dirty="0" err="1" smtClean="0"/>
-              <a:t>hashtag</a:t>
-            </a:r>
-            <a:r>
-              <a:rPr lang="en-US" baseline="0" dirty="0" smtClean="0"/>
-              <a:t> and actually measures the emotional valence of the </a:t>
-            </a:r>
-            <a:r>
-              <a:rPr lang="en-US" baseline="0" dirty="0" err="1" smtClean="0"/>
-              <a:t>emoji</a:t>
-            </a:r>
-            <a:r>
-              <a:rPr lang="en-US" baseline="0" dirty="0" smtClean="0"/>
-              <a:t>. Then it adds up all the sentiment counts to give you a sense of sentiment for the </a:t>
-            </a:r>
-            <a:r>
-              <a:rPr lang="en-US" baseline="0" dirty="0" err="1" smtClean="0"/>
-              <a:t>hashtag</a:t>
-            </a:r>
-            <a:r>
-              <a:rPr lang="en-US" baseline="0" dirty="0" smtClean="0"/>
-              <a:t>. Interesting right? Made by students, full of problem, but shows that there are texts all out there, ready </a:t>
-            </a:r>
-            <a:r>
-              <a:rPr lang="en-US" baseline="0" smtClean="0"/>
-              <a:t>to read. </a:t>
+              <a:rPr lang="en-US" dirty="0"/>
+              <a:t>What can you do with sentiment analysis?</a:t>
+            </a:r>
+          </a:p>
+          <a:p>
+            <a:r>
+              <a:rPr lang="en-US" dirty="0"/>
+              <a:t>From a humanities perspective, you can say that by registering</a:t>
+            </a:r>
+            <a:r>
+              <a:rPr lang="en-US" baseline="0" dirty="0"/>
+              <a:t> moments of happiness or sadness over time, you can measure a plot’s tension. You could get a sense of the plot arc in a text. </a:t>
+            </a:r>
+            <a:r>
+              <a:rPr lang="en-US" baseline="0" dirty="0" err="1"/>
+              <a:t>Jockers</a:t>
+            </a:r>
+            <a:r>
+              <a:rPr lang="en-US" baseline="0" dirty="0"/>
+              <a:t> claims there are really only six shapes if you do this kind of math.</a:t>
             </a:r>
             <a:endParaRPr lang="en-US" dirty="0"/>
           </a:p>
@@ -4063,7 +4027,7 @@
           <a:p>
             <a:fld id="{3C549AD9-45EC-574A-BF48-6DAFD1875592}" type="slidenum">
               <a:rPr lang="en-US" smtClean="0"/>
-              <a:t>42</a:t>
+              <a:t>41</a:t>
             </a:fld>
             <a:endParaRPr lang="en-US"/>
           </a:p>
@@ -4072,7 +4036,7 @@
     </p:spTree>
     <p:extLst>
       <p:ext uri="{BB962C8B-B14F-4D97-AF65-F5344CB8AC3E}">
-        <p14:creationId xmlns:p14="http://schemas.microsoft.com/office/powerpoint/2010/main" val="1494518024"/>
+        <p14:creationId xmlns:p14="http://schemas.microsoft.com/office/powerpoint/2010/main" val="925077062"/>
       </p:ext>
     </p:extLst>
   </p:cSld>
@@ -4127,17 +4091,17 @@
           <a:lstStyle/>
           <a:p>
             <a:r>
-              <a:rPr lang="en-US" dirty="0" smtClean="0"/>
+              <a:rPr lang="en-US" dirty="0"/>
               <a:t>But notice</a:t>
             </a:r>
             <a:r>
-              <a:rPr lang="en-US" baseline="0" dirty="0" smtClean="0"/>
+              <a:rPr lang="en-US" baseline="0" dirty="0"/>
               <a:t> how this puts the interpretation directly interacting with the text. That’s a problem for computers, which are really pretty dumb. </a:t>
             </a:r>
           </a:p>
           <a:p>
             <a:r>
-              <a:rPr lang="en-US" baseline="0" dirty="0" smtClean="0"/>
+              <a:rPr lang="en-US" baseline="0" dirty="0"/>
               <a:t>They’re good for repetitive things. And for counting things. So we’re going to take a look at some different ways that you can count things with computers to give you new opportunities for interpretations.</a:t>
             </a:r>
             <a:endParaRPr lang="en-US" dirty="0"/>
@@ -4171,6 +4135,134 @@
     <p:extLst>
       <p:ext uri="{BB962C8B-B14F-4D97-AF65-F5344CB8AC3E}">
         <p14:creationId xmlns:p14="http://schemas.microsoft.com/office/powerpoint/2010/main" val="2138664034"/>
+      </p:ext>
+    </p:extLst>
+  </p:cSld>
+  <p:clrMapOvr>
+    <a:masterClrMapping/>
+  </p:clrMapOvr>
+</p:notes>
+</file>
+
+<file path=ppt/notesSlides/notesSlide40.xml><?xml version="1.0" encoding="utf-8"?>
+<p:notes xmlns:a="http://schemas.openxmlformats.org/drawingml/2006/main" xmlns:r="http://schemas.openxmlformats.org/officeDocument/2006/relationships" xmlns:p="http://schemas.openxmlformats.org/presentationml/2006/main">
+  <p:cSld>
+    <p:spTree>
+      <p:nvGrpSpPr>
+        <p:cNvPr id="1" name=""/>
+        <p:cNvGrpSpPr/>
+        <p:nvPr/>
+      </p:nvGrpSpPr>
+      <p:grpSpPr>
+        <a:xfrm>
+          <a:off x="0" y="0"/>
+          <a:ext cx="0" cy="0"/>
+          <a:chOff x="0" y="0"/>
+          <a:chExt cx="0" cy="0"/>
+        </a:xfrm>
+      </p:grpSpPr>
+      <p:sp>
+        <p:nvSpPr>
+          <p:cNvPr id="2" name="Slide Image Placeholder 1"/>
+          <p:cNvSpPr>
+            <a:spLocks noGrp="1" noRot="1" noChangeAspect="1"/>
+          </p:cNvSpPr>
+          <p:nvPr>
+            <p:ph type="sldImg"/>
+          </p:nvPr>
+        </p:nvSpPr>
+        <p:spPr/>
+      </p:sp>
+      <p:sp>
+        <p:nvSpPr>
+          <p:cNvPr id="3" name="Notes Placeholder 2"/>
+          <p:cNvSpPr>
+            <a:spLocks noGrp="1"/>
+          </p:cNvSpPr>
+          <p:nvPr>
+            <p:ph type="body" idx="1"/>
+          </p:nvPr>
+        </p:nvSpPr>
+        <p:spPr/>
+        <p:txBody>
+          <a:bodyPr/>
+          <a:lstStyle/>
+          <a:p>
+            <a:r>
+              <a:rPr lang="en-US" dirty="0"/>
+              <a:t>A different kind of approach</a:t>
+            </a:r>
+            <a:r>
+              <a:rPr lang="en-US" baseline="0" dirty="0"/>
+              <a:t> with different corpus. </a:t>
+            </a:r>
+            <a:r>
+              <a:rPr lang="en-US" baseline="0" dirty="0" err="1"/>
+              <a:t>Emojisentiment</a:t>
+            </a:r>
+            <a:r>
+              <a:rPr lang="en-US" baseline="0" dirty="0"/>
+              <a:t> takes a </a:t>
+            </a:r>
+            <a:r>
+              <a:rPr lang="en-US" baseline="0" dirty="0" err="1"/>
+              <a:t>hashtag</a:t>
+            </a:r>
+            <a:r>
+              <a:rPr lang="en-US" baseline="0" dirty="0"/>
+              <a:t> and actually measures the emotional valence of the </a:t>
+            </a:r>
+            <a:r>
+              <a:rPr lang="en-US" baseline="0" dirty="0" err="1"/>
+              <a:t>emoji</a:t>
+            </a:r>
+            <a:r>
+              <a:rPr lang="en-US" baseline="0" dirty="0"/>
+              <a:t>. Then it adds up all the sentiment counts to give you a sense of sentiment for the </a:t>
+            </a:r>
+            <a:r>
+              <a:rPr lang="en-US" baseline="0" dirty="0" err="1"/>
+              <a:t>hashtag</a:t>
+            </a:r>
+            <a:r>
+              <a:rPr lang="en-US" baseline="0" dirty="0"/>
+              <a:t>. Interesting right? Made by students, full of problem, but shows that there are texts all out there, ready </a:t>
+            </a:r>
+            <a:r>
+              <a:rPr lang="en-US" baseline="0"/>
+              <a:t>to read. </a:t>
+            </a:r>
+            <a:endParaRPr lang="en-US" dirty="0"/>
+          </a:p>
+        </p:txBody>
+      </p:sp>
+      <p:sp>
+        <p:nvSpPr>
+          <p:cNvPr id="4" name="Slide Number Placeholder 3"/>
+          <p:cNvSpPr>
+            <a:spLocks noGrp="1"/>
+          </p:cNvSpPr>
+          <p:nvPr>
+            <p:ph type="sldNum" sz="quarter" idx="10"/>
+          </p:nvPr>
+        </p:nvSpPr>
+        <p:spPr/>
+        <p:txBody>
+          <a:bodyPr/>
+          <a:lstStyle/>
+          <a:p>
+            <a:fld id="{3C549AD9-45EC-574A-BF48-6DAFD1875592}" type="slidenum">
+              <a:rPr lang="en-US" smtClean="0"/>
+              <a:t>42</a:t>
+            </a:fld>
+            <a:endParaRPr lang="en-US"/>
+          </a:p>
+        </p:txBody>
+      </p:sp>
+    </p:spTree>
+    <p:extLst>
+      <p:ext uri="{BB962C8B-B14F-4D97-AF65-F5344CB8AC3E}">
+        <p14:creationId xmlns:p14="http://schemas.microsoft.com/office/powerpoint/2010/main" val="1494518024"/>
       </p:ext>
     </p:extLst>
   </p:cSld>
@@ -4225,11 +4317,11 @@
           <a:lstStyle/>
           <a:p>
             <a:r>
-              <a:rPr lang="en-US" dirty="0" smtClean="0"/>
+              <a:rPr lang="en-US" dirty="0"/>
               <a:t>First way is to literally just count the words in a</a:t>
             </a:r>
             <a:r>
-              <a:rPr lang="en-US" baseline="0" dirty="0" smtClean="0"/>
+              <a:rPr lang="en-US" baseline="0" dirty="0"/>
               <a:t> text.</a:t>
             </a:r>
             <a:endParaRPr lang="en-US" dirty="0"/>
@@ -4317,11 +4409,11 @@
           <a:lstStyle/>
           <a:p>
             <a:r>
-              <a:rPr lang="en-US" dirty="0" smtClean="0"/>
+              <a:rPr lang="en-US" dirty="0"/>
               <a:t>To count these things, you’ll first want to make a list of the words. Here’s</a:t>
             </a:r>
             <a:r>
-              <a:rPr lang="en-US" baseline="0" dirty="0" smtClean="0"/>
+              <a:rPr lang="en-US" baseline="0" dirty="0"/>
               <a:t> an example. Notice that we are combining both sentences.</a:t>
             </a:r>
             <a:endParaRPr lang="en-US" dirty="0"/>
@@ -4409,11 +4501,11 @@
           <a:lstStyle/>
           <a:p>
             <a:r>
-              <a:rPr lang="en-US" dirty="0" smtClean="0"/>
+              <a:rPr lang="en-US" dirty="0"/>
               <a:t>So take these two sentences and</a:t>
             </a:r>
             <a:r>
-              <a:rPr lang="en-US" baseline="0" dirty="0" smtClean="0"/>
+              <a:rPr lang="en-US" baseline="0" dirty="0"/>
               <a:t> make a bag of words model that combines both sentences.</a:t>
             </a:r>
             <a:endParaRPr lang="en-US" dirty="0"/>
@@ -4501,28 +4593,28 @@
           <a:lstStyle/>
           <a:p>
             <a:r>
-              <a:rPr lang="en-US" dirty="0" smtClean="0"/>
+              <a:rPr lang="en-US" dirty="0"/>
               <a:t>Notice that you can also count the words. What happens here is we have a new list</a:t>
             </a:r>
             <a:r>
-              <a:rPr lang="en-US" baseline="0" dirty="0" smtClean="0"/>
+              <a:rPr lang="en-US" baseline="0" dirty="0"/>
               <a:t> of numbers for each sentence. One spot for each word. And we list the number of times that the words occur in our sentences. </a:t>
             </a:r>
             <a:r>
-              <a:rPr lang="en-US" baseline="0" dirty="0" err="1" smtClean="0"/>
+              <a:rPr lang="en-US" baseline="0" dirty="0" err="1"/>
               <a:t>Questons</a:t>
             </a:r>
             <a:r>
-              <a:rPr lang="en-US" baseline="0" dirty="0" smtClean="0"/>
+              <a:rPr lang="en-US" baseline="0" dirty="0"/>
               <a:t>?</a:t>
             </a:r>
           </a:p>
           <a:p>
-            <a:endParaRPr lang="en-US" baseline="0" dirty="0" smtClean="0"/>
-          </a:p>
-          <a:p>
-            <a:r>
-              <a:rPr lang="en-US" baseline="0" dirty="0" smtClean="0"/>
+            <a:endParaRPr lang="en-US" baseline="0" dirty="0"/>
+          </a:p>
+          <a:p>
+            <a:r>
+              <a:rPr lang="en-US" baseline="0" dirty="0"/>
               <a:t>Corpus = collection of written texts </a:t>
             </a:r>
             <a:endParaRPr lang="en-US" dirty="0"/>
@@ -4610,11 +4702,11 @@
           <a:lstStyle/>
           <a:p>
             <a:r>
-              <a:rPr lang="en-US" dirty="0" smtClean="0"/>
+              <a:rPr lang="en-US" dirty="0"/>
               <a:t>Expand the BOW model to</a:t>
             </a:r>
             <a:r>
-              <a:rPr lang="en-US" baseline="0" dirty="0" smtClean="0"/>
+              <a:rPr lang="en-US" baseline="0" dirty="0"/>
               <a:t> include this sentence.</a:t>
             </a:r>
             <a:endParaRPr lang="en-US" dirty="0"/>
@@ -4695,10 +4787,9 @@
           <a:lstStyle/>
           <a:p>
             <a:r>
-              <a:rPr lang="en-US" smtClean="0"/>
+              <a:rPr lang="en-US"/>
               <a:t>Click to edit Master title style</a:t>
             </a:r>
-            <a:endParaRPr lang="en-US"/>
           </a:p>
         </p:txBody>
       </p:sp>
@@ -4814,10 +4905,9 @@
           </a:lstStyle>
           <a:p>
             <a:r>
-              <a:rPr lang="en-US" smtClean="0"/>
+              <a:rPr lang="en-US"/>
               <a:t>Click to edit Master subtitle style</a:t>
             </a:r>
-            <a:endParaRPr lang="en-US"/>
           </a:p>
         </p:txBody>
       </p:sp>
@@ -4838,7 +4928,7 @@
           <a:p>
             <a:fld id="{AC0FE2FB-E465-BA4A-ADDB-9C5DA3362E28}" type="datetimeFigureOut">
               <a:rPr lang="en-US" smtClean="0"/>
-              <a:t>9/16/18</a:t>
+              <a:t>9/17/19</a:t>
             </a:fld>
             <a:endParaRPr lang="en-US"/>
           </a:p>
@@ -4932,10 +5022,9 @@
           <a:lstStyle/>
           <a:p>
             <a:r>
-              <a:rPr lang="en-US" smtClean="0"/>
+              <a:rPr lang="en-US"/>
               <a:t>Click to edit Master title style</a:t>
             </a:r>
-            <a:endParaRPr lang="en-US"/>
           </a:p>
         </p:txBody>
       </p:sp>
@@ -4956,38 +5045,37 @@
           <a:p>
             <a:pPr lvl="0"/>
             <a:r>
-              <a:rPr lang="en-US" smtClean="0"/>
+              <a:rPr lang="en-US"/>
               <a:t>Click to edit Master text styles</a:t>
             </a:r>
           </a:p>
           <a:p>
             <a:pPr lvl="1"/>
             <a:r>
-              <a:rPr lang="en-US" smtClean="0"/>
+              <a:rPr lang="en-US"/>
               <a:t>Second level</a:t>
             </a:r>
           </a:p>
           <a:p>
             <a:pPr lvl="2"/>
             <a:r>
-              <a:rPr lang="en-US" smtClean="0"/>
+              <a:rPr lang="en-US"/>
               <a:t>Third level</a:t>
             </a:r>
           </a:p>
           <a:p>
             <a:pPr lvl="3"/>
             <a:r>
-              <a:rPr lang="en-US" smtClean="0"/>
+              <a:rPr lang="en-US"/>
               <a:t>Fourth level</a:t>
             </a:r>
           </a:p>
           <a:p>
             <a:pPr lvl="4"/>
             <a:r>
-              <a:rPr lang="en-US" smtClean="0"/>
+              <a:rPr lang="en-US"/>
               <a:t>Fifth level</a:t>
             </a:r>
-            <a:endParaRPr lang="en-US"/>
           </a:p>
         </p:txBody>
       </p:sp>
@@ -5008,7 +5096,7 @@
           <a:p>
             <a:fld id="{AC0FE2FB-E465-BA4A-ADDB-9C5DA3362E28}" type="datetimeFigureOut">
               <a:rPr lang="en-US" smtClean="0"/>
-              <a:t>9/16/18</a:t>
+              <a:t>9/17/19</a:t>
             </a:fld>
             <a:endParaRPr lang="en-US"/>
           </a:p>
@@ -5107,10 +5195,9 @@
           <a:lstStyle/>
           <a:p>
             <a:r>
-              <a:rPr lang="en-US" smtClean="0"/>
+              <a:rPr lang="en-US"/>
               <a:t>Click to edit Master title style</a:t>
             </a:r>
-            <a:endParaRPr lang="en-US"/>
           </a:p>
         </p:txBody>
       </p:sp>
@@ -5136,38 +5223,37 @@
           <a:p>
             <a:pPr lvl="0"/>
             <a:r>
-              <a:rPr lang="en-US" smtClean="0"/>
+              <a:rPr lang="en-US"/>
               <a:t>Click to edit Master text styles</a:t>
             </a:r>
           </a:p>
           <a:p>
             <a:pPr lvl="1"/>
             <a:r>
-              <a:rPr lang="en-US" smtClean="0"/>
+              <a:rPr lang="en-US"/>
               <a:t>Second level</a:t>
             </a:r>
           </a:p>
           <a:p>
             <a:pPr lvl="2"/>
             <a:r>
-              <a:rPr lang="en-US" smtClean="0"/>
+              <a:rPr lang="en-US"/>
               <a:t>Third level</a:t>
             </a:r>
           </a:p>
           <a:p>
             <a:pPr lvl="3"/>
             <a:r>
-              <a:rPr lang="en-US" smtClean="0"/>
+              <a:rPr lang="en-US"/>
               <a:t>Fourth level</a:t>
             </a:r>
           </a:p>
           <a:p>
             <a:pPr lvl="4"/>
             <a:r>
-              <a:rPr lang="en-US" smtClean="0"/>
+              <a:rPr lang="en-US"/>
               <a:t>Fifth level</a:t>
             </a:r>
-            <a:endParaRPr lang="en-US"/>
           </a:p>
         </p:txBody>
       </p:sp>
@@ -5188,7 +5274,7 @@
           <a:p>
             <a:fld id="{AC0FE2FB-E465-BA4A-ADDB-9C5DA3362E28}" type="datetimeFigureOut">
               <a:rPr lang="en-US" smtClean="0"/>
-              <a:t>9/16/18</a:t>
+              <a:t>9/17/19</a:t>
             </a:fld>
             <a:endParaRPr lang="en-US"/>
           </a:p>
@@ -5282,10 +5368,9 @@
           <a:lstStyle/>
           <a:p>
             <a:r>
-              <a:rPr lang="en-US" smtClean="0"/>
+              <a:rPr lang="en-US"/>
               <a:t>Click to edit Master title style</a:t>
             </a:r>
-            <a:endParaRPr lang="en-US"/>
           </a:p>
         </p:txBody>
       </p:sp>
@@ -5306,38 +5391,37 @@
           <a:p>
             <a:pPr lvl="0"/>
             <a:r>
-              <a:rPr lang="en-US" smtClean="0"/>
+              <a:rPr lang="en-US"/>
               <a:t>Click to edit Master text styles</a:t>
             </a:r>
           </a:p>
           <a:p>
             <a:pPr lvl="1"/>
             <a:r>
-              <a:rPr lang="en-US" smtClean="0"/>
+              <a:rPr lang="en-US"/>
               <a:t>Second level</a:t>
             </a:r>
           </a:p>
           <a:p>
             <a:pPr lvl="2"/>
             <a:r>
-              <a:rPr lang="en-US" smtClean="0"/>
+              <a:rPr lang="en-US"/>
               <a:t>Third level</a:t>
             </a:r>
           </a:p>
           <a:p>
             <a:pPr lvl="3"/>
             <a:r>
-              <a:rPr lang="en-US" smtClean="0"/>
+              <a:rPr lang="en-US"/>
               <a:t>Fourth level</a:t>
             </a:r>
           </a:p>
           <a:p>
             <a:pPr lvl="4"/>
             <a:r>
-              <a:rPr lang="en-US" smtClean="0"/>
+              <a:rPr lang="en-US"/>
               <a:t>Fifth level</a:t>
             </a:r>
-            <a:endParaRPr lang="en-US"/>
           </a:p>
         </p:txBody>
       </p:sp>
@@ -5358,7 +5442,7 @@
           <a:p>
             <a:fld id="{AC0FE2FB-E465-BA4A-ADDB-9C5DA3362E28}" type="datetimeFigureOut">
               <a:rPr lang="en-US" smtClean="0"/>
-              <a:t>9/16/18</a:t>
+              <a:t>9/17/19</a:t>
             </a:fld>
             <a:endParaRPr lang="en-US"/>
           </a:p>
@@ -5461,10 +5545,9 @@
           </a:lstStyle>
           <a:p>
             <a:r>
-              <a:rPr lang="en-US" smtClean="0"/>
+              <a:rPr lang="en-US"/>
               <a:t>Click to edit Master title style</a:t>
             </a:r>
-            <a:endParaRPr lang="en-US"/>
           </a:p>
         </p:txBody>
       </p:sp>
@@ -5581,7 +5664,7 @@
           <a:p>
             <a:pPr lvl="0"/>
             <a:r>
-              <a:rPr lang="en-US" smtClean="0"/>
+              <a:rPr lang="en-US"/>
               <a:t>Click to edit Master text styles</a:t>
             </a:r>
           </a:p>
@@ -5604,7 +5687,7 @@
           <a:p>
             <a:fld id="{AC0FE2FB-E465-BA4A-ADDB-9C5DA3362E28}" type="datetimeFigureOut">
               <a:rPr lang="en-US" smtClean="0"/>
-              <a:t>9/16/18</a:t>
+              <a:t>9/17/19</a:t>
             </a:fld>
             <a:endParaRPr lang="en-US"/>
           </a:p>
@@ -5698,10 +5781,9 @@
           <a:lstStyle/>
           <a:p>
             <a:r>
-              <a:rPr lang="en-US" smtClean="0"/>
+              <a:rPr lang="en-US"/>
               <a:t>Click to edit Master title style</a:t>
             </a:r>
-            <a:endParaRPr lang="en-US"/>
           </a:p>
         </p:txBody>
       </p:sp>
@@ -5755,38 +5837,37 @@
           <a:p>
             <a:pPr lvl="0"/>
             <a:r>
-              <a:rPr lang="en-US" smtClean="0"/>
+              <a:rPr lang="en-US"/>
               <a:t>Click to edit Master text styles</a:t>
             </a:r>
           </a:p>
           <a:p>
             <a:pPr lvl="1"/>
             <a:r>
-              <a:rPr lang="en-US" smtClean="0"/>
+              <a:rPr lang="en-US"/>
               <a:t>Second level</a:t>
             </a:r>
           </a:p>
           <a:p>
             <a:pPr lvl="2"/>
             <a:r>
-              <a:rPr lang="en-US" smtClean="0"/>
+              <a:rPr lang="en-US"/>
               <a:t>Third level</a:t>
             </a:r>
           </a:p>
           <a:p>
             <a:pPr lvl="3"/>
             <a:r>
-              <a:rPr lang="en-US" smtClean="0"/>
+              <a:rPr lang="en-US"/>
               <a:t>Fourth level</a:t>
             </a:r>
           </a:p>
           <a:p>
             <a:pPr lvl="4"/>
             <a:r>
-              <a:rPr lang="en-US" smtClean="0"/>
+              <a:rPr lang="en-US"/>
               <a:t>Fifth level</a:t>
             </a:r>
-            <a:endParaRPr lang="en-US"/>
           </a:p>
         </p:txBody>
       </p:sp>
@@ -5840,38 +5921,37 @@
           <a:p>
             <a:pPr lvl="0"/>
             <a:r>
-              <a:rPr lang="en-US" smtClean="0"/>
+              <a:rPr lang="en-US"/>
               <a:t>Click to edit Master text styles</a:t>
             </a:r>
           </a:p>
           <a:p>
             <a:pPr lvl="1"/>
             <a:r>
-              <a:rPr lang="en-US" smtClean="0"/>
+              <a:rPr lang="en-US"/>
               <a:t>Second level</a:t>
             </a:r>
           </a:p>
           <a:p>
             <a:pPr lvl="2"/>
             <a:r>
-              <a:rPr lang="en-US" smtClean="0"/>
+              <a:rPr lang="en-US"/>
               <a:t>Third level</a:t>
             </a:r>
           </a:p>
           <a:p>
             <a:pPr lvl="3"/>
             <a:r>
-              <a:rPr lang="en-US" smtClean="0"/>
+              <a:rPr lang="en-US"/>
               <a:t>Fourth level</a:t>
             </a:r>
           </a:p>
           <a:p>
             <a:pPr lvl="4"/>
             <a:r>
-              <a:rPr lang="en-US" smtClean="0"/>
+              <a:rPr lang="en-US"/>
               <a:t>Fifth level</a:t>
             </a:r>
-            <a:endParaRPr lang="en-US"/>
           </a:p>
         </p:txBody>
       </p:sp>
@@ -5892,7 +5972,7 @@
           <a:p>
             <a:fld id="{AC0FE2FB-E465-BA4A-ADDB-9C5DA3362E28}" type="datetimeFigureOut">
               <a:rPr lang="en-US" smtClean="0"/>
-              <a:t>9/16/18</a:t>
+              <a:t>9/17/19</a:t>
             </a:fld>
             <a:endParaRPr lang="en-US"/>
           </a:p>
@@ -5990,10 +6070,9 @@
           </a:lstStyle>
           <a:p>
             <a:r>
-              <a:rPr lang="en-US" smtClean="0"/>
+              <a:rPr lang="en-US"/>
               <a:t>Click to edit Master title style</a:t>
             </a:r>
-            <a:endParaRPr lang="en-US"/>
           </a:p>
         </p:txBody>
       </p:sp>
@@ -6056,7 +6135,7 @@
           <a:p>
             <a:pPr lvl="0"/>
             <a:r>
-              <a:rPr lang="en-US" smtClean="0"/>
+              <a:rPr lang="en-US"/>
               <a:t>Click to edit Master text styles</a:t>
             </a:r>
           </a:p>
@@ -6112,38 +6191,37 @@
           <a:p>
             <a:pPr lvl="0"/>
             <a:r>
-              <a:rPr lang="en-US" smtClean="0"/>
+              <a:rPr lang="en-US"/>
               <a:t>Click to edit Master text styles</a:t>
             </a:r>
           </a:p>
           <a:p>
             <a:pPr lvl="1"/>
             <a:r>
-              <a:rPr lang="en-US" smtClean="0"/>
+              <a:rPr lang="en-US"/>
               <a:t>Second level</a:t>
             </a:r>
           </a:p>
           <a:p>
             <a:pPr lvl="2"/>
             <a:r>
-              <a:rPr lang="en-US" smtClean="0"/>
+              <a:rPr lang="en-US"/>
               <a:t>Third level</a:t>
             </a:r>
           </a:p>
           <a:p>
             <a:pPr lvl="3"/>
             <a:r>
-              <a:rPr lang="en-US" smtClean="0"/>
+              <a:rPr lang="en-US"/>
               <a:t>Fourth level</a:t>
             </a:r>
           </a:p>
           <a:p>
             <a:pPr lvl="4"/>
             <a:r>
-              <a:rPr lang="en-US" smtClean="0"/>
+              <a:rPr lang="en-US"/>
               <a:t>Fifth level</a:t>
             </a:r>
-            <a:endParaRPr lang="en-US"/>
           </a:p>
         </p:txBody>
       </p:sp>
@@ -6206,7 +6284,7 @@
           <a:p>
             <a:pPr lvl="0"/>
             <a:r>
-              <a:rPr lang="en-US" smtClean="0"/>
+              <a:rPr lang="en-US"/>
               <a:t>Click to edit Master text styles</a:t>
             </a:r>
           </a:p>
@@ -6262,38 +6340,37 @@
           <a:p>
             <a:pPr lvl="0"/>
             <a:r>
-              <a:rPr lang="en-US" smtClean="0"/>
+              <a:rPr lang="en-US"/>
               <a:t>Click to edit Master text styles</a:t>
             </a:r>
           </a:p>
           <a:p>
             <a:pPr lvl="1"/>
             <a:r>
-              <a:rPr lang="en-US" smtClean="0"/>
+              <a:rPr lang="en-US"/>
               <a:t>Second level</a:t>
             </a:r>
           </a:p>
           <a:p>
             <a:pPr lvl="2"/>
             <a:r>
-              <a:rPr lang="en-US" smtClean="0"/>
+              <a:rPr lang="en-US"/>
               <a:t>Third level</a:t>
             </a:r>
           </a:p>
           <a:p>
             <a:pPr lvl="3"/>
             <a:r>
-              <a:rPr lang="en-US" smtClean="0"/>
+              <a:rPr lang="en-US"/>
               <a:t>Fourth level</a:t>
             </a:r>
           </a:p>
           <a:p>
             <a:pPr lvl="4"/>
             <a:r>
-              <a:rPr lang="en-US" smtClean="0"/>
+              <a:rPr lang="en-US"/>
               <a:t>Fifth level</a:t>
             </a:r>
-            <a:endParaRPr lang="en-US"/>
           </a:p>
         </p:txBody>
       </p:sp>
@@ -6314,7 +6391,7 @@
           <a:p>
             <a:fld id="{AC0FE2FB-E465-BA4A-ADDB-9C5DA3362E28}" type="datetimeFigureOut">
               <a:rPr lang="en-US" smtClean="0"/>
-              <a:t>9/16/18</a:t>
+              <a:t>9/17/19</a:t>
             </a:fld>
             <a:endParaRPr lang="en-US"/>
           </a:p>
@@ -6408,10 +6485,9 @@
           <a:lstStyle/>
           <a:p>
             <a:r>
-              <a:rPr lang="en-US" smtClean="0"/>
+              <a:rPr lang="en-US"/>
               <a:t>Click to edit Master title style</a:t>
             </a:r>
-            <a:endParaRPr lang="en-US"/>
           </a:p>
         </p:txBody>
       </p:sp>
@@ -6432,7 +6508,7 @@
           <a:p>
             <a:fld id="{AC0FE2FB-E465-BA4A-ADDB-9C5DA3362E28}" type="datetimeFigureOut">
               <a:rPr lang="en-US" smtClean="0"/>
-              <a:t>9/16/18</a:t>
+              <a:t>9/17/19</a:t>
             </a:fld>
             <a:endParaRPr lang="en-US"/>
           </a:p>
@@ -6527,7 +6603,7 @@
           <a:p>
             <a:fld id="{AC0FE2FB-E465-BA4A-ADDB-9C5DA3362E28}" type="datetimeFigureOut">
               <a:rPr lang="en-US" smtClean="0"/>
-              <a:t>9/16/18</a:t>
+              <a:t>9/17/19</a:t>
             </a:fld>
             <a:endParaRPr lang="en-US"/>
           </a:p>
@@ -6630,10 +6706,9 @@
           </a:lstStyle>
           <a:p>
             <a:r>
-              <a:rPr lang="en-US" smtClean="0"/>
+              <a:rPr lang="en-US"/>
               <a:t>Click to edit Master title style</a:t>
             </a:r>
-            <a:endParaRPr lang="en-US"/>
           </a:p>
         </p:txBody>
       </p:sp>
@@ -6687,38 +6762,37 @@
           <a:p>
             <a:pPr lvl="0"/>
             <a:r>
-              <a:rPr lang="en-US" smtClean="0"/>
+              <a:rPr lang="en-US"/>
               <a:t>Click to edit Master text styles</a:t>
             </a:r>
           </a:p>
           <a:p>
             <a:pPr lvl="1"/>
             <a:r>
-              <a:rPr lang="en-US" smtClean="0"/>
+              <a:rPr lang="en-US"/>
               <a:t>Second level</a:t>
             </a:r>
           </a:p>
           <a:p>
             <a:pPr lvl="2"/>
             <a:r>
-              <a:rPr lang="en-US" smtClean="0"/>
+              <a:rPr lang="en-US"/>
               <a:t>Third level</a:t>
             </a:r>
           </a:p>
           <a:p>
             <a:pPr lvl="3"/>
             <a:r>
-              <a:rPr lang="en-US" smtClean="0"/>
+              <a:rPr lang="en-US"/>
               <a:t>Fourth level</a:t>
             </a:r>
           </a:p>
           <a:p>
             <a:pPr lvl="4"/>
             <a:r>
-              <a:rPr lang="en-US" smtClean="0"/>
+              <a:rPr lang="en-US"/>
               <a:t>Fifth level</a:t>
             </a:r>
-            <a:endParaRPr lang="en-US"/>
           </a:p>
         </p:txBody>
       </p:sp>
@@ -6781,7 +6855,7 @@
           <a:p>
             <a:pPr lvl="0"/>
             <a:r>
-              <a:rPr lang="en-US" smtClean="0"/>
+              <a:rPr lang="en-US"/>
               <a:t>Click to edit Master text styles</a:t>
             </a:r>
           </a:p>
@@ -6804,7 +6878,7 @@
           <a:p>
             <a:fld id="{AC0FE2FB-E465-BA4A-ADDB-9C5DA3362E28}" type="datetimeFigureOut">
               <a:rPr lang="en-US" smtClean="0"/>
-              <a:t>9/16/18</a:t>
+              <a:t>9/17/19</a:t>
             </a:fld>
             <a:endParaRPr lang="en-US"/>
           </a:p>
@@ -6907,10 +6981,9 @@
           </a:lstStyle>
           <a:p>
             <a:r>
-              <a:rPr lang="en-US" smtClean="0"/>
+              <a:rPr lang="en-US"/>
               <a:t>Click to edit Master title style</a:t>
             </a:r>
-            <a:endParaRPr lang="en-US"/>
           </a:p>
         </p:txBody>
       </p:sp>
@@ -7034,7 +7107,7 @@
           <a:p>
             <a:pPr lvl="0"/>
             <a:r>
-              <a:rPr lang="en-US" smtClean="0"/>
+              <a:rPr lang="en-US"/>
               <a:t>Click to edit Master text styles</a:t>
             </a:r>
           </a:p>
@@ -7057,7 +7130,7 @@
           <a:p>
             <a:fld id="{AC0FE2FB-E465-BA4A-ADDB-9C5DA3362E28}" type="datetimeFigureOut">
               <a:rPr lang="en-US" smtClean="0"/>
-              <a:t>9/16/18</a:t>
+              <a:t>9/17/19</a:t>
             </a:fld>
             <a:endParaRPr lang="en-US"/>
           </a:p>
@@ -7166,10 +7239,9 @@
           <a:lstStyle/>
           <a:p>
             <a:r>
-              <a:rPr lang="en-US" smtClean="0"/>
+              <a:rPr lang="en-US"/>
               <a:t>Click to edit Master title style</a:t>
             </a:r>
-            <a:endParaRPr lang="en-US"/>
           </a:p>
         </p:txBody>
       </p:sp>
@@ -7200,38 +7272,37 @@
           <a:p>
             <a:pPr lvl="0"/>
             <a:r>
-              <a:rPr lang="en-US" smtClean="0"/>
+              <a:rPr lang="en-US"/>
               <a:t>Click to edit Master text styles</a:t>
             </a:r>
           </a:p>
           <a:p>
             <a:pPr lvl="1"/>
             <a:r>
-              <a:rPr lang="en-US" smtClean="0"/>
+              <a:rPr lang="en-US"/>
               <a:t>Second level</a:t>
             </a:r>
           </a:p>
           <a:p>
             <a:pPr lvl="2"/>
             <a:r>
-              <a:rPr lang="en-US" smtClean="0"/>
+              <a:rPr lang="en-US"/>
               <a:t>Third level</a:t>
             </a:r>
           </a:p>
           <a:p>
             <a:pPr lvl="3"/>
             <a:r>
-              <a:rPr lang="en-US" smtClean="0"/>
+              <a:rPr lang="en-US"/>
               <a:t>Fourth level</a:t>
             </a:r>
           </a:p>
           <a:p>
             <a:pPr lvl="4"/>
             <a:r>
-              <a:rPr lang="en-US" smtClean="0"/>
+              <a:rPr lang="en-US"/>
               <a:t>Fifth level</a:t>
             </a:r>
-            <a:endParaRPr lang="en-US"/>
           </a:p>
         </p:txBody>
       </p:sp>
@@ -7270,7 +7341,7 @@
           <a:p>
             <a:fld id="{AC0FE2FB-E465-BA4A-ADDB-9C5DA3362E28}" type="datetimeFigureOut">
               <a:rPr lang="en-US" smtClean="0"/>
-              <a:t>9/16/18</a:t>
+              <a:t>9/17/19</a:t>
             </a:fld>
             <a:endParaRPr lang="en-US"/>
           </a:p>
@@ -7668,48 +7739,28 @@
           <a:lstStyle/>
           <a:p>
             <a:r>
-              <a:rPr lang="en-US" dirty="0" smtClean="0"/>
+              <a:rPr lang="en-US" dirty="0"/>
               <a:t>Welcome to Unit 1</a:t>
             </a:r>
             <a:br>
-              <a:rPr lang="en-US" dirty="0" smtClean="0"/>
+              <a:rPr lang="en-US" dirty="0"/>
             </a:br>
-            <a:r>
-              <a:rPr lang="en-US" dirty="0" smtClean="0"/>
-              <a:t/>
-            </a:r>
             <a:br>
-              <a:rPr lang="en-US" dirty="0" smtClean="0"/>
+              <a:rPr lang="en-US" dirty="0"/>
             </a:br>
             <a:r>
-              <a:rPr lang="en-US" b="1" dirty="0" smtClean="0"/>
-              <a:t>Intro </a:t>
-            </a:r>
-            <a:r>
-              <a:rPr lang="en-US" b="1" dirty="0" smtClean="0"/>
-              <a:t>to Text </a:t>
-            </a:r>
-            <a:r>
               <a:rPr lang="en-US" b="1" dirty="0"/>
-              <a:t>Analysis</a:t>
+              <a:t>Intro to Text Analysis</a:t>
             </a:r>
             <a:br>
               <a:rPr lang="en-US" b="1" dirty="0"/>
             </a:br>
-            <a:r>
-              <a:rPr lang="en-US" dirty="0" smtClean="0"/>
-              <a:t/>
-            </a:r>
             <a:br>
-              <a:rPr lang="en-US" dirty="0" smtClean="0"/>
+              <a:rPr lang="en-US" dirty="0"/>
             </a:br>
             <a:r>
-              <a:rPr lang="en-US" dirty="0" smtClean="0"/>
-              <a:t>Or</a:t>
-            </a:r>
-            <a:r>
-              <a:rPr lang="en-US" dirty="0"/>
-              <a:t>, Four Ways of Reading a Text</a:t>
+              <a:rPr lang="en-US" dirty="0"/>
+              <a:t>Or, Four Ways of Reading a Text</a:t>
             </a:r>
             <a:br>
               <a:rPr lang="en-US" dirty="0"/>
@@ -7741,51 +7792,48 @@
           <a:lstStyle/>
           <a:p>
             <a:r>
-              <a:rPr lang="en-US" dirty="0" smtClean="0"/>
+              <a:rPr lang="en-US" dirty="0"/>
               <a:t>Delivered/Adapted: Prof. Mackenzie Brooks</a:t>
             </a:r>
           </a:p>
           <a:p>
             <a:r>
-              <a:rPr lang="en-US" dirty="0" smtClean="0"/>
+              <a:rPr lang="en-US" dirty="0"/>
               <a:t>DCI 102: Data in the Humanities </a:t>
             </a:r>
           </a:p>
           <a:p>
             <a:r>
-              <a:rPr lang="en-US" dirty="0" smtClean="0"/>
-              <a:t>September 18, 2018</a:t>
-            </a:r>
-          </a:p>
-          <a:p>
-            <a:r>
-              <a:rPr lang="en-US" dirty="0" smtClean="0"/>
+              <a:rPr lang="en-US"/>
+              <a:t>September 17, 2019</a:t>
+            </a:r>
+            <a:endParaRPr lang="en-US" dirty="0"/>
+          </a:p>
+          <a:p>
+            <a:r>
+              <a:rPr lang="en-US" dirty="0"/>
               <a:t>Created by </a:t>
             </a:r>
             <a:r>
-              <a:rPr lang="en-US" dirty="0" smtClean="0">
+              <a:rPr lang="en-US" dirty="0">
                 <a:hlinkClick r:id="rId2"/>
               </a:rPr>
               <a:t>Dr. Brandon Walsh</a:t>
             </a:r>
             <a:r>
               <a:rPr lang="en-US" dirty="0"/>
-              <a:t> </a:t>
-            </a:r>
-            <a:r>
-              <a:rPr lang="en-US" dirty="0" smtClean="0"/>
-              <a:t>// </a:t>
-            </a:r>
-            <a:r>
-              <a:rPr lang="en-US" dirty="0" smtClean="0">
+              <a:t> // </a:t>
+            </a:r>
+            <a:r>
+              <a:rPr lang="en-US" dirty="0">
                 <a:hlinkClick r:id="rId3"/>
               </a:rPr>
               <a:t>CC-BY</a:t>
             </a:r>
-            <a:endParaRPr lang="en-US" dirty="0" smtClean="0"/>
-          </a:p>
-          <a:p>
-            <a:endParaRPr lang="en-US" dirty="0" smtClean="0"/>
+            <a:endParaRPr lang="en-US" dirty="0"/>
+          </a:p>
+          <a:p>
+            <a:endParaRPr lang="en-US" dirty="0"/>
           </a:p>
         </p:txBody>
       </p:sp>
@@ -7799,13 +7847,6 @@
   <p:clrMapOvr>
     <a:masterClrMapping/>
   </p:clrMapOvr>
-  <p:timing>
-    <p:tnLst>
-      <p:par>
-        <p:cTn xmlns:p14="http://schemas.microsoft.com/office/powerpoint/2010/main" id="1" dur="indefinite" restart="never" nodeType="tmRoot"/>
-      </p:par>
-    </p:tnLst>
-  </p:timing>
 </p:sld>
 </file>
 
@@ -7842,10 +7883,9 @@
           <a:lstStyle/>
           <a:p>
             <a:r>
-              <a:rPr lang="en-US" dirty="0" smtClean="0"/>
+              <a:rPr lang="en-US" dirty="0"/>
               <a:t>2. Bag of Words</a:t>
             </a:r>
-            <a:endParaRPr lang="en-US" dirty="0"/>
           </a:p>
         </p:txBody>
       </p:sp>
@@ -7866,27 +7906,22 @@
           <a:p>
             <a:r>
               <a:rPr lang="en-US" dirty="0"/>
-              <a:t>E</a:t>
-            </a:r>
-            <a:r>
-              <a:rPr lang="en-US" dirty="0" smtClean="0"/>
-              <a:t>xpand the </a:t>
-            </a:r>
-            <a:r>
-              <a:rPr lang="en-US" dirty="0" err="1" smtClean="0"/>
+              <a:t>Expand the </a:t>
+            </a:r>
+            <a:r>
+              <a:rPr lang="en-US" dirty="0" err="1"/>
               <a:t>BoW</a:t>
             </a:r>
             <a:r>
-              <a:rPr lang="en-US" dirty="0" smtClean="0"/>
+              <a:rPr lang="en-US" dirty="0"/>
               <a:t> model to include this sentence:</a:t>
             </a:r>
           </a:p>
           <a:p>
             <a:r>
-              <a:rPr lang="en-US" dirty="0" smtClean="0"/>
+              <a:rPr lang="en-US" dirty="0"/>
               <a:t>Sentence C: "I am Dave"</a:t>
             </a:r>
-            <a:endParaRPr lang="en-US" dirty="0"/>
           </a:p>
         </p:txBody>
       </p:sp>
@@ -7900,13 +7935,6 @@
   <p:clrMapOvr>
     <a:masterClrMapping/>
   </p:clrMapOvr>
-  <p:timing>
-    <p:tnLst>
-      <p:par>
-        <p:cTn xmlns:p14="http://schemas.microsoft.com/office/powerpoint/2010/main" id="1" dur="indefinite" restart="never" nodeType="tmRoot"/>
-      </p:par>
-    </p:tnLst>
-  </p:timing>
 </p:sld>
 </file>
 
@@ -7943,10 +7971,9 @@
           <a:lstStyle/>
           <a:p>
             <a:r>
-              <a:rPr lang="en-US" dirty="0" smtClean="0"/>
+              <a:rPr lang="en-US" dirty="0"/>
               <a:t>2. Bag of Words</a:t>
             </a:r>
-            <a:endParaRPr lang="en-US" dirty="0"/>
           </a:p>
         </p:txBody>
       </p:sp>
@@ -7971,7 +7998,7 @@
               <a:buNone/>
             </a:pPr>
             <a:r>
-              <a:rPr lang="en-US" dirty="0" smtClean="0"/>
+              <a:rPr lang="en-US" dirty="0"/>
               <a:t>Words in Corpus</a:t>
             </a:r>
           </a:p>
@@ -7979,14 +8006,14 @@
             <a:pPr marL="0" indent="0">
               <a:buNone/>
             </a:pPr>
-            <a:endParaRPr lang="en-US" dirty="0" smtClean="0"/>
+            <a:endParaRPr lang="en-US" dirty="0"/>
           </a:p>
           <a:p>
             <a:pPr marL="0" indent="0">
               <a:buNone/>
             </a:pPr>
             <a:r>
-              <a:rPr lang="en-US" dirty="0" smtClean="0"/>
+              <a:rPr lang="en-US" dirty="0"/>
               <a:t>[</a:t>
             </a:r>
           </a:p>
@@ -7995,7 +8022,7 @@
               <a:buNone/>
             </a:pPr>
             <a:r>
-              <a:rPr lang="en-US" dirty="0" smtClean="0"/>
+              <a:rPr lang="en-US" dirty="0"/>
               <a:t> "Barbara",</a:t>
             </a:r>
           </a:p>
@@ -8004,7 +8031,7 @@
               <a:buNone/>
             </a:pPr>
             <a:r>
-              <a:rPr lang="en-US" dirty="0" smtClean="0"/>
+              <a:rPr lang="en-US" dirty="0"/>
               <a:t> "is",</a:t>
             </a:r>
           </a:p>
@@ -8013,7 +8040,7 @@
               <a:buNone/>
             </a:pPr>
             <a:r>
-              <a:rPr lang="en-US" dirty="0" smtClean="0"/>
+              <a:rPr lang="en-US" dirty="0"/>
               <a:t> "doing",</a:t>
             </a:r>
           </a:p>
@@ -8022,7 +8049,7 @@
               <a:buNone/>
             </a:pPr>
             <a:r>
-              <a:rPr lang="en-US" dirty="0" smtClean="0"/>
+              <a:rPr lang="en-US" dirty="0"/>
               <a:t> "fine",</a:t>
             </a:r>
           </a:p>
@@ -8031,7 +8058,7 @@
               <a:buNone/>
             </a:pPr>
             <a:r>
-              <a:rPr lang="en-US" dirty="0" smtClean="0"/>
+              <a:rPr lang="en-US" dirty="0"/>
               <a:t> "thank",</a:t>
             </a:r>
           </a:p>
@@ -8040,7 +8067,7 @@
               <a:buNone/>
             </a:pPr>
             <a:r>
-              <a:rPr lang="en-US" dirty="0" smtClean="0"/>
+              <a:rPr lang="en-US" dirty="0"/>
               <a:t> "you",</a:t>
             </a:r>
           </a:p>
@@ -8049,7 +8076,7 @@
               <a:buNone/>
             </a:pPr>
             <a:r>
-              <a:rPr lang="en-US" dirty="0" smtClean="0"/>
+              <a:rPr lang="en-US" dirty="0"/>
               <a:t> "Dave,</a:t>
             </a:r>
           </a:p>
@@ -8058,7 +8085,7 @@
               <a:buNone/>
             </a:pPr>
             <a:r>
-              <a:rPr lang="en-US" dirty="0" smtClean="0"/>
+              <a:rPr lang="en-US" dirty="0"/>
               <a:t> "I",</a:t>
             </a:r>
           </a:p>
@@ -8067,7 +8094,7 @@
               <a:buNone/>
             </a:pPr>
             <a:r>
-              <a:rPr lang="en-US" dirty="0" smtClean="0"/>
+              <a:rPr lang="en-US" dirty="0"/>
               <a:t> "am"</a:t>
             </a:r>
           </a:p>
@@ -8076,7 +8103,7 @@
               <a:buNone/>
             </a:pPr>
             <a:r>
-              <a:rPr lang="en-US" dirty="0" smtClean="0"/>
+              <a:rPr lang="en-US" dirty="0"/>
               <a:t>]</a:t>
             </a:r>
           </a:p>
@@ -8105,64 +8132,64 @@
           <a:lstStyle/>
           <a:p>
             <a:r>
-              <a:rPr lang="en-US" sz="2500" dirty="0" smtClean="0"/>
+              <a:rPr lang="en-US" sz="2500" dirty="0"/>
               <a:t>Sentence A: </a:t>
             </a:r>
           </a:p>
           <a:p>
             <a:r>
-              <a:rPr lang="en-US" sz="2500" dirty="0" smtClean="0"/>
+              <a:rPr lang="en-US" sz="2500" dirty="0"/>
               <a:t>"Barbara is doing fine, thank you."</a:t>
             </a:r>
           </a:p>
           <a:p>
             <a:r>
-              <a:rPr lang="en-US" sz="2500" dirty="0" smtClean="0"/>
+              <a:rPr lang="en-US" sz="2500" dirty="0"/>
               <a:t>Sentence B: </a:t>
             </a:r>
           </a:p>
           <a:p>
             <a:r>
-              <a:rPr lang="en-US" sz="2500" dirty="0" smtClean="0"/>
+              <a:rPr lang="en-US" sz="2500" dirty="0"/>
               <a:t>"Thank you, Dave. I am doing fine.”</a:t>
             </a:r>
           </a:p>
           <a:p>
             <a:r>
-              <a:rPr lang="en-US" sz="2500" dirty="0" smtClean="0"/>
+              <a:rPr lang="en-US" sz="2500" dirty="0"/>
               <a:t>Sentence C:</a:t>
             </a:r>
           </a:p>
           <a:p>
             <a:r>
-              <a:rPr lang="en-US" sz="2500" dirty="0" smtClean="0"/>
+              <a:rPr lang="en-US" sz="2500" dirty="0"/>
               <a:t>“I am Dave.”</a:t>
             </a:r>
           </a:p>
           <a:p>
-            <a:endParaRPr lang="en-US" sz="2500" dirty="0" smtClean="0"/>
-          </a:p>
-          <a:p>
-            <a:r>
-              <a:rPr lang="en-US" sz="2500" dirty="0" smtClean="0"/>
+            <a:endParaRPr lang="en-US" sz="2500" dirty="0"/>
+          </a:p>
+          <a:p>
+            <a:r>
+              <a:rPr lang="en-US" sz="2500" dirty="0"/>
               <a:t>Counts for Sentences</a:t>
             </a:r>
           </a:p>
           <a:p>
             <a:r>
-              <a:rPr lang="en-US" sz="2500" dirty="0" smtClean="0"/>
+              <a:rPr lang="en-US" sz="2500" dirty="0"/>
               <a:t>A: [1, 1, 1, 1, 1, 1, 0, 0, 0]</a:t>
             </a:r>
           </a:p>
           <a:p>
             <a:r>
-              <a:rPr lang="en-US" sz="2500" dirty="0" smtClean="0"/>
+              <a:rPr lang="en-US" sz="2500" dirty="0"/>
               <a:t>B: [0, 0, 1, 1, 1, 1, 1, 1, 1]</a:t>
             </a:r>
           </a:p>
           <a:p>
             <a:r>
-              <a:rPr lang="en-US" sz="2500" dirty="0" smtClean="0"/>
+              <a:rPr lang="en-US" sz="2500" dirty="0"/>
               <a:t>C: [0, 0, 0, 0, 0, 0, 1, 1, 1]</a:t>
             </a:r>
           </a:p>
@@ -8217,10 +8244,9 @@
           <a:lstStyle/>
           <a:p>
             <a:r>
-              <a:rPr lang="en-US" dirty="0" smtClean="0"/>
+              <a:rPr lang="en-US" dirty="0"/>
               <a:t>2. Bag of Words</a:t>
             </a:r>
-            <a:endParaRPr lang="en-US" dirty="0"/>
           </a:p>
         </p:txBody>
       </p:sp>
@@ -8242,39 +8268,33 @@
           <a:lstStyle/>
           <a:p>
             <a:r>
-              <a:rPr lang="en-US" dirty="0" smtClean="0"/>
+              <a:rPr lang="en-US" dirty="0"/>
               <a:t>Take the paragraph in front of you from the Programming Historian on Mallet. </a:t>
             </a:r>
           </a:p>
           <a:p>
             <a:r>
-              <a:rPr lang="en-US" dirty="0" smtClean="0"/>
-              <a:t>With a partner, make a bag of words model for it that includes </a:t>
-            </a:r>
-            <a:r>
-              <a:rPr lang="en-US" dirty="0" smtClean="0"/>
-              <a:t>counts for the number of times each word appears.</a:t>
-            </a:r>
-            <a:endParaRPr lang="en-US" dirty="0" smtClean="0"/>
-          </a:p>
-          <a:p>
-            <a:r>
-              <a:rPr lang="en-US" dirty="0" smtClean="0"/>
+              <a:rPr lang="en-US" dirty="0"/>
+              <a:t>With a partner, make a bag of words model for it that includes counts for the number of times each word appears.</a:t>
+            </a:r>
+          </a:p>
+          <a:p>
+            <a:r>
+              <a:rPr lang="en-US" dirty="0"/>
               <a:t>Probably easiest to start a list of words on a separate sheet of paper. </a:t>
             </a:r>
           </a:p>
           <a:p>
             <a:r>
-              <a:rPr lang="en-US" dirty="0" smtClean="0"/>
+              <a:rPr lang="en-US" dirty="0"/>
               <a:t>When you get a new word, add it to the list and count up the number of times it occurs. Cross out all instances of that word in the paragraph and move onto the next one.</a:t>
             </a:r>
           </a:p>
           <a:p>
             <a:r>
-              <a:rPr lang="en-US" dirty="0" smtClean="0"/>
+              <a:rPr lang="en-US" dirty="0"/>
               <a:t>At the end, order them by frequency.</a:t>
             </a:r>
-            <a:endParaRPr lang="en-US" dirty="0"/>
           </a:p>
         </p:txBody>
       </p:sp>
@@ -8324,10 +8344,9 @@
           <a:lstStyle/>
           <a:p>
             <a:r>
-              <a:rPr lang="en-US" dirty="0" smtClean="0"/>
+              <a:rPr lang="en-US" dirty="0"/>
               <a:t>2. Bag of Words</a:t>
             </a:r>
-            <a:endParaRPr lang="en-US" dirty="0"/>
           </a:p>
         </p:txBody>
       </p:sp>
@@ -8352,7 +8371,7 @@
               <a:buNone/>
             </a:pPr>
             <a:r>
-              <a:rPr lang="nl-NL" dirty="0" smtClean="0"/>
+              <a:rPr lang="nl-NL" dirty="0"/>
               <a:t>[('the', 6), ('.', 5), ('to', 5), ('will', 4), (',', 4), ('and', 4), ('MALLET', 4), ('of', 3), ('in', 3), ('a', 3), ('on', 3), ('topic', 2), ('you', 2), ('how', 2), ('that', 2), ('with', 2), ('it', 2), ('so', 2), ('learn', 2), ('your', 2), ('(', 2), (')', 2), ('first', 1), ('used', 1), ('reading', 1), ('idea', 1), ('natural', 1), ('an', 1), ('program', 1), ('computer', 1), ('us', 1), ('or', 1), ('files', 1), ('always', 1), ('language', 1), ('lesson', 1), ('This', 1), ('working', 1), ('rather', 1), ('than', 1), ('manually', 1), ('where', 1), ('short-cut', 1), ('look', 1), ('You', 1), ('might', 1), ('can', 1), ('identify', 1), ('do', 1), ('at', 1), ('texts', 1), ('give', 1), ('found', 1), ('want', 1), ('clicking', 1), ('example', 1), ('by', 1), ('find', 1), ('them', 1), ('toolkit', 1), ('corpus', 1), ('then', 1), ('be', 1), ('why', 1), ('line', 1), ('kinds', 1), ('employ', 1), ('outputs', 1), ('variable', 1), ('modeller', 1), ('install', 1), ('without', 1), ('up', 1), ('good', 1), ('We', 1), ('setting', 1), ('ie', 1), ('some', 1), ('modifying', 1), ('typing', 1), ('menus', 1), ('documents', 1), ('is', 1), ('environment', 1), ('research', 1), ('what', 1), ('commands', 1), ('icons', 1), ('this', 1), ('command', 1), ('In', 1), ('knows', 1), ('run', 1), ('topics', 1), ('processing', 1), ('modeling', 1), ('work', 1), ('individually', 1), ('involves', 1), ('essentially', 1)]</a:t>
             </a:r>
             <a:endParaRPr lang="en-US" dirty="0"/>
@@ -8406,13 +8425,8 @@
           <a:p>
             <a:r>
               <a:rPr lang="en-US" dirty="0"/>
-              <a:t>2</a:t>
-            </a:r>
-            <a:r>
-              <a:rPr lang="en-US" dirty="0" smtClean="0"/>
-              <a:t>. Bag of Words</a:t>
-            </a:r>
-            <a:endParaRPr lang="en-US" dirty="0"/>
+              <a:t>2. Bag of Words</a:t>
+            </a:r>
           </a:p>
         </p:txBody>
       </p:sp>
@@ -8432,34 +8446,33 @@
           <a:lstStyle/>
           <a:p>
             <a:r>
-              <a:rPr lang="en-US" dirty="0" smtClean="0"/>
+              <a:rPr lang="en-US" dirty="0"/>
               <a:t>Lose Context</a:t>
             </a:r>
           </a:p>
           <a:p>
             <a:r>
-              <a:rPr lang="en-US" dirty="0" smtClean="0"/>
+              <a:rPr lang="en-US" dirty="0"/>
               <a:t>You wouldn’t want to do this by hand (I cheated and did this with a computer).</a:t>
             </a:r>
           </a:p>
           <a:p>
             <a:r>
-              <a:rPr lang="en-US" dirty="0" smtClean="0"/>
+              <a:rPr lang="en-US" dirty="0"/>
               <a:t>But now computers can interact with texts.</a:t>
             </a:r>
           </a:p>
           <a:p>
             <a:r>
-              <a:rPr lang="en-US" dirty="0" smtClean="0"/>
+              <a:rPr lang="en-US" dirty="0"/>
               <a:t>Computers are dumb, but they’re good at math.</a:t>
             </a:r>
           </a:p>
           <a:p>
             <a:r>
-              <a:rPr lang="en-US" dirty="0" smtClean="0"/>
+              <a:rPr lang="en-US" dirty="0"/>
               <a:t>We can use these counts to do interesting things.</a:t>
             </a:r>
-            <a:endParaRPr lang="en-US" dirty="0"/>
           </a:p>
         </p:txBody>
       </p:sp>
@@ -8509,10 +8522,9 @@
           <a:lstStyle/>
           <a:p>
             <a:r>
-              <a:rPr lang="en-US" dirty="0" smtClean="0"/>
+              <a:rPr lang="en-US" dirty="0"/>
               <a:t>2. Bag of Words</a:t>
             </a:r>
-            <a:endParaRPr lang="en-US" dirty="0"/>
           </a:p>
         </p:txBody>
       </p:sp>
@@ -8537,7 +8549,7 @@
               <a:buNone/>
             </a:pPr>
             <a:r>
-              <a:rPr lang="en-US" dirty="0" smtClean="0"/>
+              <a:rPr lang="en-US" dirty="0"/>
               <a:t>Words in Corpus</a:t>
             </a:r>
           </a:p>
@@ -8545,14 +8557,14 @@
             <a:pPr marL="0" indent="0">
               <a:buNone/>
             </a:pPr>
-            <a:endParaRPr lang="en-US" dirty="0" smtClean="0"/>
+            <a:endParaRPr lang="en-US" dirty="0"/>
           </a:p>
           <a:p>
             <a:pPr marL="0" indent="0">
               <a:buNone/>
             </a:pPr>
             <a:r>
-              <a:rPr lang="en-US" dirty="0" smtClean="0"/>
+              <a:rPr lang="en-US" dirty="0"/>
               <a:t>[</a:t>
             </a:r>
           </a:p>
@@ -8561,7 +8573,7 @@
               <a:buNone/>
             </a:pPr>
             <a:r>
-              <a:rPr lang="en-US" dirty="0" smtClean="0"/>
+              <a:rPr lang="en-US" dirty="0"/>
               <a:t> "Barbara",</a:t>
             </a:r>
           </a:p>
@@ -8570,7 +8582,7 @@
               <a:buNone/>
             </a:pPr>
             <a:r>
-              <a:rPr lang="en-US" dirty="0" smtClean="0"/>
+              <a:rPr lang="en-US" dirty="0"/>
               <a:t> "is",</a:t>
             </a:r>
           </a:p>
@@ -8579,7 +8591,7 @@
               <a:buNone/>
             </a:pPr>
             <a:r>
-              <a:rPr lang="en-US" dirty="0" smtClean="0"/>
+              <a:rPr lang="en-US" dirty="0"/>
               <a:t> "doing",</a:t>
             </a:r>
           </a:p>
@@ -8588,7 +8600,7 @@
               <a:buNone/>
             </a:pPr>
             <a:r>
-              <a:rPr lang="en-US" dirty="0" smtClean="0"/>
+              <a:rPr lang="en-US" dirty="0"/>
               <a:t> "fine",</a:t>
             </a:r>
           </a:p>
@@ -8597,7 +8609,7 @@
               <a:buNone/>
             </a:pPr>
             <a:r>
-              <a:rPr lang="en-US" dirty="0" smtClean="0"/>
+              <a:rPr lang="en-US" dirty="0"/>
               <a:t> "thank",</a:t>
             </a:r>
           </a:p>
@@ -8606,7 +8618,7 @@
               <a:buNone/>
             </a:pPr>
             <a:r>
-              <a:rPr lang="en-US" dirty="0" smtClean="0"/>
+              <a:rPr lang="en-US" dirty="0"/>
               <a:t> "you",</a:t>
             </a:r>
           </a:p>
@@ -8615,7 +8627,7 @@
               <a:buNone/>
             </a:pPr>
             <a:r>
-              <a:rPr lang="en-US" dirty="0" smtClean="0"/>
+              <a:rPr lang="en-US" dirty="0"/>
               <a:t> "Dave,</a:t>
             </a:r>
           </a:p>
@@ -8624,7 +8636,7 @@
               <a:buNone/>
             </a:pPr>
             <a:r>
-              <a:rPr lang="en-US" dirty="0" smtClean="0"/>
+              <a:rPr lang="en-US" dirty="0"/>
               <a:t> "I",</a:t>
             </a:r>
           </a:p>
@@ -8633,7 +8645,7 @@
               <a:buNone/>
             </a:pPr>
             <a:r>
-              <a:rPr lang="en-US" dirty="0" smtClean="0"/>
+              <a:rPr lang="en-US" dirty="0"/>
               <a:t> "am"</a:t>
             </a:r>
           </a:p>
@@ -8642,7 +8654,7 @@
               <a:buNone/>
             </a:pPr>
             <a:r>
-              <a:rPr lang="en-US" dirty="0" smtClean="0"/>
+              <a:rPr lang="en-US" dirty="0"/>
               <a:t>]</a:t>
             </a:r>
           </a:p>
@@ -8671,64 +8683,64 @@
           <a:lstStyle/>
           <a:p>
             <a:r>
-              <a:rPr lang="en-US" sz="2500" dirty="0" smtClean="0"/>
+              <a:rPr lang="en-US" sz="2500" dirty="0"/>
               <a:t>Sentence A: </a:t>
             </a:r>
           </a:p>
           <a:p>
             <a:r>
-              <a:rPr lang="en-US" sz="2500" dirty="0" smtClean="0"/>
+              <a:rPr lang="en-US" sz="2500" dirty="0"/>
               <a:t>"Barbara is doing fine, thank you."</a:t>
             </a:r>
           </a:p>
           <a:p>
             <a:r>
-              <a:rPr lang="en-US" sz="2500" dirty="0" smtClean="0"/>
+              <a:rPr lang="en-US" sz="2500" dirty="0"/>
               <a:t>Sentence B: </a:t>
             </a:r>
           </a:p>
           <a:p>
             <a:r>
-              <a:rPr lang="en-US" sz="2500" dirty="0" smtClean="0"/>
+              <a:rPr lang="en-US" sz="2500" dirty="0"/>
               <a:t>"Thank you, Dave. I am doing fine.”</a:t>
             </a:r>
           </a:p>
           <a:p>
             <a:r>
-              <a:rPr lang="en-US" sz="2500" dirty="0" smtClean="0"/>
+              <a:rPr lang="en-US" sz="2500" dirty="0"/>
               <a:t>Sentence C:</a:t>
             </a:r>
           </a:p>
           <a:p>
             <a:r>
-              <a:rPr lang="en-US" sz="2500" dirty="0" smtClean="0"/>
+              <a:rPr lang="en-US" sz="2500" dirty="0"/>
               <a:t>“I am Dave.”</a:t>
             </a:r>
           </a:p>
           <a:p>
-            <a:endParaRPr lang="en-US" sz="2500" dirty="0" smtClean="0"/>
-          </a:p>
-          <a:p>
-            <a:r>
-              <a:rPr lang="en-US" sz="2500" dirty="0" smtClean="0"/>
+            <a:endParaRPr lang="en-US" sz="2500" dirty="0"/>
+          </a:p>
+          <a:p>
+            <a:r>
+              <a:rPr lang="en-US" sz="2500" dirty="0"/>
               <a:t>Counts for Sentences</a:t>
             </a:r>
           </a:p>
           <a:p>
             <a:r>
-              <a:rPr lang="en-US" sz="2500" dirty="0" smtClean="0"/>
+              <a:rPr lang="en-US" sz="2500" dirty="0"/>
               <a:t>A: [1, 1, 1, 1, 1, 1, 0, 0, 0]</a:t>
             </a:r>
           </a:p>
           <a:p>
             <a:r>
-              <a:rPr lang="en-US" sz="2500" dirty="0" smtClean="0"/>
+              <a:rPr lang="en-US" sz="2500" dirty="0"/>
               <a:t>B: [0, 0, 1, 1, 1, 1, 1, 1, 1]</a:t>
             </a:r>
           </a:p>
           <a:p>
             <a:r>
-              <a:rPr lang="en-US" sz="2500" dirty="0" smtClean="0"/>
+              <a:rPr lang="en-US" sz="2500" dirty="0"/>
               <a:t>C: [0, 0, 0, 0, 0, 0, 1, 1, 1]</a:t>
             </a:r>
           </a:p>
@@ -8783,10 +8795,9 @@
           <a:lstStyle/>
           <a:p>
             <a:r>
-              <a:rPr lang="en-US" dirty="0" smtClean="0"/>
+              <a:rPr lang="en-US" dirty="0"/>
               <a:t>2. Bag of Words</a:t>
             </a:r>
-            <a:endParaRPr lang="en-US" dirty="0"/>
           </a:p>
         </p:txBody>
       </p:sp>
@@ -8811,7 +8822,7 @@
               <a:buNone/>
             </a:pPr>
             <a:r>
-              <a:rPr lang="en-US" dirty="0" smtClean="0"/>
+              <a:rPr lang="en-US" dirty="0"/>
               <a:t>Sentence A: </a:t>
             </a:r>
           </a:p>
@@ -8820,7 +8831,7 @@
               <a:buNone/>
             </a:pPr>
             <a:r>
-              <a:rPr lang="en-US" dirty="0" smtClean="0"/>
+              <a:rPr lang="en-US" dirty="0"/>
               <a:t>	"Barbara is doing fine, thank you."</a:t>
             </a:r>
           </a:p>
@@ -8829,7 +8840,7 @@
               <a:buNone/>
             </a:pPr>
             <a:r>
-              <a:rPr lang="en-US" dirty="0" smtClean="0"/>
+              <a:rPr lang="en-US" dirty="0"/>
               <a:t>Sentence B: </a:t>
             </a:r>
           </a:p>
@@ -8838,7 +8849,7 @@
               <a:buNone/>
             </a:pPr>
             <a:r>
-              <a:rPr lang="en-US" dirty="0" smtClean="0"/>
+              <a:rPr lang="en-US" dirty="0"/>
               <a:t>	"Thank you, Dave. I am doing fine.”</a:t>
             </a:r>
           </a:p>
@@ -8847,7 +8858,7 @@
               <a:buNone/>
             </a:pPr>
             <a:r>
-              <a:rPr lang="en-US" dirty="0" smtClean="0"/>
+              <a:rPr lang="en-US" dirty="0"/>
               <a:t>Sentence C:</a:t>
             </a:r>
           </a:p>
@@ -8856,7 +8867,7 @@
               <a:buNone/>
             </a:pPr>
             <a:r>
-              <a:rPr lang="en-US" dirty="0" smtClean="0"/>
+              <a:rPr lang="en-US" dirty="0"/>
               <a:t>	“I am Dave.”</a:t>
             </a:r>
           </a:p>
@@ -8871,7 +8882,7 @@
               <a:buNone/>
             </a:pPr>
             <a:r>
-              <a:rPr lang="en-US" dirty="0" smtClean="0"/>
+              <a:rPr lang="en-US" dirty="0"/>
               <a:t>Counts for Sentences</a:t>
             </a:r>
           </a:p>
@@ -8880,7 +8891,7 @@
               <a:buNone/>
             </a:pPr>
             <a:r>
-              <a:rPr lang="en-US" dirty="0" smtClean="0"/>
+              <a:rPr lang="en-US" dirty="0"/>
               <a:t>A: [1, 1, 1, 1, 1, 1, 0, 0, 0]</a:t>
             </a:r>
           </a:p>
@@ -8889,7 +8900,7 @@
               <a:buNone/>
             </a:pPr>
             <a:r>
-              <a:rPr lang="en-US" dirty="0" smtClean="0"/>
+              <a:rPr lang="en-US" dirty="0"/>
               <a:t>B: [0, 0, 1, 1, 1, 1, 1, 1, 1]</a:t>
             </a:r>
           </a:p>
@@ -8898,7 +8909,7 @@
               <a:buNone/>
             </a:pPr>
             <a:r>
-              <a:rPr lang="en-US" dirty="0" smtClean="0"/>
+              <a:rPr lang="en-US" dirty="0"/>
               <a:t>C: [0, 0, 0, 0, 0, 0, 1, 1, 1]</a:t>
             </a:r>
           </a:p>
@@ -8980,7 +8991,7 @@
               <a:buNone/>
             </a:pPr>
             <a:r>
-              <a:rPr lang="en-US" dirty="0" smtClean="0"/>
+              <a:rPr lang="en-US" dirty="0"/>
               <a:t>A: [1, 1, 1, 1, 1, 1, 0, 0, 0]</a:t>
             </a:r>
           </a:p>
@@ -8989,7 +9000,7 @@
               <a:buNone/>
             </a:pPr>
             <a:r>
-              <a:rPr lang="en-US" dirty="0" smtClean="0"/>
+              <a:rPr lang="en-US" dirty="0"/>
               <a:t>B: [0, 0, 1, 1, 1, 1, 1, 1, 1]</a:t>
             </a:r>
           </a:p>
@@ -8998,7 +9009,7 @@
               <a:buNone/>
             </a:pPr>
             <a:r>
-              <a:rPr lang="en-US" dirty="0" smtClean="0"/>
+              <a:rPr lang="en-US" dirty="0"/>
               <a:t>C: [0, 0, 0, 0, 0, 0, 1, 1, 1]</a:t>
             </a:r>
           </a:p>
@@ -9006,14 +9017,14 @@
             <a:pPr marL="0" indent="0">
               <a:buNone/>
             </a:pPr>
-            <a:endParaRPr lang="en-US" dirty="0" smtClean="0"/>
+            <a:endParaRPr lang="en-US" dirty="0"/>
           </a:p>
           <a:p>
             <a:pPr marL="0" indent="0">
               <a:buNone/>
             </a:pPr>
             <a:r>
-              <a:rPr lang="en-US" dirty="0" smtClean="0"/>
+              <a:rPr lang="en-US" dirty="0"/>
               <a:t>A and C are inverses – share nothing.</a:t>
             </a:r>
           </a:p>
@@ -9022,7 +9033,7 @@
               <a:buNone/>
             </a:pPr>
             <a:r>
-              <a:rPr lang="en-US" dirty="0" smtClean="0"/>
+              <a:rPr lang="en-US" dirty="0"/>
               <a:t>B shares 4 terms with A</a:t>
             </a:r>
           </a:p>
@@ -9031,35 +9042,22 @@
               <a:buNone/>
             </a:pPr>
             <a:r>
-              <a:rPr lang="en-US" dirty="0" smtClean="0"/>
-              <a:t>C shares </a:t>
-            </a:r>
-            <a:r>
-              <a:rPr lang="en-US" dirty="0" smtClean="0"/>
-              <a:t>3 </a:t>
-            </a:r>
-            <a:r>
-              <a:rPr lang="en-US" dirty="0" smtClean="0"/>
-              <a:t>terms with </a:t>
-            </a:r>
-            <a:r>
-              <a:rPr lang="en-US" dirty="0" smtClean="0"/>
-              <a:t>B</a:t>
-            </a:r>
-            <a:endParaRPr lang="en-US" dirty="0" smtClean="0"/>
+              <a:rPr lang="en-US" dirty="0"/>
+              <a:t>C shares 3 terms with B</a:t>
+            </a:r>
           </a:p>
           <a:p>
             <a:pPr marL="0" indent="0">
               <a:buNone/>
             </a:pPr>
-            <a:endParaRPr lang="en-US" dirty="0" smtClean="0"/>
+            <a:endParaRPr lang="en-US" dirty="0"/>
           </a:p>
           <a:p>
             <a:pPr marL="0" indent="0">
               <a:buNone/>
             </a:pPr>
             <a:r>
-              <a:rPr lang="en-US" dirty="0" smtClean="0"/>
+              <a:rPr lang="en-US" dirty="0"/>
               <a:t>Sentences Graphed by Similarity</a:t>
             </a:r>
           </a:p>
@@ -9068,26 +9066,9 @@
               <a:buNone/>
             </a:pPr>
             <a:r>
-              <a:rPr lang="en-US" dirty="0" smtClean="0"/>
-              <a:t>A----------</a:t>
-            </a:r>
-            <a:r>
-              <a:rPr lang="en-US" dirty="0"/>
-              <a:t>-B-</a:t>
-            </a:r>
-            <a:r>
-              <a:rPr lang="en-US" dirty="0" smtClean="0"/>
-              <a:t>-----</a:t>
-            </a:r>
-            <a:r>
-              <a:rPr lang="en-US" dirty="0" smtClean="0"/>
-              <a:t>--</a:t>
-            </a:r>
-            <a:r>
-              <a:rPr lang="en-US" dirty="0" smtClean="0"/>
-              <a:t>---------C</a:t>
-            </a:r>
-            <a:endParaRPr lang="en-US" dirty="0"/>
+              <a:rPr lang="en-US" dirty="0"/>
+              <a:t>A-----------B-----------------C</a:t>
+            </a:r>
           </a:p>
         </p:txBody>
       </p:sp>
@@ -9137,11 +9118,11 @@
           <a:lstStyle/>
           <a:p>
             <a:r>
-              <a:rPr lang="en-US" dirty="0" smtClean="0"/>
+              <a:rPr lang="en-US" dirty="0"/>
               <a:t>Bag of Words in </a:t>
             </a:r>
             <a:r>
-              <a:rPr lang="en-US" dirty="0" err="1" smtClean="0"/>
+              <a:rPr lang="en-US" dirty="0" err="1"/>
               <a:t>Voyant</a:t>
             </a:r>
             <a:endParaRPr lang="en-US" dirty="0"/>
@@ -9251,11 +9232,11 @@
           <a:lstStyle/>
           <a:p>
             <a:r>
-              <a:rPr lang="en-US" dirty="0" smtClean="0"/>
+              <a:rPr lang="en-US" dirty="0"/>
               <a:t>Bag of Words in </a:t>
             </a:r>
             <a:r>
-              <a:rPr lang="en-US" dirty="0" err="1" smtClean="0"/>
+              <a:rPr lang="en-US" dirty="0" err="1"/>
               <a:t>Voyant</a:t>
             </a:r>
             <a:endParaRPr lang="en-US" dirty="0"/>
@@ -9332,10 +9313,9 @@
           <a:lstStyle/>
           <a:p>
             <a:r>
-              <a:rPr lang="en-US" dirty="0" smtClean="0"/>
+              <a:rPr lang="en-US" dirty="0"/>
               <a:t>Love Notes</a:t>
             </a:r>
-            <a:endParaRPr lang="en-US" dirty="0"/>
           </a:p>
         </p:txBody>
       </p:sp>
@@ -9360,35 +9340,27 @@
               <a:buNone/>
             </a:pPr>
             <a:r>
-              <a:rPr lang="en-US" dirty="0" smtClean="0"/>
+              <a:rPr lang="en-US" dirty="0"/>
               <a:t>Dear headphone jack, </a:t>
             </a:r>
             <a:br>
-              <a:rPr lang="en-US" dirty="0" smtClean="0"/>
+              <a:rPr lang="en-US" dirty="0"/>
             </a:br>
-            <a:r>
-              <a:rPr lang="en-US" dirty="0" smtClean="0"/>
-              <a:t/>
-            </a:r>
             <a:br>
-              <a:rPr lang="en-US" dirty="0" smtClean="0"/>
+              <a:rPr lang="en-US" dirty="0"/>
             </a:br>
             <a:r>
-              <a:rPr lang="en-US" dirty="0" smtClean="0"/>
+              <a:rPr lang="en-US" dirty="0"/>
               <a:t>I love you. I mean you’re great and all. And I really love you. But I’ve been thinking a lot. And we should talk soon. But I love you. Definitely don’t worry.</a:t>
             </a:r>
             <a:br>
-              <a:rPr lang="en-US" dirty="0" smtClean="0"/>
+              <a:rPr lang="en-US" dirty="0"/>
             </a:br>
-            <a:r>
-              <a:rPr lang="en-US" dirty="0" smtClean="0"/>
-              <a:t/>
-            </a:r>
             <a:br>
-              <a:rPr lang="en-US" dirty="0" smtClean="0"/>
+              <a:rPr lang="en-US" dirty="0"/>
             </a:br>
             <a:r>
-              <a:rPr lang="en-US" dirty="0" smtClean="0"/>
+              <a:rPr lang="en-US" dirty="0"/>
               <a:t>Yours,</a:t>
             </a:r>
           </a:p>
@@ -9397,7 +9369,7 @@
               <a:buNone/>
             </a:pPr>
             <a:r>
-              <a:rPr lang="en-US" dirty="0" smtClean="0"/>
+              <a:rPr lang="en-US" dirty="0"/>
               <a:t>Apple</a:t>
             </a:r>
           </a:p>
@@ -9413,13 +9385,6 @@
   <p:clrMapOvr>
     <a:masterClrMapping/>
   </p:clrMapOvr>
-  <p:timing>
-    <p:tnLst>
-      <p:par>
-        <p:cTn xmlns:p14="http://schemas.microsoft.com/office/powerpoint/2010/main" id="1" dur="indefinite" restart="never" nodeType="tmRoot"/>
-      </p:par>
-    </p:tnLst>
-  </p:timing>
 </p:sld>
 </file>
 
@@ -9456,11 +9421,11 @@
           <a:lstStyle/>
           <a:p>
             <a:r>
-              <a:rPr lang="en-US" dirty="0" smtClean="0"/>
+              <a:rPr lang="en-US" dirty="0"/>
               <a:t>Google </a:t>
             </a:r>
             <a:r>
-              <a:rPr lang="en-US" dirty="0" err="1" smtClean="0"/>
+              <a:rPr lang="en-US" dirty="0" err="1"/>
               <a:t>NGrams</a:t>
             </a:r>
             <a:endParaRPr lang="en-US" dirty="0"/>
@@ -9526,7 +9491,7 @@
               <a:t>/</a:t>
             </a:r>
             <a:r>
-              <a:rPr lang="en-US" dirty="0" err="1" smtClean="0"/>
+              <a:rPr lang="en-US" dirty="0" err="1"/>
               <a:t>ngrams</a:t>
             </a:r>
             <a:endParaRPr lang="en-US" dirty="0"/>
@@ -9579,15 +9544,11 @@
           <a:lstStyle/>
           <a:p>
             <a:r>
-              <a:rPr lang="en-US" dirty="0" err="1" smtClean="0"/>
-              <a:t>Concodance</a:t>
-            </a:r>
-            <a:r>
-              <a:rPr lang="en-US" dirty="0" smtClean="0"/>
-              <a:t> w/ </a:t>
-            </a:r>
-            <a:r>
-              <a:rPr lang="en-US" dirty="0" err="1" smtClean="0"/>
+              <a:rPr lang="en-US" dirty="0"/>
+              <a:t>Concordance w/ </a:t>
+            </a:r>
+            <a:r>
+              <a:rPr lang="en-US" dirty="0" err="1"/>
               <a:t>Stopwords</a:t>
             </a:r>
             <a:endParaRPr lang="en-US" dirty="0"/>
@@ -9659,11 +9620,11 @@
           <a:lstStyle/>
           <a:p>
             <a:r>
-              <a:rPr lang="en-US" dirty="0" smtClean="0"/>
+              <a:rPr lang="en-US" dirty="0"/>
               <a:t>Concordance w/o </a:t>
             </a:r>
             <a:r>
-              <a:rPr lang="en-US" dirty="0" err="1" smtClean="0"/>
+              <a:rPr lang="en-US" dirty="0" err="1"/>
               <a:t>Stopwords</a:t>
             </a:r>
             <a:endParaRPr lang="en-US" dirty="0"/>
@@ -9740,10 +9701,9 @@
           <a:lstStyle/>
           <a:p>
             <a:r>
-              <a:rPr lang="en-US" dirty="0" smtClean="0"/>
+              <a:rPr lang="en-US" dirty="0"/>
               <a:t>3. Topic Modeling</a:t>
             </a:r>
-            <a:endParaRPr lang="en-US" dirty="0"/>
           </a:p>
         </p:txBody>
       </p:sp>
@@ -9763,19 +9723,19 @@
           <a:lstStyle/>
           <a:p>
             <a:r>
-              <a:rPr lang="en-US" dirty="0" smtClean="0"/>
+              <a:rPr lang="en-US" dirty="0"/>
               <a:t>You’re each given the scrambled text of three document.</a:t>
             </a:r>
           </a:p>
           <a:p>
             <a:r>
-              <a:rPr lang="en-US" dirty="0" smtClean="0"/>
+              <a:rPr lang="en-US" dirty="0"/>
               <a:t>What are they about? Pick 3 themes or topics for each text. Texts can share topics.</a:t>
             </a:r>
           </a:p>
           <a:p>
             <a:r>
-              <a:rPr lang="en-US" dirty="0" smtClean="0"/>
+              <a:rPr lang="en-US" dirty="0"/>
               <a:t>How do you know?</a:t>
             </a:r>
           </a:p>
@@ -9827,22 +9787,21 @@
           <a:lstStyle/>
           <a:p>
             <a:r>
-              <a:rPr lang="en-US" dirty="0" smtClean="0"/>
+              <a:rPr lang="en-US" dirty="0"/>
               <a:t>Text 1: evidence, medicine, murder</a:t>
             </a:r>
           </a:p>
           <a:p>
             <a:r>
-              <a:rPr lang="en-US" dirty="0" smtClean="0"/>
+              <a:rPr lang="en-US" dirty="0"/>
               <a:t>Text 2: evidence, love, woman</a:t>
             </a:r>
           </a:p>
           <a:p>
             <a:r>
-              <a:rPr lang="en-US" dirty="0" smtClean="0"/>
+              <a:rPr lang="en-US" dirty="0"/>
               <a:t>Text 3: medicine, news, transportation</a:t>
             </a:r>
-            <a:endParaRPr lang="en-US" dirty="0"/>
           </a:p>
         </p:txBody>
       </p:sp>
@@ -9862,10 +9821,9 @@
           <a:lstStyle/>
           <a:p>
             <a:r>
-              <a:rPr lang="en-US" dirty="0" smtClean="0"/>
+              <a:rPr lang="en-US" dirty="0"/>
               <a:t>3. Topic Modeling</a:t>
             </a:r>
-            <a:endParaRPr lang="en-US" dirty="0"/>
           </a:p>
         </p:txBody>
       </p:sp>
@@ -9915,68 +9873,66 @@
           <a:lstStyle/>
           <a:p>
             <a:r>
-              <a:rPr lang="en-US" dirty="0" smtClean="0"/>
+              <a:rPr lang="en-US" dirty="0"/>
               <a:t>3. Topic Modeling</a:t>
             </a:r>
+          </a:p>
+        </p:txBody>
+      </p:sp>
+      <p:sp>
+        <p:nvSpPr>
+          <p:cNvPr id="3" name="Content Placeholder 2"/>
+          <p:cNvSpPr>
+            <a:spLocks noGrp="1"/>
+          </p:cNvSpPr>
+          <p:nvPr>
+            <p:ph idx="1"/>
+          </p:nvPr>
+        </p:nvSpPr>
+        <p:spPr/>
+        <p:txBody>
+          <a:bodyPr/>
+          <a:lstStyle/>
+          <a:p>
+            <a:r>
+              <a:rPr lang="en-US" dirty="0"/>
+              <a:t>Variation of Bags of Words</a:t>
+            </a:r>
+          </a:p>
+          <a:p>
+            <a:r>
+              <a:rPr lang="en-US" dirty="0"/>
+              <a:t>Texts are </a:t>
+            </a:r>
+            <a:r>
+              <a:rPr lang="en-US" i="1" dirty="0"/>
+              <a:t>about </a:t>
+            </a:r>
+            <a:r>
+              <a:rPr lang="en-US" dirty="0"/>
+              <a:t>something – themes/topics</a:t>
+            </a:r>
+          </a:p>
+          <a:p>
+            <a:r>
+              <a:rPr lang="en-US" dirty="0"/>
+              <a:t>Vocabulary lets us know this.</a:t>
+            </a:r>
+          </a:p>
+          <a:p>
+            <a:r>
+              <a:rPr lang="en-US" dirty="0"/>
+              <a:t>So if we know the words, we can infer the topics. </a:t>
+            </a:r>
+          </a:p>
+          <a:p>
+            <a:r>
+              <a:rPr lang="en-US" dirty="0"/>
+              <a:t>But, more specifically, we want to look at clusters of words.</a:t>
+            </a:r>
+          </a:p>
+          <a:p>
             <a:endParaRPr lang="en-US" dirty="0"/>
-          </a:p>
-        </p:txBody>
-      </p:sp>
-      <p:sp>
-        <p:nvSpPr>
-          <p:cNvPr id="3" name="Content Placeholder 2"/>
-          <p:cNvSpPr>
-            <a:spLocks noGrp="1"/>
-          </p:cNvSpPr>
-          <p:nvPr>
-            <p:ph idx="1"/>
-          </p:nvPr>
-        </p:nvSpPr>
-        <p:spPr/>
-        <p:txBody>
-          <a:bodyPr/>
-          <a:lstStyle/>
-          <a:p>
-            <a:r>
-              <a:rPr lang="en-US" dirty="0" smtClean="0"/>
-              <a:t>Variation of Bags of Words</a:t>
-            </a:r>
-          </a:p>
-          <a:p>
-            <a:r>
-              <a:rPr lang="en-US" dirty="0" smtClean="0"/>
-              <a:t>Texts are </a:t>
-            </a:r>
-            <a:r>
-              <a:rPr lang="en-US" i="1" dirty="0" smtClean="0"/>
-              <a:t>about </a:t>
-            </a:r>
-            <a:r>
-              <a:rPr lang="en-US" dirty="0" smtClean="0"/>
-              <a:t>something – themes/topics</a:t>
-            </a:r>
-          </a:p>
-          <a:p>
-            <a:r>
-              <a:rPr lang="en-US" dirty="0" smtClean="0"/>
-              <a:t>Vocabulary lets us know this.</a:t>
-            </a:r>
-          </a:p>
-          <a:p>
-            <a:r>
-              <a:rPr lang="en-US" dirty="0" smtClean="0"/>
-              <a:t>So if we know the words, we can infer the topics. </a:t>
-            </a:r>
-          </a:p>
-          <a:p>
-            <a:r>
-              <a:rPr lang="en-US" dirty="0" smtClean="0"/>
-              <a:t>But, more specifically, we want to look at clusters of words.</a:t>
-            </a:r>
-            <a:endParaRPr lang="en-US" dirty="0"/>
-          </a:p>
-          <a:p>
-            <a:endParaRPr lang="en-US" dirty="0" smtClean="0"/>
           </a:p>
         </p:txBody>
       </p:sp>
@@ -10026,10 +9982,9 @@
           <a:lstStyle/>
           <a:p>
             <a:r>
-              <a:rPr lang="en-US" dirty="0" smtClean="0"/>
+              <a:rPr lang="en-US" dirty="0"/>
               <a:t>3. Topic Modeling</a:t>
             </a:r>
-            <a:endParaRPr lang="en-US" dirty="0"/>
           </a:p>
         </p:txBody>
       </p:sp>
@@ -10106,19 +10061,19 @@
           <a:lstStyle/>
           <a:p>
             <a:r>
-              <a:rPr lang="en-US" dirty="0" smtClean="0"/>
+              <a:rPr lang="en-US" dirty="0"/>
               <a:t>red: evidence</a:t>
             </a:r>
           </a:p>
           <a:p>
             <a:r>
-              <a:rPr lang="en-US" dirty="0" smtClean="0"/>
+              <a:rPr lang="en-US" dirty="0"/>
               <a:t>green: medicine</a:t>
             </a:r>
           </a:p>
           <a:p>
             <a:r>
-              <a:rPr lang="en-US" dirty="0" smtClean="0"/>
+              <a:rPr lang="en-US" dirty="0"/>
               <a:t>blue: murder</a:t>
             </a:r>
           </a:p>
@@ -10173,10 +10128,9 @@
           <a:lstStyle/>
           <a:p>
             <a:r>
-              <a:rPr lang="en-US" dirty="0" smtClean="0"/>
+              <a:rPr lang="en-US" dirty="0"/>
               <a:t>3. Topic Modeling</a:t>
             </a:r>
-            <a:endParaRPr lang="en-US" dirty="0"/>
           </a:p>
         </p:txBody>
       </p:sp>
@@ -10196,25 +10150,25 @@
           <a:lstStyle/>
           <a:p>
             <a:r>
-              <a:rPr lang="en-US" dirty="0" smtClean="0"/>
+              <a:rPr lang="en-US" dirty="0"/>
               <a:t>Runs over a corpus</a:t>
             </a:r>
           </a:p>
           <a:p>
             <a:r>
-              <a:rPr lang="en-US" dirty="0" smtClean="0"/>
+              <a:rPr lang="en-US" dirty="0"/>
               <a:t>Pulls out statistically significant clusters of words in each document</a:t>
             </a:r>
           </a:p>
           <a:p>
             <a:r>
-              <a:rPr lang="en-US" dirty="0" smtClean="0"/>
+              <a:rPr lang="en-US" dirty="0"/>
               <a:t>More sophisticated than simple word counts</a:t>
             </a:r>
           </a:p>
           <a:p>
             <a:r>
-              <a:rPr lang="en-US" dirty="0" smtClean="0"/>
+              <a:rPr lang="en-US" dirty="0"/>
               <a:t>Gets at underlying themes/topics in docs</a:t>
             </a:r>
           </a:p>
@@ -10271,10 +10225,9 @@
           <a:lstStyle/>
           <a:p>
             <a:r>
-              <a:rPr lang="en-US" sz="4000" dirty="0" smtClean="0"/>
+              <a:rPr lang="en-US" sz="4000" dirty="0"/>
               <a:t>3. Topic Modeling</a:t>
             </a:r>
-            <a:endParaRPr lang="en-US" sz="4000" dirty="0"/>
           </a:p>
         </p:txBody>
       </p:sp>
@@ -10300,14 +10253,14 @@
           <a:lstStyle/>
           <a:p>
             <a:r>
-              <a:rPr lang="en-US" dirty="0" smtClean="0"/>
+              <a:rPr lang="en-US" dirty="0"/>
               <a:t>Fugitive Slave Ad topic from </a:t>
             </a:r>
             <a:r>
-              <a:rPr lang="en-US" i="1" dirty="0" smtClean="0"/>
+              <a:rPr lang="en-US" i="1" dirty="0"/>
               <a:t>Mining the Dispatch</a:t>
             </a:r>
-            <a:endParaRPr lang="en-US" dirty="0" smtClean="0"/>
+            <a:endParaRPr lang="en-US" dirty="0"/>
           </a:p>
           <a:p>
             <a:r>
@@ -10423,10 +10376,9 @@
           <a:lstStyle/>
           <a:p>
             <a:r>
-              <a:rPr lang="en-US" dirty="0" smtClean="0"/>
+              <a:rPr lang="en-US" dirty="0"/>
               <a:t>4. Sentiment Analysis</a:t>
             </a:r>
-            <a:endParaRPr lang="en-US" dirty="0"/>
           </a:p>
         </p:txBody>
       </p:sp>
@@ -10446,30 +10398,27 @@
           <a:lstStyle/>
           <a:p>
             <a:r>
-              <a:rPr lang="en-US" dirty="0" smtClean="0"/>
+              <a:rPr lang="en-US" dirty="0"/>
               <a:t>How does a text feel?</a:t>
             </a:r>
-            <a:endParaRPr lang="en-US" dirty="0"/>
-          </a:p>
-          <a:p>
-            <a:r>
-              <a:rPr lang="en-US" dirty="0" smtClean="0"/>
+          </a:p>
+          <a:p>
+            <a:r>
+              <a:rPr lang="en-US" dirty="0"/>
               <a:t>Is it happy? Sad?</a:t>
             </a:r>
           </a:p>
           <a:p>
             <a:r>
-              <a:rPr lang="en-US" dirty="0" smtClean="0"/>
+              <a:rPr lang="en-US" dirty="0"/>
               <a:t>Complicated questions!</a:t>
             </a:r>
-            <a:endParaRPr lang="en-US" dirty="0"/>
-          </a:p>
-          <a:p>
-            <a:r>
-              <a:rPr lang="en-US" dirty="0" smtClean="0"/>
+          </a:p>
+          <a:p>
+            <a:r>
+              <a:rPr lang="en-US" dirty="0"/>
               <a:t>Let’s try to tell…</a:t>
             </a:r>
-            <a:endParaRPr lang="en-US" dirty="0"/>
           </a:p>
         </p:txBody>
       </p:sp>
@@ -10519,10 +10468,9 @@
           <a:lstStyle/>
           <a:p>
             <a:r>
-              <a:rPr lang="en-US" dirty="0" smtClean="0"/>
+              <a:rPr lang="en-US" dirty="0"/>
               <a:t>1. Close Reading</a:t>
             </a:r>
-            <a:endParaRPr lang="en-US" dirty="0"/>
           </a:p>
         </p:txBody>
       </p:sp>
@@ -10542,31 +10490,31 @@
           <a:lstStyle/>
           <a:p>
             <a:r>
-              <a:rPr lang="en-US" dirty="0" smtClean="0"/>
+              <a:rPr lang="en-US" dirty="0"/>
               <a:t>Every detail matters</a:t>
             </a:r>
           </a:p>
           <a:p>
             <a:r>
-              <a:rPr lang="en-US" dirty="0" smtClean="0"/>
+              <a:rPr lang="en-US" dirty="0"/>
               <a:t>Every detail matters whether the author intended them or not</a:t>
             </a:r>
           </a:p>
           <a:p>
             <a:r>
-              <a:rPr lang="en-US" dirty="0" smtClean="0"/>
+              <a:rPr lang="en-US" dirty="0"/>
               <a:t>In most cases, assumes that meaning is hidden</a:t>
             </a:r>
           </a:p>
           <a:p>
             <a:r>
-              <a:rPr lang="en-US" dirty="0" smtClean="0"/>
+              <a:rPr lang="en-US" dirty="0"/>
               <a:t>You have to uncover meaning by connecting small details</a:t>
             </a:r>
           </a:p>
           <a:p>
             <a:r>
-              <a:rPr lang="en-US" dirty="0" smtClean="0"/>
+              <a:rPr lang="en-US" dirty="0"/>
               <a:t>Context matters</a:t>
             </a:r>
           </a:p>
@@ -10582,13 +10530,6 @@
   <p:clrMapOvr>
     <a:masterClrMapping/>
   </p:clrMapOvr>
-  <p:timing>
-    <p:tnLst>
-      <p:par>
-        <p:cTn xmlns:p14="http://schemas.microsoft.com/office/powerpoint/2010/main" id="1" dur="indefinite" restart="never" nodeType="tmRoot"/>
-      </p:par>
-    </p:tnLst>
-  </p:timing>
 </p:sld>
 </file>
 
@@ -10625,42 +10566,40 @@
           <a:lstStyle/>
           <a:p>
             <a:r>
-              <a:rPr lang="en-US" dirty="0" smtClean="0"/>
+              <a:rPr lang="en-US" dirty="0"/>
               <a:t>4. Sentiment Analysis</a:t>
             </a:r>
+          </a:p>
+        </p:txBody>
+      </p:sp>
+      <p:sp>
+        <p:nvSpPr>
+          <p:cNvPr id="3" name="Content Placeholder 2"/>
+          <p:cNvSpPr>
+            <a:spLocks noGrp="1"/>
+          </p:cNvSpPr>
+          <p:nvPr>
+            <p:ph idx="1"/>
+          </p:nvPr>
+        </p:nvSpPr>
+        <p:spPr/>
+        <p:txBody>
+          <a:bodyPr/>
+          <a:lstStyle/>
+          <a:p>
+            <a:r>
+              <a:rPr lang="en-US" dirty="0"/>
+              <a:t>“I am very happy.”</a:t>
+            </a:r>
+          </a:p>
+          <a:p>
             <a:endParaRPr lang="en-US" dirty="0"/>
           </a:p>
-        </p:txBody>
-      </p:sp>
-      <p:sp>
-        <p:nvSpPr>
-          <p:cNvPr id="3" name="Content Placeholder 2"/>
-          <p:cNvSpPr>
-            <a:spLocks noGrp="1"/>
-          </p:cNvSpPr>
-          <p:nvPr>
-            <p:ph idx="1"/>
-          </p:nvPr>
-        </p:nvSpPr>
-        <p:spPr/>
-        <p:txBody>
-          <a:bodyPr/>
-          <a:lstStyle/>
-          <a:p>
-            <a:r>
-              <a:rPr lang="en-US" dirty="0" smtClean="0"/>
-              <a:t>“I am very happy.”</a:t>
-            </a:r>
-          </a:p>
-          <a:p>
-            <a:endParaRPr lang="en-US" dirty="0" smtClean="0"/>
-          </a:p>
-          <a:p>
-            <a:r>
-              <a:rPr lang="en-US" dirty="0" smtClean="0"/>
+          <a:p>
+            <a:r>
+              <a:rPr lang="en-US" dirty="0"/>
               <a:t>“She is so sad.”</a:t>
             </a:r>
-            <a:endParaRPr lang="en-US" dirty="0"/>
           </a:p>
         </p:txBody>
       </p:sp>
@@ -10710,36 +10649,34 @@
           <a:lstStyle/>
           <a:p>
             <a:r>
-              <a:rPr lang="en-US" dirty="0" smtClean="0"/>
+              <a:rPr lang="en-US" dirty="0"/>
               <a:t>4. Sentiment Analysis</a:t>
             </a:r>
+          </a:p>
+        </p:txBody>
+      </p:sp>
+      <p:sp>
+        <p:nvSpPr>
+          <p:cNvPr id="3" name="Content Placeholder 2"/>
+          <p:cNvSpPr>
+            <a:spLocks noGrp="1"/>
+          </p:cNvSpPr>
+          <p:nvPr>
+            <p:ph idx="1"/>
+          </p:nvPr>
+        </p:nvSpPr>
+        <p:spPr/>
+        <p:txBody>
+          <a:bodyPr/>
+          <a:lstStyle/>
+          <a:p>
+            <a:r>
+              <a:rPr lang="en-US" dirty="0"/>
+              <a:t>"It was the best of times, it was the worst of times…”</a:t>
+            </a:r>
+          </a:p>
+          <a:p>
             <a:endParaRPr lang="en-US" dirty="0"/>
-          </a:p>
-        </p:txBody>
-      </p:sp>
-      <p:sp>
-        <p:nvSpPr>
-          <p:cNvPr id="3" name="Content Placeholder 2"/>
-          <p:cNvSpPr>
-            <a:spLocks noGrp="1"/>
-          </p:cNvSpPr>
-          <p:nvPr>
-            <p:ph idx="1"/>
-          </p:nvPr>
-        </p:nvSpPr>
-        <p:spPr/>
-        <p:txBody>
-          <a:bodyPr/>
-          <a:lstStyle/>
-          <a:p>
-            <a:r>
-              <a:rPr lang="en-US" dirty="0" smtClean="0"/>
-              <a:t>"It was the best of times, it was the worst of times…”</a:t>
-            </a:r>
-            <a:endParaRPr lang="en-US" dirty="0"/>
-          </a:p>
-          <a:p>
-            <a:endParaRPr lang="en-US" dirty="0" smtClean="0"/>
           </a:p>
         </p:txBody>
       </p:sp>
@@ -10789,40 +10726,38 @@
           <a:lstStyle/>
           <a:p>
             <a:r>
-              <a:rPr lang="en-US" dirty="0" smtClean="0"/>
+              <a:rPr lang="en-US" dirty="0"/>
               <a:t>4. Sentiment Analysis</a:t>
             </a:r>
+          </a:p>
+        </p:txBody>
+      </p:sp>
+      <p:sp>
+        <p:nvSpPr>
+          <p:cNvPr id="3" name="Content Placeholder 2"/>
+          <p:cNvSpPr>
+            <a:spLocks noGrp="1"/>
+          </p:cNvSpPr>
+          <p:nvPr>
+            <p:ph idx="1"/>
+          </p:nvPr>
+        </p:nvSpPr>
+        <p:spPr/>
+        <p:txBody>
+          <a:bodyPr/>
+          <a:lstStyle/>
+          <a:p>
+            <a:r>
+              <a:rPr lang="en-US" dirty="0"/>
+              <a:t>"It was the best of times, it was the worst of times…”</a:t>
+            </a:r>
+          </a:p>
+          <a:p>
             <a:endParaRPr lang="en-US" dirty="0"/>
           </a:p>
-        </p:txBody>
-      </p:sp>
-      <p:sp>
-        <p:nvSpPr>
-          <p:cNvPr id="3" name="Content Placeholder 2"/>
-          <p:cNvSpPr>
-            <a:spLocks noGrp="1"/>
-          </p:cNvSpPr>
-          <p:nvPr>
-            <p:ph idx="1"/>
-          </p:nvPr>
-        </p:nvSpPr>
-        <p:spPr/>
-        <p:txBody>
-          <a:bodyPr/>
-          <a:lstStyle/>
-          <a:p>
-            <a:r>
-              <a:rPr lang="en-US" dirty="0" smtClean="0"/>
-              <a:t>"It was the best of times, it was the worst of times…”</a:t>
-            </a:r>
-            <a:endParaRPr lang="en-US" dirty="0"/>
-          </a:p>
-          <a:p>
-            <a:endParaRPr lang="en-US" dirty="0" smtClean="0"/>
-          </a:p>
-          <a:p>
-            <a:r>
-              <a:rPr lang="en-US" dirty="0" smtClean="0"/>
+          <a:p>
+            <a:r>
+              <a:rPr lang="en-US" dirty="0"/>
               <a:t>Not a clear answer overall. We need a better way to register this. Let’s go word by word.</a:t>
             </a:r>
           </a:p>
@@ -10874,10 +10809,9 @@
           <a:lstStyle/>
           <a:p>
             <a:r>
-              <a:rPr lang="en-US" dirty="0" smtClean="0"/>
+              <a:rPr lang="en-US" dirty="0"/>
               <a:t>4. Sentiment Analysis</a:t>
             </a:r>
-            <a:endParaRPr lang="en-US" dirty="0"/>
           </a:p>
         </p:txBody>
       </p:sp>
@@ -10903,80 +10837,75 @@
           <a:lstStyle/>
           <a:p>
             <a:r>
-              <a:rPr lang="en-US" sz="2500" dirty="0" smtClean="0"/>
+              <a:rPr lang="en-US" sz="2500" dirty="0"/>
               <a:t>"It </a:t>
             </a:r>
           </a:p>
           <a:p>
             <a:r>
-              <a:rPr lang="en-US" sz="2500" dirty="0" smtClean="0"/>
+              <a:rPr lang="en-US" sz="2500" dirty="0"/>
               <a:t>was </a:t>
             </a:r>
           </a:p>
           <a:p>
             <a:r>
-              <a:rPr lang="en-US" sz="2500" dirty="0" smtClean="0"/>
+              <a:rPr lang="en-US" sz="2500" dirty="0"/>
               <a:t>the </a:t>
             </a:r>
           </a:p>
           <a:p>
             <a:r>
-              <a:rPr lang="en-US" sz="2500" dirty="0" smtClean="0"/>
+              <a:rPr lang="en-US" sz="2500" dirty="0"/>
               <a:t>best			happy!</a:t>
             </a:r>
           </a:p>
           <a:p>
             <a:r>
-              <a:rPr lang="en-US" sz="2500" dirty="0" smtClean="0"/>
+              <a:rPr lang="en-US" sz="2500" dirty="0"/>
               <a:t>of </a:t>
             </a:r>
           </a:p>
           <a:p>
             <a:r>
-              <a:rPr lang="en-US" sz="2500" dirty="0" smtClean="0"/>
+              <a:rPr lang="en-US" sz="2500" dirty="0"/>
               <a:t>times, </a:t>
             </a:r>
           </a:p>
           <a:p>
             <a:r>
-              <a:rPr lang="en-US" sz="2500" dirty="0" smtClean="0"/>
+              <a:rPr lang="en-US" sz="2500" dirty="0"/>
               <a:t>it </a:t>
             </a:r>
           </a:p>
           <a:p>
             <a:r>
-              <a:rPr lang="en-US" sz="2500" dirty="0" smtClean="0"/>
+              <a:rPr lang="en-US" sz="2500" dirty="0"/>
               <a:t>was </a:t>
             </a:r>
           </a:p>
           <a:p>
             <a:r>
-              <a:rPr lang="en-US" sz="2500" dirty="0" smtClean="0"/>
+              <a:rPr lang="en-US" sz="2500" dirty="0"/>
               <a:t>the </a:t>
             </a:r>
           </a:p>
           <a:p>
             <a:r>
               <a:rPr lang="en-US" sz="2500" dirty="0"/>
-              <a:t>w</a:t>
-            </a:r>
-            <a:r>
-              <a:rPr lang="en-US" sz="2500" dirty="0" smtClean="0"/>
-              <a:t>orst			sad!</a:t>
-            </a:r>
-          </a:p>
-          <a:p>
-            <a:r>
-              <a:rPr lang="en-US" sz="2500" dirty="0" smtClean="0"/>
+              <a:t>worst			sad!</a:t>
+            </a:r>
+          </a:p>
+          <a:p>
+            <a:r>
+              <a:rPr lang="en-US" sz="2500" dirty="0"/>
               <a:t>of </a:t>
             </a:r>
           </a:p>
           <a:p>
             <a:r>
-              <a:rPr lang="en-US" sz="2500" dirty="0" smtClean="0"/>
+              <a:rPr lang="en-US" sz="2500" dirty="0"/>
               <a:t>times…"</a:t>
             </a:r>
-            <a:endParaRPr lang="en-US" sz="2500" dirty="0"/>
           </a:p>
         </p:txBody>
       </p:sp>
@@ -10990,13 +10919,6 @@
   <p:clrMapOvr>
     <a:masterClrMapping/>
   </p:clrMapOvr>
-  <p:timing>
-    <p:tnLst>
-      <p:par>
-        <p:cTn xmlns:p14="http://schemas.microsoft.com/office/powerpoint/2010/main" id="1" dur="indefinite" restart="never" nodeType="tmRoot"/>
-      </p:par>
-    </p:tnLst>
-  </p:timing>
 </p:sld>
 </file>
 
@@ -11033,10 +10955,9 @@
           <a:lstStyle/>
           <a:p>
             <a:r>
-              <a:rPr lang="en-US" dirty="0" smtClean="0"/>
+              <a:rPr lang="en-US" dirty="0"/>
               <a:t>4. Sentiment Analysis</a:t>
             </a:r>
-            <a:endParaRPr lang="en-US" dirty="0"/>
           </a:p>
         </p:txBody>
       </p:sp>
@@ -11062,80 +10983,75 @@
           <a:lstStyle/>
           <a:p>
             <a:r>
-              <a:rPr lang="en-US" sz="2500" dirty="0" smtClean="0"/>
+              <a:rPr lang="en-US" sz="2500" dirty="0"/>
               <a:t>"It </a:t>
             </a:r>
           </a:p>
           <a:p>
             <a:r>
-              <a:rPr lang="en-US" sz="2500" dirty="0" smtClean="0"/>
+              <a:rPr lang="en-US" sz="2500" dirty="0"/>
               <a:t>was </a:t>
             </a:r>
           </a:p>
           <a:p>
             <a:r>
-              <a:rPr lang="en-US" sz="2500" dirty="0" smtClean="0"/>
+              <a:rPr lang="en-US" sz="2500" dirty="0"/>
               <a:t>the </a:t>
             </a:r>
           </a:p>
           <a:p>
             <a:r>
-              <a:rPr lang="en-US" sz="2500" dirty="0" smtClean="0"/>
+              <a:rPr lang="en-US" sz="2500" dirty="0"/>
               <a:t>best			happy! / positive</a:t>
             </a:r>
           </a:p>
           <a:p>
             <a:r>
-              <a:rPr lang="en-US" sz="2500" dirty="0" smtClean="0"/>
+              <a:rPr lang="en-US" sz="2500" dirty="0"/>
               <a:t>of </a:t>
             </a:r>
           </a:p>
           <a:p>
             <a:r>
-              <a:rPr lang="en-US" sz="2500" dirty="0" smtClean="0"/>
+              <a:rPr lang="en-US" sz="2500" dirty="0"/>
               <a:t>times, </a:t>
             </a:r>
           </a:p>
           <a:p>
             <a:r>
-              <a:rPr lang="en-US" sz="2500" dirty="0" smtClean="0"/>
+              <a:rPr lang="en-US" sz="2500" dirty="0"/>
               <a:t>it </a:t>
             </a:r>
           </a:p>
           <a:p>
             <a:r>
-              <a:rPr lang="en-US" sz="2500" dirty="0" smtClean="0"/>
+              <a:rPr lang="en-US" sz="2500" dirty="0"/>
               <a:t>was </a:t>
             </a:r>
           </a:p>
           <a:p>
             <a:r>
-              <a:rPr lang="en-US" sz="2500" dirty="0" smtClean="0"/>
+              <a:rPr lang="en-US" sz="2500" dirty="0"/>
               <a:t>the </a:t>
             </a:r>
           </a:p>
           <a:p>
             <a:r>
               <a:rPr lang="en-US" sz="2500" dirty="0"/>
-              <a:t>w</a:t>
-            </a:r>
-            <a:r>
-              <a:rPr lang="en-US" sz="2500" dirty="0" smtClean="0"/>
-              <a:t>orst			sad! / negative</a:t>
-            </a:r>
-          </a:p>
-          <a:p>
-            <a:r>
-              <a:rPr lang="en-US" sz="2500" dirty="0" smtClean="0"/>
+              <a:t>worst			sad! / negative</a:t>
+            </a:r>
+          </a:p>
+          <a:p>
+            <a:r>
+              <a:rPr lang="en-US" sz="2500" dirty="0"/>
               <a:t>of </a:t>
             </a:r>
           </a:p>
           <a:p>
             <a:r>
-              <a:rPr lang="en-US" sz="2500" dirty="0" smtClean="0"/>
+              <a:rPr lang="en-US" sz="2500" dirty="0"/>
               <a:t>times…"</a:t>
             </a:r>
-            <a:endParaRPr lang="en-US" sz="2500" dirty="0"/>
           </a:p>
         </p:txBody>
       </p:sp>
@@ -11149,13 +11065,6 @@
   <p:clrMapOvr>
     <a:masterClrMapping/>
   </p:clrMapOvr>
-  <p:timing>
-    <p:tnLst>
-      <p:par>
-        <p:cTn xmlns:p14="http://schemas.microsoft.com/office/powerpoint/2010/main" id="1" dur="indefinite" restart="never" nodeType="tmRoot"/>
-      </p:par>
-    </p:tnLst>
-  </p:timing>
 </p:sld>
 </file>
 
@@ -11192,10 +11101,9 @@
           <a:lstStyle/>
           <a:p>
             <a:r>
-              <a:rPr lang="en-US" dirty="0" smtClean="0"/>
+              <a:rPr lang="en-US" dirty="0"/>
               <a:t>4. Sentiment Analysis</a:t>
             </a:r>
-            <a:endParaRPr lang="en-US" dirty="0"/>
           </a:p>
         </p:txBody>
       </p:sp>
@@ -11221,85 +11129,80 @@
           <a:lstStyle/>
           <a:p>
             <a:r>
-              <a:rPr lang="en-US" sz="2500" dirty="0" smtClean="0"/>
+              <a:rPr lang="en-US" sz="2500" dirty="0"/>
               <a:t>"It </a:t>
             </a:r>
           </a:p>
           <a:p>
             <a:r>
-              <a:rPr lang="en-US" sz="2500" dirty="0" smtClean="0"/>
+              <a:rPr lang="en-US" sz="2500" dirty="0"/>
               <a:t>was </a:t>
             </a:r>
           </a:p>
           <a:p>
             <a:r>
-              <a:rPr lang="en-US" sz="2500" dirty="0" smtClean="0"/>
+              <a:rPr lang="en-US" sz="2500" dirty="0"/>
               <a:t>the </a:t>
             </a:r>
           </a:p>
           <a:p>
             <a:r>
-              <a:rPr lang="en-US" sz="2500" dirty="0" smtClean="0"/>
+              <a:rPr lang="en-US" sz="2500" dirty="0"/>
               <a:t>best			happy! / positive / 1</a:t>
             </a:r>
           </a:p>
           <a:p>
             <a:r>
-              <a:rPr lang="en-US" sz="2500" dirty="0" smtClean="0"/>
+              <a:rPr lang="en-US" sz="2500" dirty="0"/>
               <a:t>of </a:t>
             </a:r>
           </a:p>
           <a:p>
             <a:r>
-              <a:rPr lang="en-US" sz="2500" dirty="0" smtClean="0"/>
+              <a:rPr lang="en-US" sz="2500" dirty="0"/>
               <a:t>times, </a:t>
             </a:r>
           </a:p>
           <a:p>
             <a:r>
-              <a:rPr lang="en-US" sz="2500" dirty="0" smtClean="0"/>
+              <a:rPr lang="en-US" sz="2500" dirty="0"/>
               <a:t>it </a:t>
             </a:r>
           </a:p>
           <a:p>
             <a:r>
-              <a:rPr lang="en-US" sz="2500" dirty="0" smtClean="0"/>
+              <a:rPr lang="en-US" sz="2500" dirty="0"/>
               <a:t>was </a:t>
             </a:r>
           </a:p>
           <a:p>
             <a:r>
-              <a:rPr lang="en-US" sz="2500" dirty="0" smtClean="0"/>
+              <a:rPr lang="en-US" sz="2500" dirty="0"/>
               <a:t>the </a:t>
             </a:r>
           </a:p>
           <a:p>
             <a:r>
               <a:rPr lang="en-US" sz="2500" dirty="0"/>
-              <a:t>w</a:t>
-            </a:r>
-            <a:r>
-              <a:rPr lang="en-US" sz="2500" dirty="0" smtClean="0"/>
-              <a:t>orst			sad! / negative </a:t>
-            </a:r>
-            <a:r>
-              <a:rPr lang="en-US" sz="2500" smtClean="0"/>
+              <a:t>worst			sad! / negative </a:t>
+            </a:r>
+            <a:r>
+              <a:rPr lang="en-US" sz="2500"/>
               <a:t>/ -1</a:t>
             </a:r>
-            <a:endParaRPr lang="en-US" sz="2500" dirty="0" smtClean="0"/>
-          </a:p>
-          <a:p>
-            <a:r>
-              <a:rPr lang="en-US" sz="2500" dirty="0" smtClean="0"/>
+            <a:endParaRPr lang="en-US" sz="2500" dirty="0"/>
+          </a:p>
+          <a:p>
+            <a:r>
+              <a:rPr lang="en-US" sz="2500" dirty="0"/>
               <a:t>of </a:t>
             </a:r>
           </a:p>
           <a:p>
             <a:r>
-              <a:rPr lang="en-US" sz="2500" dirty="0" smtClean="0"/>
+              <a:rPr lang="en-US" sz="2500" dirty="0"/>
               <a:t>times…"</a:t>
             </a:r>
-            <a:endParaRPr lang="en-US" sz="2500" dirty="0"/>
           </a:p>
         </p:txBody>
       </p:sp>
@@ -11313,13 +11216,6 @@
   <p:clrMapOvr>
     <a:masterClrMapping/>
   </p:clrMapOvr>
-  <p:timing>
-    <p:tnLst>
-      <p:par>
-        <p:cTn xmlns:p14="http://schemas.microsoft.com/office/powerpoint/2010/main" id="1" dur="indefinite" restart="never" nodeType="tmRoot"/>
-      </p:par>
-    </p:tnLst>
-  </p:timing>
 </p:sld>
 </file>
 
@@ -11356,10 +11252,9 @@
           <a:lstStyle/>
           <a:p>
             <a:r>
-              <a:rPr lang="en-US" dirty="0" smtClean="0"/>
+              <a:rPr lang="en-US" dirty="0"/>
               <a:t>4. Sentiment Analysis</a:t>
             </a:r>
-            <a:endParaRPr lang="en-US" dirty="0"/>
           </a:p>
         </p:txBody>
       </p:sp>
@@ -11381,7 +11276,7 @@
           <a:lstStyle/>
           <a:p>
             <a:r>
-              <a:rPr lang="en-US" sz="2800" dirty="0" smtClean="0"/>
+              <a:rPr lang="en-US" sz="2800" dirty="0"/>
               <a:t>"It was the best of times, it was the worst of times…”</a:t>
             </a:r>
           </a:p>
@@ -11391,11 +11286,7 @@
             </a:pPr>
             <a:r>
               <a:rPr lang="en-US" sz="2800" dirty="0"/>
-              <a:t>	</a:t>
-            </a:r>
-            <a:r>
-              <a:rPr lang="en-US" sz="2800" dirty="0" smtClean="0"/>
-              <a:t>				1 							– 1</a:t>
+              <a:t>					1 							– 1</a:t>
             </a:r>
           </a:p>
           <a:p>
@@ -11409,7 +11300,7 @@
               <a:buNone/>
             </a:pPr>
             <a:r>
-              <a:rPr lang="en-US" sz="2800" dirty="0" smtClean="0"/>
+              <a:rPr lang="en-US" sz="2800" dirty="0"/>
               <a:t>Total = 0</a:t>
             </a:r>
           </a:p>
@@ -11418,10 +11309,9 @@
               <a:buNone/>
             </a:pPr>
             <a:r>
-              <a:rPr lang="en-US" sz="2800" dirty="0" smtClean="0"/>
+              <a:rPr lang="en-US" sz="2800" dirty="0"/>
               <a:t>Overall neutral sentiment</a:t>
             </a:r>
-            <a:endParaRPr lang="en-US" sz="2800" dirty="0"/>
           </a:p>
         </p:txBody>
       </p:sp>
@@ -11471,10 +11361,9 @@
           <a:lstStyle/>
           <a:p>
             <a:r>
-              <a:rPr lang="en-US" dirty="0" smtClean="0"/>
+              <a:rPr lang="en-US" dirty="0"/>
               <a:t>4. Sentiment Analysis</a:t>
             </a:r>
-            <a:endParaRPr lang="en-US" dirty="0"/>
           </a:p>
         </p:txBody>
       </p:sp>
@@ -11496,36 +11385,36 @@
           <a:lstStyle/>
           <a:p>
             <a:r>
-              <a:rPr lang="en-US" dirty="0" smtClean="0"/>
+              <a:rPr lang="en-US" dirty="0"/>
               <a:t>Can imagine a range of emotions: good, better, best.</a:t>
             </a:r>
           </a:p>
           <a:p>
             <a:r>
-              <a:rPr lang="en-US" dirty="0" smtClean="0"/>
+              <a:rPr lang="en-US" dirty="0"/>
               <a:t>So you could use a range of numbers: good = +1, better= +3, best = +5</a:t>
             </a:r>
           </a:p>
           <a:p>
             <a:r>
-              <a:rPr lang="en-US" dirty="0" smtClean="0"/>
+              <a:rPr lang="en-US" dirty="0"/>
               <a:t>Say, assign any emotion-laden word a number between -5 and +5. </a:t>
             </a:r>
           </a:p>
           <a:p>
             <a:r>
-              <a:rPr lang="en-US" dirty="0" smtClean="0"/>
+              <a:rPr lang="en-US" dirty="0"/>
               <a:t>Keep in mind that you’re not reading for context. Simply on a word-by-word basis.</a:t>
             </a:r>
           </a:p>
           <a:p>
             <a:r>
-              <a:rPr lang="en-US" dirty="0" smtClean="0"/>
+              <a:rPr lang="en-US" dirty="0"/>
               <a:t>So “yes” would be positive. “no” would be negative</a:t>
             </a:r>
           </a:p>
           <a:p>
-            <a:endParaRPr lang="en-US" dirty="0" smtClean="0"/>
+            <a:endParaRPr lang="en-US" dirty="0"/>
           </a:p>
           <a:p>
             <a:endParaRPr lang="en-US" dirty="0"/>
@@ -11578,10 +11467,9 @@
           <a:lstStyle/>
           <a:p>
             <a:r>
-              <a:rPr lang="en-US" dirty="0" smtClean="0"/>
+              <a:rPr lang="en-US" dirty="0"/>
               <a:t>4. Sentiment Analysis</a:t>
             </a:r>
-            <a:endParaRPr lang="en-US" dirty="0"/>
           </a:p>
         </p:txBody>
       </p:sp>
@@ -11601,34 +11489,33 @@
           <a:lstStyle/>
           <a:p>
             <a:r>
-              <a:rPr lang="en-US" dirty="0" smtClean="0"/>
+              <a:rPr lang="en-US" dirty="0"/>
               <a:t>Chart the sentiment for each of the three excerpts on your handout. </a:t>
             </a:r>
           </a:p>
           <a:p>
             <a:r>
-              <a:rPr lang="en-US" dirty="0" smtClean="0"/>
+              <a:rPr lang="en-US" dirty="0"/>
               <a:t>Assign numerical values to the words then add up the numbers for each paragraph. Average them all at the end for each paragraph.</a:t>
             </a:r>
           </a:p>
           <a:p>
             <a:r>
-              <a:rPr lang="en-US" dirty="0" smtClean="0"/>
+              <a:rPr lang="en-US" dirty="0"/>
               <a:t>Which is happier? Sadder?</a:t>
             </a:r>
           </a:p>
           <a:p>
             <a:r>
-              <a:rPr lang="en-US" dirty="0" smtClean="0"/>
+              <a:rPr lang="en-US" dirty="0"/>
               <a:t>Happiest? Saddest?</a:t>
             </a:r>
           </a:p>
           <a:p>
             <a:r>
-              <a:rPr lang="en-US" dirty="0" smtClean="0"/>
+              <a:rPr lang="en-US" dirty="0"/>
               <a:t>Any problems or questions that this raises?</a:t>
             </a:r>
-            <a:endParaRPr lang="en-US" dirty="0"/>
           </a:p>
         </p:txBody>
       </p:sp>
@@ -11678,10 +11565,9 @@
           <a:lstStyle/>
           <a:p>
             <a:r>
-              <a:rPr lang="en-US" dirty="0" smtClean="0"/>
+              <a:rPr lang="en-US" dirty="0"/>
               <a:t>4. Sentiment Analysis</a:t>
             </a:r>
-            <a:endParaRPr lang="en-US" dirty="0"/>
           </a:p>
         </p:txBody>
       </p:sp>
@@ -11701,22 +11587,21 @@
           <a:lstStyle/>
           <a:p>
             <a:r>
-              <a:rPr lang="en-US" dirty="0" smtClean="0"/>
+              <a:rPr lang="en-US" dirty="0"/>
               <a:t>Declaration: Negative</a:t>
             </a:r>
           </a:p>
           <a:p>
             <a:r>
-              <a:rPr lang="en-US" dirty="0" smtClean="0"/>
+              <a:rPr lang="en-US" dirty="0"/>
               <a:t>Kafka: Negative</a:t>
             </a:r>
           </a:p>
           <a:p>
             <a:r>
-              <a:rPr lang="en-US" dirty="0" smtClean="0"/>
+              <a:rPr lang="en-US" dirty="0"/>
               <a:t>Bradbury: Positive, right?</a:t>
             </a:r>
-            <a:endParaRPr lang="en-US" dirty="0"/>
           </a:p>
         </p:txBody>
       </p:sp>
@@ -11766,10 +11651,9 @@
           <a:lstStyle/>
           <a:p>
             <a:r>
-              <a:rPr lang="en-US" dirty="0" smtClean="0"/>
+              <a:rPr lang="en-US" dirty="0"/>
               <a:t>1. Close Reading</a:t>
             </a:r>
-            <a:endParaRPr lang="en-US" dirty="0"/>
           </a:p>
         </p:txBody>
       </p:sp>
@@ -11789,29 +11673,27 @@
           <a:lstStyle/>
           <a:p>
             <a:r>
-              <a:rPr lang="en-US" dirty="0" smtClean="0"/>
+              <a:rPr lang="en-US" dirty="0"/>
               <a:t>Handout has five paragraphs on it. </a:t>
             </a:r>
-            <a:endParaRPr lang="en-US" dirty="0"/>
-          </a:p>
-          <a:p>
-            <a:r>
-              <a:rPr lang="en-US" dirty="0" smtClean="0"/>
+          </a:p>
+          <a:p>
+            <a:r>
+              <a:rPr lang="en-US" dirty="0"/>
               <a:t>Read them normally.</a:t>
             </a:r>
           </a:p>
           <a:p>
             <a:r>
-              <a:rPr lang="en-US" dirty="0" smtClean="0"/>
+              <a:rPr lang="en-US" dirty="0"/>
               <a:t>Pay close attention to every detail.</a:t>
             </a:r>
           </a:p>
           <a:p>
             <a:r>
-              <a:rPr lang="en-US" dirty="0" smtClean="0"/>
+              <a:rPr lang="en-US" dirty="0"/>
               <a:t>Discuss with your partner.</a:t>
             </a:r>
-            <a:endParaRPr lang="en-US" dirty="0"/>
           </a:p>
         </p:txBody>
       </p:sp>
@@ -11825,13 +11707,6 @@
   <p:clrMapOvr>
     <a:masterClrMapping/>
   </p:clrMapOvr>
-  <p:timing>
-    <p:tnLst>
-      <p:par>
-        <p:cTn xmlns:p14="http://schemas.microsoft.com/office/powerpoint/2010/main" id="1" dur="indefinite" restart="never" nodeType="tmRoot"/>
-      </p:par>
-    </p:tnLst>
-  </p:timing>
 </p:sld>
 </file>
 
@@ -11868,20 +11743,34 @@
           <a:lstStyle/>
           <a:p>
             <a:r>
-              <a:rPr lang="en-US" dirty="0" smtClean="0"/>
+              <a:rPr lang="en-US" dirty="0"/>
               <a:t>Pretty Vexed</a:t>
             </a:r>
           </a:p>
           <a:p>
             <a:r>
-              <a:rPr lang="en-US" dirty="0" smtClean="0"/>
+              <a:rPr lang="en-US" dirty="0"/>
               <a:t>But intellectually interesting in itself</a:t>
             </a:r>
           </a:p>
           <a:p>
             <a:r>
-              <a:rPr lang="en-US" dirty="0" smtClean="0"/>
+              <a:rPr lang="en-US" dirty="0"/>
               <a:t>High stakes for businesses</a:t>
+            </a:r>
+          </a:p>
+          <a:p>
+            <a:r>
+              <a:rPr lang="en-US" dirty="0"/>
+              <a:t>https://</a:t>
+            </a:r>
+            <a:r>
+              <a:rPr lang="en-US" dirty="0" err="1"/>
+              <a:t>open.nytimes.com</a:t>
+            </a:r>
+            <a:r>
+              <a:rPr lang="en-US"/>
+              <a:t>/how-does-this-article-make-you-feel-4684e5e9c47</a:t>
             </a:r>
             <a:endParaRPr lang="en-US" dirty="0"/>
           </a:p>
@@ -11926,10 +11815,9 @@
           </a:lstStyle>
           <a:p>
             <a:r>
-              <a:rPr lang="en-US" dirty="0" smtClean="0"/>
+              <a:rPr lang="en-US" dirty="0"/>
               <a:t>4. Sentiment Analysis</a:t>
             </a:r>
-            <a:endParaRPr lang="en-US" dirty="0"/>
           </a:p>
         </p:txBody>
       </p:sp>
@@ -11979,10 +11867,9 @@
           <a:lstStyle/>
           <a:p>
             <a:r>
-              <a:rPr lang="en-US" dirty="0" smtClean="0"/>
+              <a:rPr lang="en-US" dirty="0"/>
               <a:t>4. Sentiment Analysis</a:t>
             </a:r>
-            <a:endParaRPr lang="en-US" dirty="0"/>
           </a:p>
         </p:txBody>
       </p:sp>
@@ -12033,26 +11920,25 @@
           <a:lstStyle/>
           <a:p>
             <a:r>
-              <a:rPr lang="en-US" dirty="0" smtClean="0"/>
+              <a:rPr lang="en-US" dirty="0"/>
               <a:t>http://</a:t>
             </a:r>
             <a:r>
-              <a:rPr lang="en-US" dirty="0" err="1" smtClean="0"/>
+              <a:rPr lang="en-US" dirty="0" err="1"/>
               <a:t>www.matthewjockers.net</a:t>
             </a:r>
             <a:r>
-              <a:rPr lang="en-US" dirty="0" smtClean="0"/>
+              <a:rPr lang="en-US" dirty="0"/>
               <a:t>/2015/02/02/</a:t>
             </a:r>
             <a:r>
-              <a:rPr lang="en-US" dirty="0" err="1" smtClean="0"/>
+              <a:rPr lang="en-US" dirty="0" err="1"/>
               <a:t>syuzhet</a:t>
             </a:r>
             <a:r>
-              <a:rPr lang="en-US" dirty="0" smtClean="0"/>
+              <a:rPr lang="en-US" dirty="0"/>
               <a:t>/</a:t>
             </a:r>
-            <a:endParaRPr lang="en-US" dirty="0"/>
           </a:p>
         </p:txBody>
       </p:sp>
@@ -12102,10 +11988,9 @@
           <a:lstStyle/>
           <a:p>
             <a:r>
-              <a:rPr lang="en-US" dirty="0" smtClean="0"/>
+              <a:rPr lang="en-US" dirty="0"/>
               <a:t>4. Sentiment Analysis</a:t>
             </a:r>
-            <a:endParaRPr lang="en-US" dirty="0"/>
           </a:p>
         </p:txBody>
       </p:sp>
@@ -12132,7 +12017,7 @@
           <a:lstStyle/>
           <a:p>
             <a:r>
-              <a:rPr lang="en-US" dirty="0" err="1" smtClean="0"/>
+              <a:rPr lang="en-US" dirty="0" err="1"/>
               <a:t>emojisentiment.com</a:t>
             </a:r>
             <a:endParaRPr lang="en-US" dirty="0"/>
@@ -12209,10 +12094,9 @@
           <a:lstStyle/>
           <a:p>
             <a:r>
-              <a:rPr lang="en-US" dirty="0" smtClean="0"/>
+              <a:rPr lang="en-US" dirty="0"/>
               <a:t>1. Close Reading</a:t>
             </a:r>
-            <a:endParaRPr lang="en-US" dirty="0"/>
           </a:p>
         </p:txBody>
       </p:sp>
@@ -12232,28 +12116,27 @@
           <a:lstStyle/>
           <a:p>
             <a:r>
-              <a:rPr lang="en-US" dirty="0" smtClean="0"/>
+              <a:rPr lang="en-US" dirty="0"/>
               <a:t>Used a lot in literary studies, history, etc.</a:t>
             </a:r>
           </a:p>
           <a:p>
             <a:r>
-              <a:rPr lang="en-US" dirty="0" smtClean="0"/>
+              <a:rPr lang="en-US" dirty="0"/>
               <a:t>Also just in everyday life.</a:t>
             </a:r>
           </a:p>
           <a:p>
             <a:r>
-              <a:rPr lang="en-US" dirty="0" smtClean="0"/>
+              <a:rPr lang="en-US" dirty="0"/>
               <a:t>Generally a version of how you conduct life.</a:t>
             </a:r>
           </a:p>
           <a:p>
             <a:r>
-              <a:rPr lang="en-US" dirty="0" smtClean="0"/>
+              <a:rPr lang="en-US" dirty="0"/>
               <a:t>Overanalyzing life events – a kind of close reading.</a:t>
             </a:r>
-            <a:endParaRPr lang="en-US" dirty="0"/>
           </a:p>
         </p:txBody>
       </p:sp>
@@ -12267,13 +12150,6 @@
   <p:clrMapOvr>
     <a:masterClrMapping/>
   </p:clrMapOvr>
-  <p:timing>
-    <p:tnLst>
-      <p:par>
-        <p:cTn xmlns:p14="http://schemas.microsoft.com/office/powerpoint/2010/main" id="1" dur="indefinite" restart="never" nodeType="tmRoot"/>
-      </p:par>
-    </p:tnLst>
-  </p:timing>
 </p:sld>
 </file>
 
@@ -12310,10 +12186,9 @@
           <a:lstStyle/>
           <a:p>
             <a:r>
-              <a:rPr lang="en-US" dirty="0" smtClean="0"/>
+              <a:rPr lang="en-US" dirty="0"/>
               <a:t>2. Bag of Words</a:t>
             </a:r>
-            <a:endParaRPr lang="en-US" dirty="0"/>
           </a:p>
         </p:txBody>
       </p:sp>
@@ -12333,19 +12208,19 @@
           <a:lstStyle/>
           <a:p>
             <a:r>
-              <a:rPr lang="en-US" dirty="0" smtClean="0"/>
+              <a:rPr lang="en-US" dirty="0"/>
               <a:t>Vocabulary is basic premise of meaning.</a:t>
             </a:r>
           </a:p>
           <a:p>
             <a:r>
-              <a:rPr lang="en-US" dirty="0" smtClean="0"/>
+              <a:rPr lang="en-US" dirty="0"/>
               <a:t>You can find out something interesting about a text just by looking at the vocabulary.</a:t>
             </a:r>
           </a:p>
           <a:p>
             <a:r>
-              <a:rPr lang="en-US" dirty="0" smtClean="0"/>
+              <a:rPr lang="en-US" dirty="0"/>
               <a:t>In practice, means you’re just counting words.</a:t>
             </a:r>
           </a:p>
@@ -12361,13 +12236,6 @@
   <p:clrMapOvr>
     <a:masterClrMapping/>
   </p:clrMapOvr>
-  <p:timing>
-    <p:tnLst>
-      <p:par>
-        <p:cTn xmlns:p14="http://schemas.microsoft.com/office/powerpoint/2010/main" id="1" dur="indefinite" restart="never" nodeType="tmRoot"/>
-      </p:par>
-    </p:tnLst>
-  </p:timing>
 </p:sld>
 </file>
 
@@ -12423,13 +12291,13 @@
           <a:lstStyle/>
           <a:p>
             <a:r>
-              <a:rPr lang="en-US" dirty="0" smtClean="0"/>
+              <a:rPr lang="en-US" dirty="0"/>
               <a:t>"Fine. How are you doing?"</a:t>
             </a:r>
           </a:p>
           <a:p>
             <a:r>
-              <a:rPr lang="en-US" dirty="0" smtClean="0"/>
+              <a:rPr lang="en-US" dirty="0"/>
               <a:t>"How are you doing? Fine?”</a:t>
             </a:r>
           </a:p>
@@ -12438,20 +12306,15 @@
           </a:p>
           <a:p>
             <a:r>
-              <a:rPr lang="en-US" dirty="0" smtClean="0"/>
+              <a:rPr lang="en-US" dirty="0"/>
               <a:t>Bag of words models for both:</a:t>
             </a:r>
           </a:p>
           <a:p>
             <a:r>
               <a:rPr lang="en-US" dirty="0"/>
-              <a:t>[</a:t>
-            </a:r>
-            <a:r>
-              <a:rPr lang="en-US" dirty="0" smtClean="0"/>
-              <a:t>“fine”, “how”, “are”, “you”, “doing”]</a:t>
-            </a:r>
-            <a:endParaRPr lang="en-US" dirty="0"/>
+              <a:t>[“fine”, “how”, “are”, “you”, “doing”]</a:t>
+            </a:r>
           </a:p>
         </p:txBody>
       </p:sp>
@@ -12465,13 +12328,6 @@
   <p:clrMapOvr>
     <a:masterClrMapping/>
   </p:clrMapOvr>
-  <p:timing>
-    <p:tnLst>
-      <p:par>
-        <p:cTn xmlns:p14="http://schemas.microsoft.com/office/powerpoint/2010/main" id="1" dur="indefinite" restart="never" nodeType="tmRoot"/>
-      </p:par>
-    </p:tnLst>
-  </p:timing>
 </p:sld>
 </file>
 
@@ -12508,10 +12364,9 @@
           <a:lstStyle/>
           <a:p>
             <a:r>
-              <a:rPr lang="en-US" dirty="0" smtClean="0"/>
+              <a:rPr lang="en-US" dirty="0"/>
               <a:t>2. Bag of Words</a:t>
             </a:r>
-            <a:endParaRPr lang="en-US" dirty="0"/>
           </a:p>
         </p:txBody>
       </p:sp>
@@ -12534,7 +12389,7 @@
               <a:buNone/>
             </a:pPr>
             <a:r>
-              <a:rPr lang="en-US" dirty="0" smtClean="0"/>
+              <a:rPr lang="en-US" dirty="0"/>
               <a:t>Sentence A: "Barbara is doing fine, thank you."</a:t>
             </a:r>
           </a:p>
@@ -12543,7 +12398,7 @@
               <a:buNone/>
             </a:pPr>
             <a:r>
-              <a:rPr lang="en-US" dirty="0" smtClean="0"/>
+              <a:rPr lang="en-US" dirty="0"/>
               <a:t>Sentence B: "Thank you, Dave. I am doing fine.”</a:t>
             </a:r>
           </a:p>
@@ -12558,10 +12413,9 @@
               <a:buNone/>
             </a:pPr>
             <a:r>
-              <a:rPr lang="en-US" dirty="0" smtClean="0"/>
+              <a:rPr lang="en-US" dirty="0"/>
               <a:t>Make a Bag of Words model for these sentences.</a:t>
             </a:r>
-            <a:endParaRPr lang="en-US" dirty="0"/>
           </a:p>
         </p:txBody>
       </p:sp>
@@ -12575,13 +12429,6 @@
   <p:clrMapOvr>
     <a:masterClrMapping/>
   </p:clrMapOvr>
-  <p:timing>
-    <p:tnLst>
-      <p:par>
-        <p:cTn xmlns:p14="http://schemas.microsoft.com/office/powerpoint/2010/main" id="1" dur="indefinite" restart="never" nodeType="tmRoot"/>
-      </p:par>
-    </p:tnLst>
-  </p:timing>
 </p:sld>
 </file>
 
@@ -12618,10 +12465,9 @@
           <a:lstStyle/>
           <a:p>
             <a:r>
-              <a:rPr lang="en-US" dirty="0" smtClean="0"/>
+              <a:rPr lang="en-US" dirty="0"/>
               <a:t>2. Bag of Words</a:t>
             </a:r>
-            <a:endParaRPr lang="en-US" dirty="0"/>
           </a:p>
         </p:txBody>
       </p:sp>
@@ -12646,7 +12492,7 @@
               <a:buNone/>
             </a:pPr>
             <a:r>
-              <a:rPr lang="en-US" dirty="0" smtClean="0"/>
+              <a:rPr lang="en-US" dirty="0"/>
               <a:t>Words in Corpus</a:t>
             </a:r>
           </a:p>
@@ -12655,7 +12501,7 @@
               <a:buNone/>
             </a:pPr>
             <a:r>
-              <a:rPr lang="en-US" dirty="0" smtClean="0"/>
+              <a:rPr lang="en-US" dirty="0"/>
               <a:t>[</a:t>
             </a:r>
           </a:p>
@@ -12664,7 +12510,7 @@
               <a:buNone/>
             </a:pPr>
             <a:r>
-              <a:rPr lang="en-US" dirty="0" smtClean="0"/>
+              <a:rPr lang="en-US" dirty="0"/>
               <a:t>    "Barbara",</a:t>
             </a:r>
           </a:p>
@@ -12673,7 +12519,7 @@
               <a:buNone/>
             </a:pPr>
             <a:r>
-              <a:rPr lang="en-US" dirty="0" smtClean="0"/>
+              <a:rPr lang="en-US" dirty="0"/>
               <a:t>    "is",</a:t>
             </a:r>
           </a:p>
@@ -12682,7 +12528,7 @@
               <a:buNone/>
             </a:pPr>
             <a:r>
-              <a:rPr lang="en-US" dirty="0" smtClean="0"/>
+              <a:rPr lang="en-US" dirty="0"/>
               <a:t>    "doing",</a:t>
             </a:r>
           </a:p>
@@ -12691,7 +12537,7 @@
               <a:buNone/>
             </a:pPr>
             <a:r>
-              <a:rPr lang="en-US" dirty="0" smtClean="0"/>
+              <a:rPr lang="en-US" dirty="0"/>
               <a:t>    "fine",</a:t>
             </a:r>
           </a:p>
@@ -12700,7 +12546,7 @@
               <a:buNone/>
             </a:pPr>
             <a:r>
-              <a:rPr lang="en-US" dirty="0" smtClean="0"/>
+              <a:rPr lang="en-US" dirty="0"/>
               <a:t>    "thank",</a:t>
             </a:r>
           </a:p>
@@ -12709,7 +12555,7 @@
               <a:buNone/>
             </a:pPr>
             <a:r>
-              <a:rPr lang="en-US" dirty="0" smtClean="0"/>
+              <a:rPr lang="en-US" dirty="0"/>
               <a:t>    "you",</a:t>
             </a:r>
           </a:p>
@@ -12718,7 +12564,7 @@
               <a:buNone/>
             </a:pPr>
             <a:r>
-              <a:rPr lang="en-US" dirty="0" smtClean="0"/>
+              <a:rPr lang="en-US" dirty="0"/>
               <a:t>    "Dave,</a:t>
             </a:r>
           </a:p>
@@ -12727,7 +12573,7 @@
               <a:buNone/>
             </a:pPr>
             <a:r>
-              <a:rPr lang="en-US" dirty="0" smtClean="0"/>
+              <a:rPr lang="en-US" dirty="0"/>
               <a:t>    "I",</a:t>
             </a:r>
           </a:p>
@@ -12736,7 +12582,7 @@
               <a:buNone/>
             </a:pPr>
             <a:r>
-              <a:rPr lang="en-US" dirty="0" smtClean="0"/>
+              <a:rPr lang="en-US" dirty="0"/>
               <a:t>    "am"</a:t>
             </a:r>
           </a:p>
@@ -12745,7 +12591,7 @@
               <a:buNone/>
             </a:pPr>
             <a:r>
-              <a:rPr lang="en-US" dirty="0" smtClean="0"/>
+              <a:rPr lang="en-US" dirty="0"/>
               <a:t>]</a:t>
             </a:r>
           </a:p>
@@ -12753,14 +12599,14 @@
             <a:pPr marL="0" indent="0">
               <a:buNone/>
             </a:pPr>
-            <a:endParaRPr lang="en-US" dirty="0" smtClean="0"/>
+            <a:endParaRPr lang="en-US" dirty="0"/>
           </a:p>
           <a:p>
             <a:pPr marL="0" indent="0">
               <a:buNone/>
             </a:pPr>
             <a:r>
-              <a:rPr lang="en-US" dirty="0" smtClean="0"/>
+              <a:rPr lang="en-US" dirty="0"/>
               <a:t>Counts for Sentences</a:t>
             </a:r>
           </a:p>
@@ -12769,7 +12615,7 @@
               <a:buNone/>
             </a:pPr>
             <a:r>
-              <a:rPr lang="en-US" dirty="0" smtClean="0"/>
+              <a:rPr lang="en-US" dirty="0"/>
               <a:t>A: [1, 1, 1, 1, 1, 1, 0, 0, 0]</a:t>
             </a:r>
           </a:p>
@@ -12778,10 +12624,9 @@
               <a:buNone/>
             </a:pPr>
             <a:r>
-              <a:rPr lang="en-US" dirty="0" smtClean="0"/>
+              <a:rPr lang="en-US" dirty="0"/>
               <a:t>B: [0, 0, 1, 1, 1, 1, 1, 1, 1]</a:t>
             </a:r>
-            <a:endParaRPr lang="en-US" dirty="0"/>
           </a:p>
         </p:txBody>
       </p:sp>
@@ -12808,25 +12653,25 @@
           <a:lstStyle/>
           <a:p>
             <a:r>
-              <a:rPr lang="en-US" sz="3600" dirty="0" smtClean="0"/>
+              <a:rPr lang="en-US" sz="3600" dirty="0"/>
               <a:t>Sentence A: </a:t>
             </a:r>
           </a:p>
           <a:p>
             <a:r>
-              <a:rPr lang="en-US" sz="3600" dirty="0" smtClean="0"/>
+              <a:rPr lang="en-US" sz="3600" dirty="0"/>
               <a:t>"Barbara is doing fine, thank you."</a:t>
             </a:r>
           </a:p>
           <a:p>
             <a:r>
-              <a:rPr lang="en-US" sz="3600" dirty="0" smtClean="0"/>
+              <a:rPr lang="en-US" sz="3600" dirty="0"/>
               <a:t>Sentence B: </a:t>
             </a:r>
           </a:p>
           <a:p>
             <a:r>
-              <a:rPr lang="en-US" sz="3600" dirty="0" smtClean="0"/>
+              <a:rPr lang="en-US" sz="3600" dirty="0"/>
               <a:t>"Thank you, Dave. I am doing fine.”</a:t>
             </a:r>
           </a:p>
@@ -12845,13 +12690,6 @@
   <p:clrMapOvr>
     <a:masterClrMapping/>
   </p:clrMapOvr>
-  <p:timing>
-    <p:tnLst>
-      <p:par>
-        <p:cTn xmlns:p14="http://schemas.microsoft.com/office/powerpoint/2010/main" id="1" dur="indefinite" restart="never" nodeType="tmRoot"/>
-      </p:par>
-    </p:tnLst>
-  </p:timing>
 </p:sld>
 </file>
 

--- a/site/wtr/Ways to Read a Text.pptx
+++ b/site/wtr/Ways to Read a Text.pptx
@@ -148,22 +148,6 @@
       </a:defRPr>
     </a:lvl9pPr>
   </p:defaultTextStyle>
-  <p:extLst>
-    <p:ext uri="{EFAFB233-063F-42B5-8137-9DF3F51BA10A}">
-      <p15:sldGuideLst xmlns:p15="http://schemas.microsoft.com/office/powerpoint/2012/main">
-        <p15:guide id="1" orient="horz" pos="2160">
-          <p15:clr>
-            <a:srgbClr val="A4A3A4"/>
-          </p15:clr>
-        </p15:guide>
-        <p15:guide id="2" pos="2880">
-          <p15:clr>
-            <a:srgbClr val="A4A3A4"/>
-          </p15:clr>
-        </p15:guide>
-      </p15:sldGuideLst>
-    </p:ext>
-  </p:extLst>
 </p:presentation>
 </file>
 
@@ -249,7 +233,7 @@
           <a:p>
             <a:fld id="{D35F8EC2-548C-D74C-9CA6-7F5E0D341CB3}" type="datetimeFigureOut">
               <a:rPr lang="en-US" smtClean="0"/>
-              <a:t>9/17/19</a:t>
+              <a:t>9/16/18</a:t>
             </a:fld>
             <a:endParaRPr lang="en-US"/>
           </a:p>
@@ -313,37 +297,38 @@
           <a:p>
             <a:pPr lvl="0"/>
             <a:r>
-              <a:rPr lang="en-US"/>
+              <a:rPr lang="en-US" smtClean="0"/>
               <a:t>Click to edit Master text styles</a:t>
             </a:r>
           </a:p>
           <a:p>
             <a:pPr lvl="1"/>
             <a:r>
-              <a:rPr lang="en-US"/>
+              <a:rPr lang="en-US" smtClean="0"/>
               <a:t>Second level</a:t>
             </a:r>
           </a:p>
           <a:p>
             <a:pPr lvl="2"/>
             <a:r>
-              <a:rPr lang="en-US"/>
+              <a:rPr lang="en-US" smtClean="0"/>
               <a:t>Third level</a:t>
             </a:r>
           </a:p>
           <a:p>
             <a:pPr lvl="3"/>
             <a:r>
-              <a:rPr lang="en-US"/>
+              <a:rPr lang="en-US" smtClean="0"/>
               <a:t>Fourth level</a:t>
             </a:r>
           </a:p>
           <a:p>
             <a:pPr lvl="4"/>
             <a:r>
-              <a:rPr lang="en-US"/>
+              <a:rPr lang="en-US" smtClean="0"/>
               <a:t>Fifth level</a:t>
             </a:r>
+            <a:endParaRPr lang="en-US"/>
           </a:p>
         </p:txBody>
       </p:sp>
@@ -561,30 +546,30 @@
           <a:lstStyle/>
           <a:p>
             <a:r>
-              <a:rPr lang="en-US" dirty="0"/>
+              <a:rPr lang="en-US" dirty="0" smtClean="0"/>
               <a:t>Start with a kind of reading that we do all the time</a:t>
             </a:r>
           </a:p>
           <a:p>
             <a:r>
-              <a:rPr lang="en-US" dirty="0"/>
+              <a:rPr lang="en-US" dirty="0" smtClean="0"/>
               <a:t>Tell</a:t>
             </a:r>
             <a:r>
-              <a:rPr lang="en-US" baseline="0" dirty="0"/>
+              <a:rPr lang="en-US" baseline="0" dirty="0" smtClean="0"/>
               <a:t> me some things about this note.</a:t>
             </a:r>
           </a:p>
           <a:p>
             <a:r>
-              <a:rPr lang="en-US" baseline="0" dirty="0"/>
+              <a:rPr lang="en-US" baseline="0" dirty="0" smtClean="0"/>
               <a:t>Is it a love note? A break up note? How do you know?</a:t>
             </a:r>
             <a:br>
-              <a:rPr lang="en-US" baseline="0" dirty="0"/>
+              <a:rPr lang="en-US" baseline="0" dirty="0" smtClean="0"/>
             </a:br>
             <a:r>
-              <a:rPr lang="en-US" baseline="0" dirty="0"/>
+              <a:rPr lang="en-US" baseline="0" dirty="0" smtClean="0"/>
               <a:t>Attention to details, attention to particulars.</a:t>
             </a:r>
             <a:endParaRPr lang="en-US" dirty="0"/>
@@ -672,9 +657,10 @@
           <a:lstStyle/>
           <a:p>
             <a:r>
-              <a:rPr lang="en-US" dirty="0"/>
+              <a:rPr lang="en-US" dirty="0" smtClean="0"/>
               <a:t>Is this what you got? Questions?</a:t>
             </a:r>
+            <a:endParaRPr lang="en-US" dirty="0"/>
           </a:p>
         </p:txBody>
       </p:sp>
@@ -759,11 +745,11 @@
           <a:lstStyle/>
           <a:p>
             <a:r>
-              <a:rPr lang="en-US" dirty="0"/>
+              <a:rPr lang="en-US" dirty="0" smtClean="0"/>
               <a:t>Now a more extensive version of the same exercise.</a:t>
             </a:r>
             <a:r>
-              <a:rPr lang="en-US" baseline="0" dirty="0"/>
+              <a:rPr lang="en-US" baseline="0" dirty="0" smtClean="0"/>
               <a:t> Might work well to divide up the tasks.</a:t>
             </a:r>
             <a:endParaRPr lang="en-US" dirty="0"/>
@@ -851,94 +837,99 @@
           <a:lstStyle/>
           <a:p>
             <a:r>
-              <a:rPr lang="en-US" dirty="0"/>
+              <a:rPr lang="en-US" dirty="0" smtClean="0"/>
               <a:t>Any differences?</a:t>
             </a:r>
           </a:p>
           <a:p>
             <a:r>
-              <a:rPr lang="en-US" dirty="0"/>
+              <a:rPr lang="en-US" dirty="0" smtClean="0"/>
               <a:t>Other questions?</a:t>
             </a:r>
             <a:br>
-              <a:rPr lang="en-US" dirty="0"/>
+              <a:rPr lang="en-US" dirty="0" smtClean="0"/>
             </a:br>
             <a:r>
-              <a:rPr lang="en-US" dirty="0"/>
+              <a:rPr lang="en-US" dirty="0" smtClean="0"/>
               <a:t>Did you do punctuation?</a:t>
             </a:r>
             <a:br>
-              <a:rPr lang="en-US" dirty="0"/>
+              <a:rPr lang="en-US" dirty="0" smtClean="0"/>
             </a:br>
             <a:r>
-              <a:rPr lang="en-US" dirty="0"/>
+              <a:rPr lang="en-US" dirty="0" smtClean="0"/>
               <a:t>Did</a:t>
             </a:r>
             <a:r>
-              <a:rPr lang="en-US" baseline="0" dirty="0"/>
+              <a:rPr lang="en-US" baseline="0" dirty="0" smtClean="0"/>
               <a:t> you collapse capitalized words and </a:t>
             </a:r>
             <a:r>
-              <a:rPr lang="en-US" baseline="0" dirty="0" err="1"/>
+              <a:rPr lang="en-US" baseline="0" dirty="0" err="1" smtClean="0"/>
               <a:t>uncapitalized</a:t>
             </a:r>
             <a:r>
-              <a:rPr lang="en-US" baseline="0" dirty="0"/>
+              <a:rPr lang="en-US" baseline="0" dirty="0" smtClean="0"/>
               <a:t>?</a:t>
             </a:r>
             <a:br>
-              <a:rPr lang="en-US" baseline="0" dirty="0"/>
+              <a:rPr lang="en-US" baseline="0" dirty="0" smtClean="0"/>
             </a:br>
             <a:r>
-              <a:rPr lang="en-US" baseline="0" dirty="0"/>
+              <a:rPr lang="en-US" baseline="0" dirty="0" smtClean="0"/>
               <a:t>Singular </a:t>
             </a:r>
             <a:r>
-              <a:rPr lang="en-US" baseline="0" dirty="0" err="1"/>
+              <a:rPr lang="en-US" baseline="0" dirty="0" err="1" smtClean="0"/>
               <a:t>vs</a:t>
             </a:r>
             <a:r>
-              <a:rPr lang="en-US" baseline="0" dirty="0"/>
+              <a:rPr lang="en-US" baseline="0" dirty="0" smtClean="0"/>
               <a:t> plural.</a:t>
             </a:r>
           </a:p>
           <a:p>
-            <a:endParaRPr lang="en-US" baseline="0" dirty="0"/>
-          </a:p>
-          <a:p>
-            <a:r>
-              <a:rPr lang="en-US" baseline="0" dirty="0"/>
+            <a:endParaRPr lang="en-US" baseline="0" dirty="0" smtClean="0"/>
+          </a:p>
+          <a:p>
+            <a:r>
+              <a:rPr lang="en-US" baseline="0" dirty="0" smtClean="0"/>
               <a:t>What do you notice about this list? Anything interesting? </a:t>
             </a:r>
             <a:br>
-              <a:rPr lang="en-US" baseline="0" dirty="0"/>
+              <a:rPr lang="en-US" baseline="0" dirty="0" smtClean="0"/>
             </a:br>
             <a:r>
-              <a:rPr lang="en-US" baseline="0" dirty="0"/>
+              <a:rPr lang="en-US" baseline="0" dirty="0" smtClean="0"/>
               <a:t>What does this list suggest that the text is about?</a:t>
             </a:r>
           </a:p>
           <a:p>
             <a:r>
-              <a:rPr lang="en-US" baseline="0" dirty="0" err="1"/>
+              <a:rPr lang="en-US" baseline="0" dirty="0" err="1" smtClean="0"/>
               <a:t>Stopwords</a:t>
             </a:r>
             <a:r>
-              <a:rPr lang="en-US" baseline="0" dirty="0"/>
-              <a:t> vs. hapax </a:t>
-            </a:r>
-            <a:r>
-              <a:rPr lang="en-US" baseline="0" dirty="0" err="1"/>
+              <a:rPr lang="en-US" baseline="0" dirty="0" smtClean="0"/>
+              <a:t> vs. </a:t>
+            </a:r>
+            <a:r>
+              <a:rPr lang="en-US" baseline="0" dirty="0" err="1" smtClean="0"/>
+              <a:t>hapax</a:t>
+            </a:r>
+            <a:r>
+              <a:rPr lang="en-US" baseline="0" dirty="0" smtClean="0"/>
+              <a:t> </a:t>
+            </a:r>
+            <a:r>
+              <a:rPr lang="en-US" baseline="0" dirty="0" err="1" smtClean="0"/>
               <a:t>legemenon</a:t>
             </a:r>
-            <a:r>
-              <a:rPr lang="en-US" baseline="0" dirty="0"/>
-              <a:t> (only used once)</a:t>
-            </a:r>
-          </a:p>
-          <a:p>
-            <a:r>
-              <a:rPr lang="en-US" baseline="0" dirty="0"/>
+            <a:endParaRPr lang="en-US" baseline="0" dirty="0" smtClean="0"/>
+          </a:p>
+          <a:p>
+            <a:r>
+              <a:rPr lang="en-US" baseline="0" dirty="0" smtClean="0"/>
               <a:t>What is gained and lost here?</a:t>
             </a:r>
             <a:endParaRPr lang="en-US" dirty="0"/>
@@ -1026,9 +1017,10 @@
           <a:lstStyle/>
           <a:p>
             <a:r>
-              <a:rPr lang="en-US" dirty="0"/>
+              <a:rPr lang="en-US" dirty="0" smtClean="0"/>
               <a:t>Review</a:t>
             </a:r>
+            <a:endParaRPr lang="en-US" dirty="0"/>
           </a:p>
         </p:txBody>
       </p:sp>
@@ -1113,11 +1105,11 @@
           <a:lstStyle/>
           <a:p>
             <a:r>
-              <a:rPr lang="en-US" dirty="0"/>
+              <a:rPr lang="en-US" dirty="0" smtClean="0"/>
               <a:t>Let’s take a closer look at the sentences</a:t>
             </a:r>
             <a:r>
-              <a:rPr lang="en-US" baseline="0" dirty="0"/>
+              <a:rPr lang="en-US" baseline="0" dirty="0" smtClean="0"/>
               <a:t> here.</a:t>
             </a:r>
             <a:endParaRPr lang="en-US" dirty="0"/>
@@ -1205,11 +1197,11 @@
           <a:lstStyle/>
           <a:p>
             <a:r>
-              <a:rPr lang="en-US" dirty="0"/>
+              <a:rPr lang="en-US" dirty="0" smtClean="0"/>
               <a:t>Which sentences are more</a:t>
             </a:r>
             <a:r>
-              <a:rPr lang="en-US" baseline="0" dirty="0"/>
+              <a:rPr lang="en-US" baseline="0" dirty="0" smtClean="0"/>
               <a:t> similar to the others? How might you tell?</a:t>
             </a:r>
             <a:endParaRPr lang="en-US" dirty="0"/>
@@ -1297,32 +1289,40 @@
           <a:lstStyle/>
           <a:p>
             <a:r>
-              <a:rPr lang="en-US" dirty="0"/>
+              <a:rPr lang="en-US" dirty="0" smtClean="0"/>
               <a:t>A and C are mirror images of each other – they don’t share anything.</a:t>
             </a:r>
           </a:p>
           <a:p>
-            <a:endParaRPr lang="en-US" dirty="0"/>
-          </a:p>
-          <a:p>
-            <a:r>
-              <a:rPr lang="en-US" dirty="0"/>
+            <a:endParaRPr lang="en-US" dirty="0" smtClean="0"/>
+          </a:p>
+          <a:p>
+            <a:r>
+              <a:rPr lang="en-US" dirty="0" smtClean="0"/>
               <a:t>B’s relationship to</a:t>
             </a:r>
             <a:r>
-              <a:rPr lang="en-US" baseline="0" dirty="0"/>
+              <a:rPr lang="en-US" baseline="0" dirty="0" smtClean="0"/>
               <a:t> A: shares 4 terms</a:t>
             </a:r>
           </a:p>
           <a:p>
             <a:r>
-              <a:rPr lang="en-US" baseline="0" dirty="0"/>
-              <a:t>B’s relationship to C: shares 3 terms (counting 0’s)</a:t>
-            </a:r>
-          </a:p>
-          <a:p>
-            <a:r>
-              <a:rPr lang="en-US" baseline="0" dirty="0"/>
+              <a:rPr lang="en-US" baseline="0" dirty="0" smtClean="0"/>
+              <a:t>B’s relationship to C: shares </a:t>
+            </a:r>
+            <a:r>
+              <a:rPr lang="en-US" baseline="0" dirty="0" smtClean="0"/>
+              <a:t>3 </a:t>
+            </a:r>
+            <a:r>
+              <a:rPr lang="en-US" baseline="0" dirty="0" smtClean="0"/>
+              <a:t>terms (counting 0’s)</a:t>
+            </a:r>
+          </a:p>
+          <a:p>
+            <a:r>
+              <a:rPr lang="en-US" baseline="0" dirty="0" smtClean="0"/>
               <a:t>Just a way of showing you the kinds of things you can do when you convert things to numbers.</a:t>
             </a:r>
             <a:endParaRPr lang="en-US" dirty="0"/>
@@ -1410,31 +1410,31 @@
           <a:lstStyle/>
           <a:p>
             <a:r>
-              <a:rPr lang="en-US" dirty="0"/>
+              <a:rPr lang="en-US" dirty="0" smtClean="0"/>
               <a:t>You</a:t>
             </a:r>
             <a:r>
-              <a:rPr lang="en-US" baseline="0" dirty="0"/>
+              <a:rPr lang="en-US" baseline="0" dirty="0" smtClean="0"/>
               <a:t> can really do quite a lot just from counting words. Word cloud.</a:t>
             </a:r>
           </a:p>
           <a:p>
             <a:r>
-              <a:rPr lang="en-US" baseline="0" dirty="0"/>
+              <a:rPr lang="en-US" baseline="0" dirty="0" smtClean="0"/>
               <a:t>What is the text about (beyond Holmes)?</a:t>
             </a:r>
             <a:br>
-              <a:rPr lang="en-US" baseline="0" dirty="0"/>
+              <a:rPr lang="en-US" baseline="0" dirty="0" smtClean="0"/>
             </a:br>
             <a:r>
-              <a:rPr lang="en-US" baseline="0" dirty="0"/>
+              <a:rPr lang="en-US" baseline="0" dirty="0" smtClean="0"/>
               <a:t>How do you know?</a:t>
             </a:r>
-            <a:endParaRPr lang="en-US" dirty="0"/>
-          </a:p>
-          <a:p>
-            <a:r>
-              <a:rPr lang="en-US" dirty="0" err="1"/>
+            <a:endParaRPr lang="en-US" dirty="0" smtClean="0"/>
+          </a:p>
+          <a:p>
+            <a:r>
+              <a:rPr lang="en-US" dirty="0" err="1" smtClean="0"/>
               <a:t>voyant-tools.org</a:t>
             </a:r>
             <a:endParaRPr lang="en-US" dirty="0"/>
@@ -1522,41 +1522,41 @@
           <a:lstStyle/>
           <a:p>
             <a:r>
-              <a:rPr lang="en-US" dirty="0"/>
+              <a:rPr lang="en-US" dirty="0" smtClean="0"/>
               <a:t>Another thing. You</a:t>
             </a:r>
             <a:r>
-              <a:rPr lang="en-US" baseline="0" dirty="0"/>
+              <a:rPr lang="en-US" baseline="0" dirty="0" smtClean="0"/>
               <a:t> can divide up a whole text into pieces and count words for particular sections. Gives you a sense of rise and fall of text counts over time.</a:t>
             </a:r>
-            <a:endParaRPr lang="en-US" dirty="0"/>
-          </a:p>
-          <a:p>
-            <a:endParaRPr lang="en-US" dirty="0"/>
-          </a:p>
-          <a:p>
-            <a:r>
-              <a:rPr lang="en-US" dirty="0"/>
+            <a:endParaRPr lang="en-US" dirty="0" smtClean="0"/>
+          </a:p>
+          <a:p>
+            <a:endParaRPr lang="en-US" dirty="0" smtClean="0"/>
+          </a:p>
+          <a:p>
+            <a:r>
+              <a:rPr lang="en-US" dirty="0" smtClean="0"/>
               <a:t>String</a:t>
             </a:r>
             <a:r>
-              <a:rPr lang="en-US" baseline="0" dirty="0"/>
+              <a:rPr lang="en-US" baseline="0" dirty="0" smtClean="0"/>
               <a:t> of Pearls here – the story </a:t>
             </a:r>
             <a:r>
-              <a:rPr lang="en-US" baseline="0" dirty="0" err="1"/>
+              <a:rPr lang="en-US" baseline="0" dirty="0" err="1" smtClean="0"/>
               <a:t>sweeney</a:t>
             </a:r>
             <a:r>
-              <a:rPr lang="en-US" baseline="0" dirty="0"/>
+              <a:rPr lang="en-US" baseline="0" dirty="0" smtClean="0"/>
               <a:t> </a:t>
             </a:r>
             <a:r>
-              <a:rPr lang="en-US" baseline="0" dirty="0" err="1"/>
+              <a:rPr lang="en-US" baseline="0" dirty="0" err="1" smtClean="0"/>
               <a:t>todd</a:t>
             </a:r>
             <a:r>
-              <a:rPr lang="en-US" baseline="0" dirty="0"/>
+              <a:rPr lang="en-US" baseline="0" dirty="0" smtClean="0"/>
               <a:t> is based on. What is this showing?</a:t>
             </a:r>
             <a:endParaRPr lang="en-US" dirty="0"/>
@@ -1644,52 +1644,52 @@
           <a:lstStyle/>
           <a:p>
             <a:r>
-              <a:rPr lang="en-US" dirty="0"/>
+              <a:rPr lang="en-US" dirty="0" smtClean="0"/>
               <a:t>Using the same principle, if you have more than one</a:t>
             </a:r>
             <a:r>
-              <a:rPr lang="en-US" baseline="0" dirty="0"/>
+              <a:rPr lang="en-US" baseline="0" dirty="0" smtClean="0"/>
               <a:t> book, you track word usage over time. What does this graph seem to be telling you?</a:t>
             </a:r>
-            <a:endParaRPr lang="en-US" dirty="0"/>
-          </a:p>
-          <a:p>
-            <a:r>
-              <a:rPr lang="en-US" dirty="0"/>
+            <a:endParaRPr lang="en-US" dirty="0" smtClean="0"/>
+          </a:p>
+          <a:p>
+            <a:r>
+              <a:rPr lang="en-US" dirty="0" smtClean="0"/>
               <a:t>Explain what </a:t>
             </a:r>
             <a:r>
-              <a:rPr lang="en-US" dirty="0" err="1"/>
+              <a:rPr lang="en-US" dirty="0" err="1" smtClean="0"/>
               <a:t>google</a:t>
             </a:r>
             <a:r>
-              <a:rPr lang="en-US" dirty="0"/>
+              <a:rPr lang="en-US" dirty="0" smtClean="0"/>
               <a:t> </a:t>
             </a:r>
             <a:r>
-              <a:rPr lang="en-US" dirty="0" err="1"/>
+              <a:rPr lang="en-US" dirty="0" err="1" smtClean="0"/>
               <a:t>ngrams</a:t>
             </a:r>
             <a:r>
-              <a:rPr lang="en-US" baseline="0" dirty="0"/>
+              <a:rPr lang="en-US" baseline="0" dirty="0" smtClean="0"/>
               <a:t> is</a:t>
             </a:r>
           </a:p>
           <a:p>
             <a:r>
-              <a:rPr lang="en-US" dirty="0"/>
+              <a:rPr lang="en-US" dirty="0" smtClean="0"/>
               <a:t>https://</a:t>
             </a:r>
             <a:r>
-              <a:rPr lang="en-US" dirty="0" err="1"/>
+              <a:rPr lang="en-US" dirty="0" err="1" smtClean="0"/>
               <a:t>books.google.com</a:t>
             </a:r>
             <a:r>
-              <a:rPr lang="en-US" dirty="0"/>
+              <a:rPr lang="en-US" dirty="0" smtClean="0"/>
               <a:t>/</a:t>
             </a:r>
             <a:r>
-              <a:rPr lang="en-US" dirty="0" err="1"/>
+              <a:rPr lang="en-US" dirty="0" err="1" smtClean="0"/>
               <a:t>ngrams</a:t>
             </a:r>
             <a:endParaRPr lang="en-US" dirty="0"/>
@@ -1861,26 +1861,26 @@
           <a:lstStyle/>
           <a:p>
             <a:r>
-              <a:rPr lang="en-US" dirty="0"/>
+              <a:rPr lang="en-US" dirty="0" smtClean="0"/>
               <a:t>Remember </a:t>
             </a:r>
             <a:r>
-              <a:rPr lang="en-US" dirty="0" err="1"/>
+              <a:rPr lang="en-US" dirty="0" err="1" smtClean="0"/>
               <a:t>stopwords</a:t>
             </a:r>
             <a:r>
-              <a:rPr lang="en-US" dirty="0"/>
+              <a:rPr lang="en-US" dirty="0" smtClean="0"/>
               <a:t>?</a:t>
             </a:r>
             <a:br>
-              <a:rPr lang="en-US" dirty="0"/>
+              <a:rPr lang="en-US" dirty="0" smtClean="0"/>
             </a:br>
             <a:r>
-              <a:rPr lang="en-US" dirty="0"/>
+              <a:rPr lang="en-US" dirty="0" smtClean="0"/>
               <a:t>What</a:t>
             </a:r>
             <a:r>
-              <a:rPr lang="en-US" baseline="0" dirty="0"/>
+              <a:rPr lang="en-US" baseline="0" dirty="0" smtClean="0"/>
               <a:t> is this?</a:t>
             </a:r>
             <a:endParaRPr lang="en-US" dirty="0"/>
@@ -1968,27 +1968,27 @@
           <a:lstStyle/>
           <a:p>
             <a:r>
-              <a:rPr lang="en-US" dirty="0"/>
+              <a:rPr lang="en-US" dirty="0" smtClean="0"/>
               <a:t>Gives you the </a:t>
             </a:r>
             <a:r>
-              <a:rPr lang="en-US" dirty="0" err="1"/>
+              <a:rPr lang="en-US" dirty="0" err="1" smtClean="0"/>
               <a:t>stopword</a:t>
             </a:r>
             <a:r>
-              <a:rPr lang="en-US" baseline="0" dirty="0"/>
+              <a:rPr lang="en-US" baseline="0" dirty="0" smtClean="0"/>
               <a:t> list basically.</a:t>
             </a:r>
           </a:p>
           <a:p>
             <a:r>
-              <a:rPr lang="en-US" baseline="0" dirty="0"/>
+              <a:rPr lang="en-US" baseline="0" dirty="0" smtClean="0"/>
               <a:t>It gives you a list of those words that you often don’t care about. Normally you ignore them.</a:t>
             </a:r>
           </a:p>
           <a:p>
             <a:r>
-              <a:rPr lang="en-US" baseline="0" dirty="0"/>
+              <a:rPr lang="en-US" baseline="0" dirty="0" smtClean="0"/>
               <a:t>But they CAN be good for telling you how someone is talking about something if not what they’re talking about.</a:t>
             </a:r>
             <a:endParaRPr lang="en-US" dirty="0"/>
@@ -2076,44 +2076,44 @@
           <a:lstStyle/>
           <a:p>
             <a:r>
-              <a:rPr lang="en-US" dirty="0"/>
+              <a:rPr lang="en-US" dirty="0" smtClean="0"/>
               <a:t>Next activity</a:t>
             </a:r>
             <a:r>
-              <a:rPr lang="en-US" baseline="0" dirty="0"/>
+              <a:rPr lang="en-US" baseline="0" dirty="0" smtClean="0"/>
               <a:t> – a more advanced form of counting words. Not just about counting individual words. It’s about telling what </a:t>
             </a:r>
-            <a:endParaRPr lang="en-US" dirty="0"/>
-          </a:p>
-          <a:p>
-            <a:r>
-              <a:rPr lang="en-US" baseline="0" dirty="0"/>
+            <a:endParaRPr lang="en-US" dirty="0" smtClean="0"/>
+          </a:p>
+          <a:p>
+            <a:r>
+              <a:rPr lang="en-US" baseline="0" dirty="0" smtClean="0"/>
               <a:t>Text 1 – Jack the Ripper, newspaper article</a:t>
             </a:r>
           </a:p>
           <a:p>
             <a:r>
-              <a:rPr lang="en-US" baseline="0" dirty="0"/>
+              <a:rPr lang="en-US" baseline="0" dirty="0" smtClean="0"/>
               <a:t>Text 2 – Sherlock Holmes, Scandal in Bohemia</a:t>
             </a:r>
           </a:p>
           <a:p>
             <a:r>
-              <a:rPr lang="en-US" baseline="0" dirty="0"/>
+              <a:rPr lang="en-US" baseline="0" dirty="0" smtClean="0"/>
               <a:t>Text 3 – http://</a:t>
             </a:r>
             <a:r>
-              <a:rPr lang="en-US" baseline="0" dirty="0" err="1"/>
+              <a:rPr lang="en-US" baseline="0" dirty="0" err="1" smtClean="0"/>
               <a:t>www.npr.org</a:t>
             </a:r>
             <a:r>
-              <a:rPr lang="en-US" baseline="0" dirty="0"/>
+              <a:rPr lang="en-US" baseline="0" dirty="0" smtClean="0"/>
               <a:t>/sections/health-shots/2016/09/13/493289511/doctors-test-drones-to-speed-up-delivery-of-lab-tests</a:t>
             </a:r>
           </a:p>
           <a:p>
             <a:r>
-              <a:rPr lang="en-US" baseline="0" dirty="0"/>
+              <a:rPr lang="en-US" baseline="0" dirty="0" smtClean="0"/>
               <a:t>What did you find?</a:t>
             </a:r>
           </a:p>
@@ -2217,14 +2217,14 @@
               <a:defRPr/>
             </a:pPr>
             <a:r>
-              <a:rPr lang="en-US" dirty="0"/>
+              <a:rPr lang="en-US" dirty="0" smtClean="0"/>
               <a:t>You get anything else? How did you know what</a:t>
             </a:r>
             <a:r>
-              <a:rPr lang="en-US" baseline="0" dirty="0"/>
+              <a:rPr lang="en-US" baseline="0" dirty="0" smtClean="0"/>
               <a:t> topics the texts had if you didn’t have the order of the words?</a:t>
             </a:r>
-            <a:endParaRPr lang="en-US" dirty="0"/>
+            <a:endParaRPr lang="en-US" dirty="0" smtClean="0"/>
           </a:p>
           <a:p>
             <a:pPr marL="0" marR="0" indent="0" algn="l" defTabSz="457200" rtl="0" eaLnBrk="1" fontAlgn="auto" latinLnBrk="0" hangingPunct="1">
@@ -2244,7 +2244,7 @@
               <a:tabLst/>
               <a:defRPr/>
             </a:pPr>
-            <a:endParaRPr lang="en-US" dirty="0"/>
+            <a:endParaRPr lang="en-US" dirty="0" smtClean="0"/>
           </a:p>
           <a:p>
             <a:pPr marL="0" marR="0" indent="0" algn="l" defTabSz="457200" rtl="0" eaLnBrk="1" fontAlgn="auto" latinLnBrk="0" hangingPunct="1">
@@ -2265,11 +2265,11 @@
               <a:defRPr/>
             </a:pPr>
             <a:r>
-              <a:rPr lang="en-US" dirty="0"/>
+              <a:rPr lang="en-US" dirty="0" smtClean="0"/>
               <a:t>Not just about word count – it’s also about collocating</a:t>
             </a:r>
             <a:r>
-              <a:rPr lang="en-US" baseline="0" dirty="0"/>
+              <a:rPr lang="en-US" baseline="0" dirty="0" smtClean="0"/>
               <a:t> words. Counting with an eye towards what words occur next to each other.</a:t>
             </a:r>
           </a:p>
@@ -2359,11 +2359,11 @@
           <a:lstStyle/>
           <a:p>
             <a:r>
-              <a:rPr lang="en-US" dirty="0"/>
+              <a:rPr lang="en-US" dirty="0" smtClean="0"/>
               <a:t>The</a:t>
             </a:r>
             <a:r>
-              <a:rPr lang="en-US" baseline="0" dirty="0"/>
+              <a:rPr lang="en-US" baseline="0" dirty="0" smtClean="0"/>
               <a:t> computer can do this for us!</a:t>
             </a:r>
             <a:endParaRPr lang="en-US" dirty="0"/>
@@ -2451,76 +2451,80 @@
           <a:lstStyle/>
           <a:p>
             <a:r>
-              <a:rPr lang="en-US" dirty="0"/>
+              <a:rPr lang="en-US" dirty="0" smtClean="0"/>
               <a:t>This</a:t>
             </a:r>
             <a:r>
+              <a:rPr lang="en-US" baseline="0" dirty="0" smtClean="0"/>
+              <a:t> is text 1 in order. I ran it through a program – </a:t>
+            </a:r>
+            <a:r>
+              <a:rPr lang="en-US" baseline="0" dirty="0" err="1" smtClean="0"/>
+              <a:t>prism.scholarslab.org</a:t>
+            </a:r>
+            <a:r>
               <a:rPr lang="en-US" baseline="0" dirty="0"/>
-              <a:t> is text 1 in order. I ran it through a program – </a:t>
-            </a:r>
-            <a:r>
-              <a:rPr lang="en-US" baseline="0" dirty="0" err="1"/>
-              <a:t>prism.scholarslab.org</a:t>
-            </a:r>
-            <a:r>
-              <a:rPr lang="en-US" baseline="0" dirty="0"/>
-              <a:t> – to show the different themes. You might do it differently.</a:t>
-            </a:r>
-          </a:p>
-          <a:p>
-            <a:r>
-              <a:rPr lang="en-US" baseline="0" dirty="0"/>
+              <a:t> </a:t>
+            </a:r>
+            <a:r>
+              <a:rPr lang="en-US" baseline="0" dirty="0" smtClean="0"/>
+              <a:t>– to show the different themes. You might do it differently.</a:t>
+            </a:r>
+          </a:p>
+          <a:p>
+            <a:r>
+              <a:rPr lang="en-US" baseline="0" dirty="0" smtClean="0"/>
               <a:t>But when you’re reading, you probably do something similar.</a:t>
             </a:r>
           </a:p>
           <a:p>
             <a:r>
-              <a:rPr lang="en-US" baseline="0" dirty="0"/>
+              <a:rPr lang="en-US" baseline="0" dirty="0" smtClean="0"/>
               <a:t>Individual words suggest certain themes to you. And you internalize these when you read. </a:t>
             </a:r>
           </a:p>
           <a:p>
             <a:r>
-              <a:rPr lang="en-US" baseline="0" dirty="0"/>
+              <a:rPr lang="en-US" baseline="0" dirty="0" smtClean="0"/>
               <a:t>It’s also about clusters of these theme/topic rich words together.</a:t>
             </a:r>
           </a:p>
           <a:p>
             <a:r>
-              <a:rPr lang="en-US" baseline="0" dirty="0"/>
+              <a:rPr lang="en-US" baseline="0" dirty="0" smtClean="0"/>
               <a:t>We could go a step further and say that any text is made up a number of these themes, each of which is comprised of a series of words. When we read, we sift through the text and discern the themes at work. </a:t>
             </a:r>
             <a:br>
-              <a:rPr lang="en-US" baseline="0" dirty="0"/>
+              <a:rPr lang="en-US" baseline="0" dirty="0" smtClean="0"/>
             </a:br>
             <a:r>
-              <a:rPr lang="en-US" baseline="0" dirty="0"/>
+              <a:rPr lang="en-US" baseline="0" dirty="0" smtClean="0"/>
               <a:t>A flipped version would say that authors actually compose in the same way – they have buckets full of words that correspond to each theme. When composing this text, the author might have said something like:</a:t>
             </a:r>
           </a:p>
           <a:p>
-            <a:endParaRPr lang="en-US" baseline="0" dirty="0"/>
-          </a:p>
-          <a:p>
-            <a:r>
-              <a:rPr lang="en-US" baseline="0" dirty="0"/>
+            <a:endParaRPr lang="en-US" baseline="0" dirty="0" smtClean="0"/>
+          </a:p>
+          <a:p>
+            <a:r>
+              <a:rPr lang="en-US" baseline="0" dirty="0" smtClean="0"/>
               <a:t>I have some words related to evidence, some for medicine, and some for murder. I’m going to select some from each and arrange this text. But </a:t>
             </a:r>
             <a:r>
-              <a:rPr lang="en-US" baseline="0" dirty="0" err="1"/>
+              <a:rPr lang="en-US" baseline="0" dirty="0" err="1" smtClean="0"/>
               <a:t>i’ll</a:t>
             </a:r>
             <a:r>
-              <a:rPr lang="en-US" baseline="0" dirty="0"/>
+              <a:rPr lang="en-US" baseline="0" dirty="0" smtClean="0"/>
               <a:t> leave that bucket of words related to basketball alone.</a:t>
             </a:r>
           </a:p>
           <a:p>
-            <a:endParaRPr lang="en-US" baseline="0" dirty="0"/>
-          </a:p>
-          <a:p>
-            <a:r>
-              <a:rPr lang="en-US" baseline="0" dirty="0"/>
+            <a:endParaRPr lang="en-US" baseline="0" dirty="0" smtClean="0"/>
+          </a:p>
+          <a:p>
+            <a:r>
+              <a:rPr lang="en-US" baseline="0" dirty="0" smtClean="0"/>
               <a:t>A weird way to think about reading and writing / and it’s partially metaphor. But you can actually use a computer to work through metaphors like this for you.</a:t>
             </a:r>
           </a:p>
@@ -2607,23 +2611,23 @@
           <a:lstStyle/>
           <a:p>
             <a:r>
-              <a:rPr lang="en-US" dirty="0"/>
+              <a:rPr lang="en-US" dirty="0" smtClean="0"/>
               <a:t>So when</a:t>
             </a:r>
             <a:r>
-              <a:rPr lang="en-US" baseline="0" dirty="0"/>
+              <a:rPr lang="en-US" baseline="0" dirty="0" smtClean="0"/>
               <a:t> you do topic modeling.</a:t>
             </a:r>
           </a:p>
           <a:p>
             <a:r>
-              <a:rPr lang="en-US" baseline="0" dirty="0"/>
+              <a:rPr lang="en-US" baseline="0" dirty="0" smtClean="0"/>
               <a:t>Assumes that there are significant topics or discourses at work in a text.</a:t>
             </a:r>
           </a:p>
           <a:p>
             <a:r>
-              <a:rPr lang="en-US" baseline="0" dirty="0"/>
+              <a:rPr lang="en-US" baseline="0" dirty="0" smtClean="0"/>
               <a:t>Tries to get at them by finding which words occur frequently together over time. At the end of the day, that results in a sense of the topic distribution.</a:t>
             </a:r>
             <a:endParaRPr lang="en-US" dirty="0"/>
@@ -2711,61 +2715,62 @@
           <a:lstStyle/>
           <a:p>
             <a:r>
-              <a:rPr lang="en-US" dirty="0"/>
+              <a:rPr lang="en-US" dirty="0" smtClean="0"/>
               <a:t>Here is an example of TM. If we have</a:t>
             </a:r>
             <a:r>
-              <a:rPr lang="en-US" baseline="0" dirty="0"/>
+              <a:rPr lang="en-US" baseline="0" dirty="0" smtClean="0"/>
               <a:t> a whole lot of texts and we look at the topics over time, we can get a sense of how they change over time!</a:t>
             </a:r>
           </a:p>
           <a:p>
             <a:r>
-              <a:rPr lang="en-US" dirty="0"/>
+              <a:rPr lang="en-US" dirty="0" smtClean="0"/>
               <a:t>TM run over the Richmond Daily Dispatch during the civil</a:t>
             </a:r>
             <a:r>
-              <a:rPr lang="en-US" baseline="0" dirty="0"/>
+              <a:rPr lang="en-US" baseline="0" dirty="0" smtClean="0"/>
               <a:t> war. This topic came to the surface. Knowing their corpus, they </a:t>
             </a:r>
             <a:r>
-              <a:rPr lang="en-US" baseline="0" dirty="0" err="1"/>
+              <a:rPr lang="en-US" baseline="0" dirty="0" err="1" smtClean="0"/>
               <a:t>ID’d</a:t>
             </a:r>
             <a:r>
-              <a:rPr lang="en-US" baseline="0" dirty="0"/>
+              <a:rPr lang="en-US" baseline="0" dirty="0" smtClean="0"/>
               <a:t> it as a fugitive slave topic. Charted over time, they can see that the number of fugitive slave ads spiked at particular times of union occupations – summer of 1862 and summer of 1864. “relative proximity of the union to enslaved people gave them a chance to escape or attempt to escape to freedom.</a:t>
             </a:r>
+            <a:endParaRPr lang="en-US" dirty="0" smtClean="0"/>
+          </a:p>
+          <a:p>
+            <a:endParaRPr lang="en-US" dirty="0" smtClean="0"/>
+          </a:p>
+          <a:p>
+            <a:r>
+              <a:rPr lang="en-US" smtClean="0"/>
+              <a:t>Their</a:t>
+            </a:r>
+            <a:r>
+              <a:rPr lang="en-US" baseline="0" smtClean="0"/>
+              <a:t> words - </a:t>
+            </a:r>
+            <a:r>
+              <a:rPr lang="en-US" smtClean="0"/>
+              <a:t>“</a:t>
+            </a:r>
+            <a:r>
+              <a:rPr lang="en-US" dirty="0" smtClean="0"/>
+              <a:t>What conclusions can we make from this kind of distant reading and draw from this graph specifically? For one, I think, this graph underscores the role of the Union army in presenting enslaved African Americans with opportunities—risky opportunities—to seize their freedom by running to the Yankee lines. There are two sustained spikes in the number of fugitive slave ads, the first in the summer of 1862 and the second in the summer of 1864. At both of those moments the Union army approached Richmond. In 1862 the Union army under </a:t>
+            </a:r>
+            <a:r>
+              <a:rPr lang="en-US" dirty="0" err="1" smtClean="0"/>
+              <a:t>McClennan</a:t>
+            </a:r>
+            <a:r>
+              <a:rPr lang="en-US" dirty="0" smtClean="0"/>
+              <a:t> approached within seven miles of Richmond during the Peninsula Campaign. (Jefferson Davis's coachman, William A. Jackson, was one of the slaves who ran to the Union army that spring.) Two summers later Grant's Overland Campaign brought Union armies near Richmond. The graph registers how during each of those summers enslaved men and women used to opportunity offered by relative proximity of the Union armies—which we might think of as a mobile North, bringing the free states closer to men and women enslaved in the South—to attempt to escape from bondage. A third spike at the end of 1861 is less explicable, and we'll return to it in a moment.”</a:t>
+            </a:r>
             <a:endParaRPr lang="en-US" dirty="0"/>
-          </a:p>
-          <a:p>
-            <a:endParaRPr lang="en-US" dirty="0"/>
-          </a:p>
-          <a:p>
-            <a:r>
-              <a:rPr lang="en-US"/>
-              <a:t>Their</a:t>
-            </a:r>
-            <a:r>
-              <a:rPr lang="en-US" baseline="0"/>
-              <a:t> words - </a:t>
-            </a:r>
-            <a:r>
-              <a:rPr lang="en-US"/>
-              <a:t>“</a:t>
-            </a:r>
-            <a:r>
-              <a:rPr lang="en-US" dirty="0"/>
-              <a:t>What conclusions can we make from this kind of distant reading and draw from this graph specifically? For one, I think, this graph underscores the role of the Union army in presenting enslaved African Americans with opportunities—risky opportunities—to seize their freedom by running to the Yankee lines. There are two sustained spikes in the number of fugitive slave ads, the first in the summer of 1862 and the second in the summer of 1864. At both of those moments the Union army approached Richmond. In 1862 the Union army under </a:t>
-            </a:r>
-            <a:r>
-              <a:rPr lang="en-US" dirty="0" err="1"/>
-              <a:t>McClennan</a:t>
-            </a:r>
-            <a:r>
-              <a:rPr lang="en-US" dirty="0"/>
-              <a:t> approached within seven miles of Richmond during the Peninsula Campaign. (Jefferson Davis's coachman, William A. Jackson, was one of the slaves who ran to the Union army that spring.) Two summers later Grant's Overland Campaign brought Union armies near Richmond. The graph registers how during each of those summers enslaved men and women used to opportunity offered by relative proximity of the Union armies—which we might think of as a mobile North, bringing the free states closer to men and women enslaved in the South—to attempt to escape from bondage. A third spike at the end of 1861 is less explicable, and we'll return to it in a moment.”</a:t>
-            </a:r>
           </a:p>
         </p:txBody>
       </p:sp>
@@ -2850,11 +2855,11 @@
           <a:lstStyle/>
           <a:p>
             <a:r>
-              <a:rPr lang="en-US" dirty="0"/>
+              <a:rPr lang="en-US" dirty="0" smtClean="0"/>
               <a:t>One last type</a:t>
             </a:r>
             <a:r>
-              <a:rPr lang="en-US" baseline="0" dirty="0"/>
+              <a:rPr lang="en-US" baseline="0" dirty="0" smtClean="0"/>
               <a:t> of reading. How do you tell if a text is happy or sad?</a:t>
             </a:r>
             <a:endParaRPr lang="en-US" dirty="0"/>
@@ -2942,11 +2947,11 @@
           <a:lstStyle/>
           <a:p>
             <a:r>
-              <a:rPr lang="en-US" dirty="0"/>
+              <a:rPr lang="en-US" dirty="0" smtClean="0"/>
               <a:t>Are these sentences happy or sad?</a:t>
             </a:r>
             <a:r>
-              <a:rPr lang="en-US" baseline="0" dirty="0"/>
+              <a:rPr lang="en-US" baseline="0" dirty="0" smtClean="0"/>
               <a:t> How do you tell?</a:t>
             </a:r>
             <a:endParaRPr lang="en-US" dirty="0"/>
@@ -3034,30 +3039,30 @@
           <a:lstStyle/>
           <a:p>
             <a:r>
-              <a:rPr lang="en-US" dirty="0"/>
+              <a:rPr lang="en-US" dirty="0" smtClean="0"/>
               <a:t>For follow</a:t>
             </a:r>
             <a:r>
-              <a:rPr lang="en-US" baseline="0" dirty="0"/>
+              <a:rPr lang="en-US" baseline="0" dirty="0" smtClean="0"/>
               <a:t> up try to get them to focus on some particulars.</a:t>
             </a:r>
           </a:p>
           <a:p>
             <a:r>
-              <a:rPr lang="en-US" dirty="0"/>
+              <a:rPr lang="en-US" dirty="0" smtClean="0"/>
               <a:t>Guiding questions:</a:t>
             </a:r>
           </a:p>
           <a:p>
             <a:r>
-              <a:rPr lang="en-US" dirty="0"/>
+              <a:rPr lang="en-US" dirty="0" smtClean="0"/>
               <a:t>What kind of a text is it? What does it care about? What kind of a world</a:t>
             </a:r>
             <a:r>
-              <a:rPr lang="en-US" baseline="0" dirty="0"/>
+              <a:rPr lang="en-US" baseline="0" dirty="0" smtClean="0"/>
               <a:t> is it depicting?</a:t>
             </a:r>
-            <a:endParaRPr lang="en-US" dirty="0"/>
+            <a:endParaRPr lang="en-US" dirty="0" smtClean="0"/>
           </a:p>
           <a:p>
             <a:endParaRPr lang="en-US" dirty="0"/>
@@ -3145,11 +3150,11 @@
           <a:lstStyle/>
           <a:p>
             <a:r>
-              <a:rPr lang="en-US" dirty="0"/>
+              <a:rPr lang="en-US" dirty="0" smtClean="0"/>
               <a:t>Happy? Sad? How do you</a:t>
             </a:r>
             <a:r>
-              <a:rPr lang="en-US" baseline="0" dirty="0"/>
+              <a:rPr lang="en-US" baseline="0" dirty="0" smtClean="0"/>
               <a:t> tell? Maybe there’s some other kind of measure?</a:t>
             </a:r>
             <a:endParaRPr lang="en-US" dirty="0"/>
@@ -3237,15 +3242,15 @@
           <a:lstStyle/>
           <a:p>
             <a:r>
-              <a:rPr lang="en-US" dirty="0"/>
+              <a:rPr lang="en-US" dirty="0" smtClean="0"/>
               <a:t>Happy? Sad? How do you</a:t>
             </a:r>
             <a:r>
-              <a:rPr lang="en-US" baseline="0" dirty="0"/>
+              <a:rPr lang="en-US" baseline="0" dirty="0" smtClean="0"/>
               <a:t> tell? Maybe there’s some other kind </a:t>
             </a:r>
             <a:r>
-              <a:rPr lang="en-US" baseline="0"/>
+              <a:rPr lang="en-US" baseline="0" smtClean="0"/>
               <a:t>of measure?</a:t>
             </a:r>
             <a:endParaRPr lang="en-US"/>
@@ -3333,9 +3338,10 @@
           <a:lstStyle/>
           <a:p>
             <a:r>
-              <a:rPr lang="en-US" dirty="0"/>
+              <a:rPr lang="en-US" dirty="0" smtClean="0"/>
               <a:t>But remember computers like numbers. How might we register this?</a:t>
             </a:r>
+            <a:endParaRPr lang="en-US" dirty="0"/>
           </a:p>
         </p:txBody>
       </p:sp>
@@ -3504,11 +3510,11 @@
           <a:lstStyle/>
           <a:p>
             <a:r>
-              <a:rPr lang="en-US" dirty="0"/>
+              <a:rPr lang="en-US" dirty="0" smtClean="0"/>
               <a:t>If we add up</a:t>
             </a:r>
             <a:r>
-              <a:rPr lang="en-US" baseline="0" dirty="0"/>
+              <a:rPr lang="en-US" baseline="0" dirty="0" smtClean="0"/>
               <a:t> the numbers for the sentence, we can get a sense of the feelings in it.</a:t>
             </a:r>
             <a:endParaRPr lang="en-US" dirty="0"/>
@@ -3680,11 +3686,11 @@
           <a:lstStyle/>
           <a:p>
             <a:r>
-              <a:rPr lang="en-US" dirty="0"/>
+              <a:rPr lang="en-US" dirty="0" smtClean="0"/>
               <a:t>Note in particular that Fahrenheit</a:t>
             </a:r>
             <a:r>
-              <a:rPr lang="en-US" baseline="0" dirty="0"/>
+              <a:rPr lang="en-US" baseline="0" dirty="0" smtClean="0"/>
               <a:t> 451 appears to be the happiest.</a:t>
             </a:r>
             <a:endParaRPr lang="en-US" dirty="0"/>
@@ -3772,34 +3778,34 @@
           <a:lstStyle/>
           <a:p>
             <a:r>
-              <a:rPr lang="en-US" dirty="0"/>
+              <a:rPr lang="en-US" dirty="0" smtClean="0"/>
               <a:t>What</a:t>
             </a:r>
             <a:r>
-              <a:rPr lang="en-US" baseline="0" dirty="0"/>
+              <a:rPr lang="en-US" baseline="0" dirty="0" smtClean="0"/>
               <a:t> numbers did you get? Do some people have different numbers?</a:t>
             </a:r>
-            <a:endParaRPr lang="en-US" dirty="0"/>
-          </a:p>
-          <a:p>
-            <a:r>
-              <a:rPr lang="en-US" dirty="0"/>
+            <a:endParaRPr lang="en-US" dirty="0" smtClean="0"/>
+          </a:p>
+          <a:p>
+            <a:r>
+              <a:rPr lang="en-US" dirty="0" smtClean="0"/>
               <a:t>Note in particular that Fahrenheit</a:t>
             </a:r>
             <a:r>
-              <a:rPr lang="en-US" baseline="0" dirty="0"/>
+              <a:rPr lang="en-US" baseline="0" dirty="0" smtClean="0"/>
               <a:t> 451 appears to be the happiest.</a:t>
             </a:r>
           </a:p>
           <a:p>
             <a:r>
-              <a:rPr lang="en-US" baseline="0" dirty="0"/>
+              <a:rPr lang="en-US" baseline="0" dirty="0" smtClean="0"/>
               <a:t>What do you make of this form of measure? What can you imagine it used for.</a:t>
             </a:r>
           </a:p>
           <a:p>
             <a:r>
-              <a:rPr lang="en-US" baseline="0" dirty="0"/>
+              <a:rPr lang="en-US" baseline="0" dirty="0" smtClean="0"/>
               <a:t>Can you imagine any way to make it work better? (have humans validate the results and tweak them)</a:t>
             </a:r>
             <a:endParaRPr lang="en-US" dirty="0"/>
@@ -3887,19 +3893,27 @@
           <a:lstStyle/>
           <a:p>
             <a:r>
-              <a:rPr lang="en-US" dirty="0"/>
-              <a:t>https://</a:t>
-            </a:r>
-            <a:r>
-              <a:rPr lang="en-US" dirty="0" err="1"/>
-              <a:t>open.nytimes.com</a:t>
-            </a:r>
-            <a:r>
-              <a:rPr lang="en-US" dirty="0"/>
-              <a:t>/how-does-this-article-make-you-feel-4684e5e9c47</a:t>
-            </a:r>
-          </a:p>
-          <a:p>
+              <a:rPr lang="en-US" dirty="0" smtClean="0"/>
+              <a:t>What can you do with sentiment analysis?</a:t>
+            </a:r>
+          </a:p>
+          <a:p>
+            <a:r>
+              <a:rPr lang="en-US" dirty="0" smtClean="0"/>
+              <a:t>From a humanities perspective, you can say that by registering</a:t>
+            </a:r>
+            <a:r>
+              <a:rPr lang="en-US" baseline="0" dirty="0" smtClean="0"/>
+              <a:t> moments of happiness or sadness over time, you can measure a plot’s tension. You could get a sense of the plot arc in a text. </a:t>
+            </a:r>
+            <a:r>
+              <a:rPr lang="en-US" baseline="0" dirty="0" err="1" smtClean="0"/>
+              <a:t>Jockers</a:t>
+            </a:r>
+            <a:r>
+              <a:rPr lang="en-US" baseline="0" dirty="0" smtClean="0"/>
+              <a:t> claims there are really only six shapes if you do this kind of math.</a:t>
+            </a:r>
             <a:endParaRPr lang="en-US" dirty="0"/>
           </a:p>
         </p:txBody>
@@ -3911,7 +3925,7 @@
             <a:spLocks noGrp="1"/>
           </p:cNvSpPr>
           <p:nvPr>
-            <p:ph type="sldNum" sz="quarter" idx="5"/>
+            <p:ph type="sldNum" sz="quarter" idx="10"/>
           </p:nvPr>
         </p:nvSpPr>
         <p:spPr/>
@@ -3921,7 +3935,7 @@
           <a:p>
             <a:fld id="{3C549AD9-45EC-574A-BF48-6DAFD1875592}" type="slidenum">
               <a:rPr lang="en-US" smtClean="0"/>
-              <a:t>40</a:t>
+              <a:t>41</a:t>
             </a:fld>
             <a:endParaRPr lang="en-US"/>
           </a:p>
@@ -3930,7 +3944,7 @@
     </p:spTree>
     <p:extLst>
       <p:ext uri="{BB962C8B-B14F-4D97-AF65-F5344CB8AC3E}">
-        <p14:creationId xmlns:p14="http://schemas.microsoft.com/office/powerpoint/2010/main" val="3962036282"/>
+        <p14:creationId xmlns:p14="http://schemas.microsoft.com/office/powerpoint/2010/main" val="925077062"/>
       </p:ext>
     </p:extLst>
   </p:cSld>
@@ -3985,26 +3999,48 @@
           <a:lstStyle/>
           <a:p>
             <a:r>
-              <a:rPr lang="en-US" dirty="0"/>
-              <a:t>What can you do with sentiment analysis?</a:t>
-            </a:r>
-          </a:p>
-          <a:p>
-            <a:r>
-              <a:rPr lang="en-US" dirty="0"/>
-              <a:t>From a humanities perspective, you can say that by registering</a:t>
-            </a:r>
-            <a:r>
-              <a:rPr lang="en-US" baseline="0" dirty="0"/>
-              <a:t> moments of happiness or sadness over time, you can measure a plot’s tension. You could get a sense of the plot arc in a text. </a:t>
-            </a:r>
-            <a:r>
-              <a:rPr lang="en-US" baseline="0" dirty="0" err="1"/>
-              <a:t>Jockers</a:t>
-            </a:r>
-            <a:r>
-              <a:rPr lang="en-US" baseline="0" dirty="0"/>
-              <a:t> claims there are really only six shapes if you do this kind of math.</a:t>
+              <a:rPr lang="en-US" dirty="0" smtClean="0"/>
+              <a:t>A different kind of approach</a:t>
+            </a:r>
+            <a:r>
+              <a:rPr lang="en-US" baseline="0" dirty="0" smtClean="0"/>
+              <a:t> with different corpus. </a:t>
+            </a:r>
+            <a:r>
+              <a:rPr lang="en-US" baseline="0" dirty="0" err="1" smtClean="0"/>
+              <a:t>Emojisentiment</a:t>
+            </a:r>
+            <a:r>
+              <a:rPr lang="en-US" baseline="0" dirty="0" smtClean="0"/>
+              <a:t> takes a </a:t>
+            </a:r>
+            <a:r>
+              <a:rPr lang="en-US" baseline="0" dirty="0" err="1" smtClean="0"/>
+              <a:t>hashtag</a:t>
+            </a:r>
+            <a:r>
+              <a:rPr lang="en-US" baseline="0" dirty="0" smtClean="0"/>
+              <a:t> and actually measures the emotional valence of the </a:t>
+            </a:r>
+            <a:r>
+              <a:rPr lang="en-US" baseline="0" dirty="0" err="1" smtClean="0"/>
+              <a:t>emoji</a:t>
+            </a:r>
+            <a:r>
+              <a:rPr lang="en-US" baseline="0" dirty="0" smtClean="0"/>
+              <a:t>. Then it adds up all the sentiment counts to give you a sense of sentiment for the </a:t>
+            </a:r>
+            <a:r>
+              <a:rPr lang="en-US" baseline="0" dirty="0" err="1" smtClean="0"/>
+              <a:t>hashtag</a:t>
+            </a:r>
+            <a:r>
+              <a:rPr lang="en-US" baseline="0" dirty="0" smtClean="0"/>
+              <a:t>. Interesting right? Made by students, full of problem, but shows that there are texts all out there, ready </a:t>
+            </a:r>
+            <a:r>
+              <a:rPr lang="en-US" baseline="0" smtClean="0"/>
+              <a:t>to read. </a:t>
             </a:r>
             <a:endParaRPr lang="en-US" dirty="0"/>
           </a:p>
@@ -4027,7 +4063,7 @@
           <a:p>
             <a:fld id="{3C549AD9-45EC-574A-BF48-6DAFD1875592}" type="slidenum">
               <a:rPr lang="en-US" smtClean="0"/>
-              <a:t>41</a:t>
+              <a:t>42</a:t>
             </a:fld>
             <a:endParaRPr lang="en-US"/>
           </a:p>
@@ -4036,7 +4072,7 @@
     </p:spTree>
     <p:extLst>
       <p:ext uri="{BB962C8B-B14F-4D97-AF65-F5344CB8AC3E}">
-        <p14:creationId xmlns:p14="http://schemas.microsoft.com/office/powerpoint/2010/main" val="925077062"/>
+        <p14:creationId xmlns:p14="http://schemas.microsoft.com/office/powerpoint/2010/main" val="1494518024"/>
       </p:ext>
     </p:extLst>
   </p:cSld>
@@ -4091,17 +4127,17 @@
           <a:lstStyle/>
           <a:p>
             <a:r>
-              <a:rPr lang="en-US" dirty="0"/>
+              <a:rPr lang="en-US" dirty="0" smtClean="0"/>
               <a:t>But notice</a:t>
             </a:r>
             <a:r>
-              <a:rPr lang="en-US" baseline="0" dirty="0"/>
+              <a:rPr lang="en-US" baseline="0" dirty="0" smtClean="0"/>
               <a:t> how this puts the interpretation directly interacting with the text. That’s a problem for computers, which are really pretty dumb. </a:t>
             </a:r>
           </a:p>
           <a:p>
             <a:r>
-              <a:rPr lang="en-US" baseline="0" dirty="0"/>
+              <a:rPr lang="en-US" baseline="0" dirty="0" smtClean="0"/>
               <a:t>They’re good for repetitive things. And for counting things. So we’re going to take a look at some different ways that you can count things with computers to give you new opportunities for interpretations.</a:t>
             </a:r>
             <a:endParaRPr lang="en-US" dirty="0"/>
@@ -4135,134 +4171,6 @@
     <p:extLst>
       <p:ext uri="{BB962C8B-B14F-4D97-AF65-F5344CB8AC3E}">
         <p14:creationId xmlns:p14="http://schemas.microsoft.com/office/powerpoint/2010/main" val="2138664034"/>
-      </p:ext>
-    </p:extLst>
-  </p:cSld>
-  <p:clrMapOvr>
-    <a:masterClrMapping/>
-  </p:clrMapOvr>
-</p:notes>
-</file>
-
-<file path=ppt/notesSlides/notesSlide40.xml><?xml version="1.0" encoding="utf-8"?>
-<p:notes xmlns:a="http://schemas.openxmlformats.org/drawingml/2006/main" xmlns:r="http://schemas.openxmlformats.org/officeDocument/2006/relationships" xmlns:p="http://schemas.openxmlformats.org/presentationml/2006/main">
-  <p:cSld>
-    <p:spTree>
-      <p:nvGrpSpPr>
-        <p:cNvPr id="1" name=""/>
-        <p:cNvGrpSpPr/>
-        <p:nvPr/>
-      </p:nvGrpSpPr>
-      <p:grpSpPr>
-        <a:xfrm>
-          <a:off x="0" y="0"/>
-          <a:ext cx="0" cy="0"/>
-          <a:chOff x="0" y="0"/>
-          <a:chExt cx="0" cy="0"/>
-        </a:xfrm>
-      </p:grpSpPr>
-      <p:sp>
-        <p:nvSpPr>
-          <p:cNvPr id="2" name="Slide Image Placeholder 1"/>
-          <p:cNvSpPr>
-            <a:spLocks noGrp="1" noRot="1" noChangeAspect="1"/>
-          </p:cNvSpPr>
-          <p:nvPr>
-            <p:ph type="sldImg"/>
-          </p:nvPr>
-        </p:nvSpPr>
-        <p:spPr/>
-      </p:sp>
-      <p:sp>
-        <p:nvSpPr>
-          <p:cNvPr id="3" name="Notes Placeholder 2"/>
-          <p:cNvSpPr>
-            <a:spLocks noGrp="1"/>
-          </p:cNvSpPr>
-          <p:nvPr>
-            <p:ph type="body" idx="1"/>
-          </p:nvPr>
-        </p:nvSpPr>
-        <p:spPr/>
-        <p:txBody>
-          <a:bodyPr/>
-          <a:lstStyle/>
-          <a:p>
-            <a:r>
-              <a:rPr lang="en-US" dirty="0"/>
-              <a:t>A different kind of approach</a:t>
-            </a:r>
-            <a:r>
-              <a:rPr lang="en-US" baseline="0" dirty="0"/>
-              <a:t> with different corpus. </a:t>
-            </a:r>
-            <a:r>
-              <a:rPr lang="en-US" baseline="0" dirty="0" err="1"/>
-              <a:t>Emojisentiment</a:t>
-            </a:r>
-            <a:r>
-              <a:rPr lang="en-US" baseline="0" dirty="0"/>
-              <a:t> takes a </a:t>
-            </a:r>
-            <a:r>
-              <a:rPr lang="en-US" baseline="0" dirty="0" err="1"/>
-              <a:t>hashtag</a:t>
-            </a:r>
-            <a:r>
-              <a:rPr lang="en-US" baseline="0" dirty="0"/>
-              <a:t> and actually measures the emotional valence of the </a:t>
-            </a:r>
-            <a:r>
-              <a:rPr lang="en-US" baseline="0" dirty="0" err="1"/>
-              <a:t>emoji</a:t>
-            </a:r>
-            <a:r>
-              <a:rPr lang="en-US" baseline="0" dirty="0"/>
-              <a:t>. Then it adds up all the sentiment counts to give you a sense of sentiment for the </a:t>
-            </a:r>
-            <a:r>
-              <a:rPr lang="en-US" baseline="0" dirty="0" err="1"/>
-              <a:t>hashtag</a:t>
-            </a:r>
-            <a:r>
-              <a:rPr lang="en-US" baseline="0" dirty="0"/>
-              <a:t>. Interesting right? Made by students, full of problem, but shows that there are texts all out there, ready </a:t>
-            </a:r>
-            <a:r>
-              <a:rPr lang="en-US" baseline="0"/>
-              <a:t>to read. </a:t>
-            </a:r>
-            <a:endParaRPr lang="en-US" dirty="0"/>
-          </a:p>
-        </p:txBody>
-      </p:sp>
-      <p:sp>
-        <p:nvSpPr>
-          <p:cNvPr id="4" name="Slide Number Placeholder 3"/>
-          <p:cNvSpPr>
-            <a:spLocks noGrp="1"/>
-          </p:cNvSpPr>
-          <p:nvPr>
-            <p:ph type="sldNum" sz="quarter" idx="10"/>
-          </p:nvPr>
-        </p:nvSpPr>
-        <p:spPr/>
-        <p:txBody>
-          <a:bodyPr/>
-          <a:lstStyle/>
-          <a:p>
-            <a:fld id="{3C549AD9-45EC-574A-BF48-6DAFD1875592}" type="slidenum">
-              <a:rPr lang="en-US" smtClean="0"/>
-              <a:t>42</a:t>
-            </a:fld>
-            <a:endParaRPr lang="en-US"/>
-          </a:p>
-        </p:txBody>
-      </p:sp>
-    </p:spTree>
-    <p:extLst>
-      <p:ext uri="{BB962C8B-B14F-4D97-AF65-F5344CB8AC3E}">
-        <p14:creationId xmlns:p14="http://schemas.microsoft.com/office/powerpoint/2010/main" val="1494518024"/>
       </p:ext>
     </p:extLst>
   </p:cSld>
@@ -4317,11 +4225,11 @@
           <a:lstStyle/>
           <a:p>
             <a:r>
-              <a:rPr lang="en-US" dirty="0"/>
+              <a:rPr lang="en-US" dirty="0" smtClean="0"/>
               <a:t>First way is to literally just count the words in a</a:t>
             </a:r>
             <a:r>
-              <a:rPr lang="en-US" baseline="0" dirty="0"/>
+              <a:rPr lang="en-US" baseline="0" dirty="0" smtClean="0"/>
               <a:t> text.</a:t>
             </a:r>
             <a:endParaRPr lang="en-US" dirty="0"/>
@@ -4409,11 +4317,11 @@
           <a:lstStyle/>
           <a:p>
             <a:r>
-              <a:rPr lang="en-US" dirty="0"/>
+              <a:rPr lang="en-US" dirty="0" smtClean="0"/>
               <a:t>To count these things, you’ll first want to make a list of the words. Here’s</a:t>
             </a:r>
             <a:r>
-              <a:rPr lang="en-US" baseline="0" dirty="0"/>
+              <a:rPr lang="en-US" baseline="0" dirty="0" smtClean="0"/>
               <a:t> an example. Notice that we are combining both sentences.</a:t>
             </a:r>
             <a:endParaRPr lang="en-US" dirty="0"/>
@@ -4501,11 +4409,11 @@
           <a:lstStyle/>
           <a:p>
             <a:r>
-              <a:rPr lang="en-US" dirty="0"/>
+              <a:rPr lang="en-US" dirty="0" smtClean="0"/>
               <a:t>So take these two sentences and</a:t>
             </a:r>
             <a:r>
-              <a:rPr lang="en-US" baseline="0" dirty="0"/>
+              <a:rPr lang="en-US" baseline="0" dirty="0" smtClean="0"/>
               <a:t> make a bag of words model that combines both sentences.</a:t>
             </a:r>
             <a:endParaRPr lang="en-US" dirty="0"/>
@@ -4593,28 +4501,28 @@
           <a:lstStyle/>
           <a:p>
             <a:r>
-              <a:rPr lang="en-US" dirty="0"/>
+              <a:rPr lang="en-US" dirty="0" smtClean="0"/>
               <a:t>Notice that you can also count the words. What happens here is we have a new list</a:t>
             </a:r>
             <a:r>
-              <a:rPr lang="en-US" baseline="0" dirty="0"/>
+              <a:rPr lang="en-US" baseline="0" dirty="0" smtClean="0"/>
               <a:t> of numbers for each sentence. One spot for each word. And we list the number of times that the words occur in our sentences. </a:t>
             </a:r>
             <a:r>
-              <a:rPr lang="en-US" baseline="0" dirty="0" err="1"/>
+              <a:rPr lang="en-US" baseline="0" dirty="0" err="1" smtClean="0"/>
               <a:t>Questons</a:t>
             </a:r>
             <a:r>
-              <a:rPr lang="en-US" baseline="0" dirty="0"/>
+              <a:rPr lang="en-US" baseline="0" dirty="0" smtClean="0"/>
               <a:t>?</a:t>
             </a:r>
           </a:p>
           <a:p>
-            <a:endParaRPr lang="en-US" baseline="0" dirty="0"/>
-          </a:p>
-          <a:p>
-            <a:r>
-              <a:rPr lang="en-US" baseline="0" dirty="0"/>
+            <a:endParaRPr lang="en-US" baseline="0" dirty="0" smtClean="0"/>
+          </a:p>
+          <a:p>
+            <a:r>
+              <a:rPr lang="en-US" baseline="0" dirty="0" smtClean="0"/>
               <a:t>Corpus = collection of written texts </a:t>
             </a:r>
             <a:endParaRPr lang="en-US" dirty="0"/>
@@ -4702,11 +4610,11 @@
           <a:lstStyle/>
           <a:p>
             <a:r>
-              <a:rPr lang="en-US" dirty="0"/>
+              <a:rPr lang="en-US" dirty="0" smtClean="0"/>
               <a:t>Expand the BOW model to</a:t>
             </a:r>
             <a:r>
-              <a:rPr lang="en-US" baseline="0" dirty="0"/>
+              <a:rPr lang="en-US" baseline="0" dirty="0" smtClean="0"/>
               <a:t> include this sentence.</a:t>
             </a:r>
             <a:endParaRPr lang="en-US" dirty="0"/>
@@ -4787,9 +4695,10 @@
           <a:lstStyle/>
           <a:p>
             <a:r>
-              <a:rPr lang="en-US"/>
+              <a:rPr lang="en-US" smtClean="0"/>
               <a:t>Click to edit Master title style</a:t>
             </a:r>
+            <a:endParaRPr lang="en-US"/>
           </a:p>
         </p:txBody>
       </p:sp>
@@ -4905,9 +4814,10 @@
           </a:lstStyle>
           <a:p>
             <a:r>
-              <a:rPr lang="en-US"/>
+              <a:rPr lang="en-US" smtClean="0"/>
               <a:t>Click to edit Master subtitle style</a:t>
             </a:r>
+            <a:endParaRPr lang="en-US"/>
           </a:p>
         </p:txBody>
       </p:sp>
@@ -4928,7 +4838,7 @@
           <a:p>
             <a:fld id="{AC0FE2FB-E465-BA4A-ADDB-9C5DA3362E28}" type="datetimeFigureOut">
               <a:rPr lang="en-US" smtClean="0"/>
-              <a:t>9/17/19</a:t>
+              <a:t>9/16/18</a:t>
             </a:fld>
             <a:endParaRPr lang="en-US"/>
           </a:p>
@@ -5022,9 +4932,10 @@
           <a:lstStyle/>
           <a:p>
             <a:r>
-              <a:rPr lang="en-US"/>
+              <a:rPr lang="en-US" smtClean="0"/>
               <a:t>Click to edit Master title style</a:t>
             </a:r>
+            <a:endParaRPr lang="en-US"/>
           </a:p>
         </p:txBody>
       </p:sp>
@@ -5045,37 +4956,38 @@
           <a:p>
             <a:pPr lvl="0"/>
             <a:r>
-              <a:rPr lang="en-US"/>
+              <a:rPr lang="en-US" smtClean="0"/>
               <a:t>Click to edit Master text styles</a:t>
             </a:r>
           </a:p>
           <a:p>
             <a:pPr lvl="1"/>
             <a:r>
-              <a:rPr lang="en-US"/>
+              <a:rPr lang="en-US" smtClean="0"/>
               <a:t>Second level</a:t>
             </a:r>
           </a:p>
           <a:p>
             <a:pPr lvl="2"/>
             <a:r>
-              <a:rPr lang="en-US"/>
+              <a:rPr lang="en-US" smtClean="0"/>
               <a:t>Third level</a:t>
             </a:r>
           </a:p>
           <a:p>
             <a:pPr lvl="3"/>
             <a:r>
-              <a:rPr lang="en-US"/>
+              <a:rPr lang="en-US" smtClean="0"/>
               <a:t>Fourth level</a:t>
             </a:r>
           </a:p>
           <a:p>
             <a:pPr lvl="4"/>
             <a:r>
-              <a:rPr lang="en-US"/>
+              <a:rPr lang="en-US" smtClean="0"/>
               <a:t>Fifth level</a:t>
             </a:r>
+            <a:endParaRPr lang="en-US"/>
           </a:p>
         </p:txBody>
       </p:sp>
@@ -5096,7 +5008,7 @@
           <a:p>
             <a:fld id="{AC0FE2FB-E465-BA4A-ADDB-9C5DA3362E28}" type="datetimeFigureOut">
               <a:rPr lang="en-US" smtClean="0"/>
-              <a:t>9/17/19</a:t>
+              <a:t>9/16/18</a:t>
             </a:fld>
             <a:endParaRPr lang="en-US"/>
           </a:p>
@@ -5195,9 +5107,10 @@
           <a:lstStyle/>
           <a:p>
             <a:r>
-              <a:rPr lang="en-US"/>
+              <a:rPr lang="en-US" smtClean="0"/>
               <a:t>Click to edit Master title style</a:t>
             </a:r>
+            <a:endParaRPr lang="en-US"/>
           </a:p>
         </p:txBody>
       </p:sp>
@@ -5223,37 +5136,38 @@
           <a:p>
             <a:pPr lvl="0"/>
             <a:r>
-              <a:rPr lang="en-US"/>
+              <a:rPr lang="en-US" smtClean="0"/>
               <a:t>Click to edit Master text styles</a:t>
             </a:r>
           </a:p>
           <a:p>
             <a:pPr lvl="1"/>
             <a:r>
-              <a:rPr lang="en-US"/>
+              <a:rPr lang="en-US" smtClean="0"/>
               <a:t>Second level</a:t>
             </a:r>
           </a:p>
           <a:p>
             <a:pPr lvl="2"/>
             <a:r>
-              <a:rPr lang="en-US"/>
+              <a:rPr lang="en-US" smtClean="0"/>
               <a:t>Third level</a:t>
             </a:r>
           </a:p>
           <a:p>
             <a:pPr lvl="3"/>
             <a:r>
-              <a:rPr lang="en-US"/>
+              <a:rPr lang="en-US" smtClean="0"/>
               <a:t>Fourth level</a:t>
             </a:r>
           </a:p>
           <a:p>
             <a:pPr lvl="4"/>
             <a:r>
-              <a:rPr lang="en-US"/>
+              <a:rPr lang="en-US" smtClean="0"/>
               <a:t>Fifth level</a:t>
             </a:r>
+            <a:endParaRPr lang="en-US"/>
           </a:p>
         </p:txBody>
       </p:sp>
@@ -5274,7 +5188,7 @@
           <a:p>
             <a:fld id="{AC0FE2FB-E465-BA4A-ADDB-9C5DA3362E28}" type="datetimeFigureOut">
               <a:rPr lang="en-US" smtClean="0"/>
-              <a:t>9/17/19</a:t>
+              <a:t>9/16/18</a:t>
             </a:fld>
             <a:endParaRPr lang="en-US"/>
           </a:p>
@@ -5368,9 +5282,10 @@
           <a:lstStyle/>
           <a:p>
             <a:r>
-              <a:rPr lang="en-US"/>
+              <a:rPr lang="en-US" smtClean="0"/>
               <a:t>Click to edit Master title style</a:t>
             </a:r>
+            <a:endParaRPr lang="en-US"/>
           </a:p>
         </p:txBody>
       </p:sp>
@@ -5391,37 +5306,38 @@
           <a:p>
             <a:pPr lvl="0"/>
             <a:r>
-              <a:rPr lang="en-US"/>
+              <a:rPr lang="en-US" smtClean="0"/>
               <a:t>Click to edit Master text styles</a:t>
             </a:r>
           </a:p>
           <a:p>
             <a:pPr lvl="1"/>
             <a:r>
-              <a:rPr lang="en-US"/>
+              <a:rPr lang="en-US" smtClean="0"/>
               <a:t>Second level</a:t>
             </a:r>
           </a:p>
           <a:p>
             <a:pPr lvl="2"/>
             <a:r>
-              <a:rPr lang="en-US"/>
+              <a:rPr lang="en-US" smtClean="0"/>
               <a:t>Third level</a:t>
             </a:r>
           </a:p>
           <a:p>
             <a:pPr lvl="3"/>
             <a:r>
-              <a:rPr lang="en-US"/>
+              <a:rPr lang="en-US" smtClean="0"/>
               <a:t>Fourth level</a:t>
             </a:r>
           </a:p>
           <a:p>
             <a:pPr lvl="4"/>
             <a:r>
-              <a:rPr lang="en-US"/>
+              <a:rPr lang="en-US" smtClean="0"/>
               <a:t>Fifth level</a:t>
             </a:r>
+            <a:endParaRPr lang="en-US"/>
           </a:p>
         </p:txBody>
       </p:sp>
@@ -5442,7 +5358,7 @@
           <a:p>
             <a:fld id="{AC0FE2FB-E465-BA4A-ADDB-9C5DA3362E28}" type="datetimeFigureOut">
               <a:rPr lang="en-US" smtClean="0"/>
-              <a:t>9/17/19</a:t>
+              <a:t>9/16/18</a:t>
             </a:fld>
             <a:endParaRPr lang="en-US"/>
           </a:p>
@@ -5545,9 +5461,10 @@
           </a:lstStyle>
           <a:p>
             <a:r>
-              <a:rPr lang="en-US"/>
+              <a:rPr lang="en-US" smtClean="0"/>
               <a:t>Click to edit Master title style</a:t>
             </a:r>
+            <a:endParaRPr lang="en-US"/>
           </a:p>
         </p:txBody>
       </p:sp>
@@ -5664,7 +5581,7 @@
           <a:p>
             <a:pPr lvl="0"/>
             <a:r>
-              <a:rPr lang="en-US"/>
+              <a:rPr lang="en-US" smtClean="0"/>
               <a:t>Click to edit Master text styles</a:t>
             </a:r>
           </a:p>
@@ -5687,7 +5604,7 @@
           <a:p>
             <a:fld id="{AC0FE2FB-E465-BA4A-ADDB-9C5DA3362E28}" type="datetimeFigureOut">
               <a:rPr lang="en-US" smtClean="0"/>
-              <a:t>9/17/19</a:t>
+              <a:t>9/16/18</a:t>
             </a:fld>
             <a:endParaRPr lang="en-US"/>
           </a:p>
@@ -5781,9 +5698,10 @@
           <a:lstStyle/>
           <a:p>
             <a:r>
-              <a:rPr lang="en-US"/>
+              <a:rPr lang="en-US" smtClean="0"/>
               <a:t>Click to edit Master title style</a:t>
             </a:r>
+            <a:endParaRPr lang="en-US"/>
           </a:p>
         </p:txBody>
       </p:sp>
@@ -5837,37 +5755,38 @@
           <a:p>
             <a:pPr lvl="0"/>
             <a:r>
-              <a:rPr lang="en-US"/>
+              <a:rPr lang="en-US" smtClean="0"/>
               <a:t>Click to edit Master text styles</a:t>
             </a:r>
           </a:p>
           <a:p>
             <a:pPr lvl="1"/>
             <a:r>
-              <a:rPr lang="en-US"/>
+              <a:rPr lang="en-US" smtClean="0"/>
               <a:t>Second level</a:t>
             </a:r>
           </a:p>
           <a:p>
             <a:pPr lvl="2"/>
             <a:r>
-              <a:rPr lang="en-US"/>
+              <a:rPr lang="en-US" smtClean="0"/>
               <a:t>Third level</a:t>
             </a:r>
           </a:p>
           <a:p>
             <a:pPr lvl="3"/>
             <a:r>
-              <a:rPr lang="en-US"/>
+              <a:rPr lang="en-US" smtClean="0"/>
               <a:t>Fourth level</a:t>
             </a:r>
           </a:p>
           <a:p>
             <a:pPr lvl="4"/>
             <a:r>
-              <a:rPr lang="en-US"/>
+              <a:rPr lang="en-US" smtClean="0"/>
               <a:t>Fifth level</a:t>
             </a:r>
+            <a:endParaRPr lang="en-US"/>
           </a:p>
         </p:txBody>
       </p:sp>
@@ -5921,37 +5840,38 @@
           <a:p>
             <a:pPr lvl="0"/>
             <a:r>
-              <a:rPr lang="en-US"/>
+              <a:rPr lang="en-US" smtClean="0"/>
               <a:t>Click to edit Master text styles</a:t>
             </a:r>
           </a:p>
           <a:p>
             <a:pPr lvl="1"/>
             <a:r>
-              <a:rPr lang="en-US"/>
+              <a:rPr lang="en-US" smtClean="0"/>
               <a:t>Second level</a:t>
             </a:r>
           </a:p>
           <a:p>
             <a:pPr lvl="2"/>
             <a:r>
-              <a:rPr lang="en-US"/>
+              <a:rPr lang="en-US" smtClean="0"/>
               <a:t>Third level</a:t>
             </a:r>
           </a:p>
           <a:p>
             <a:pPr lvl="3"/>
             <a:r>
-              <a:rPr lang="en-US"/>
+              <a:rPr lang="en-US" smtClean="0"/>
               <a:t>Fourth level</a:t>
             </a:r>
           </a:p>
           <a:p>
             <a:pPr lvl="4"/>
             <a:r>
-              <a:rPr lang="en-US"/>
+              <a:rPr lang="en-US" smtClean="0"/>
               <a:t>Fifth level</a:t>
             </a:r>
+            <a:endParaRPr lang="en-US"/>
           </a:p>
         </p:txBody>
       </p:sp>
@@ -5972,7 +5892,7 @@
           <a:p>
             <a:fld id="{AC0FE2FB-E465-BA4A-ADDB-9C5DA3362E28}" type="datetimeFigureOut">
               <a:rPr lang="en-US" smtClean="0"/>
-              <a:t>9/17/19</a:t>
+              <a:t>9/16/18</a:t>
             </a:fld>
             <a:endParaRPr lang="en-US"/>
           </a:p>
@@ -6070,9 +5990,10 @@
           </a:lstStyle>
           <a:p>
             <a:r>
-              <a:rPr lang="en-US"/>
+              <a:rPr lang="en-US" smtClean="0"/>
               <a:t>Click to edit Master title style</a:t>
             </a:r>
+            <a:endParaRPr lang="en-US"/>
           </a:p>
         </p:txBody>
       </p:sp>
@@ -6135,7 +6056,7 @@
           <a:p>
             <a:pPr lvl="0"/>
             <a:r>
-              <a:rPr lang="en-US"/>
+              <a:rPr lang="en-US" smtClean="0"/>
               <a:t>Click to edit Master text styles</a:t>
             </a:r>
           </a:p>
@@ -6191,37 +6112,38 @@
           <a:p>
             <a:pPr lvl="0"/>
             <a:r>
-              <a:rPr lang="en-US"/>
+              <a:rPr lang="en-US" smtClean="0"/>
               <a:t>Click to edit Master text styles</a:t>
             </a:r>
           </a:p>
           <a:p>
             <a:pPr lvl="1"/>
             <a:r>
-              <a:rPr lang="en-US"/>
+              <a:rPr lang="en-US" smtClean="0"/>
               <a:t>Second level</a:t>
             </a:r>
           </a:p>
           <a:p>
             <a:pPr lvl="2"/>
             <a:r>
-              <a:rPr lang="en-US"/>
+              <a:rPr lang="en-US" smtClean="0"/>
               <a:t>Third level</a:t>
             </a:r>
           </a:p>
           <a:p>
             <a:pPr lvl="3"/>
             <a:r>
-              <a:rPr lang="en-US"/>
+              <a:rPr lang="en-US" smtClean="0"/>
               <a:t>Fourth level</a:t>
             </a:r>
           </a:p>
           <a:p>
             <a:pPr lvl="4"/>
             <a:r>
-              <a:rPr lang="en-US"/>
+              <a:rPr lang="en-US" smtClean="0"/>
               <a:t>Fifth level</a:t>
             </a:r>
+            <a:endParaRPr lang="en-US"/>
           </a:p>
         </p:txBody>
       </p:sp>
@@ -6284,7 +6206,7 @@
           <a:p>
             <a:pPr lvl="0"/>
             <a:r>
-              <a:rPr lang="en-US"/>
+              <a:rPr lang="en-US" smtClean="0"/>
               <a:t>Click to edit Master text styles</a:t>
             </a:r>
           </a:p>
@@ -6340,37 +6262,38 @@
           <a:p>
             <a:pPr lvl="0"/>
             <a:r>
-              <a:rPr lang="en-US"/>
+              <a:rPr lang="en-US" smtClean="0"/>
               <a:t>Click to edit Master text styles</a:t>
             </a:r>
           </a:p>
           <a:p>
             <a:pPr lvl="1"/>
             <a:r>
-              <a:rPr lang="en-US"/>
+              <a:rPr lang="en-US" smtClean="0"/>
               <a:t>Second level</a:t>
             </a:r>
           </a:p>
           <a:p>
             <a:pPr lvl="2"/>
             <a:r>
-              <a:rPr lang="en-US"/>
+              <a:rPr lang="en-US" smtClean="0"/>
               <a:t>Third level</a:t>
             </a:r>
           </a:p>
           <a:p>
             <a:pPr lvl="3"/>
             <a:r>
-              <a:rPr lang="en-US"/>
+              <a:rPr lang="en-US" smtClean="0"/>
               <a:t>Fourth level</a:t>
             </a:r>
           </a:p>
           <a:p>
             <a:pPr lvl="4"/>
             <a:r>
-              <a:rPr lang="en-US"/>
+              <a:rPr lang="en-US" smtClean="0"/>
               <a:t>Fifth level</a:t>
             </a:r>
+            <a:endParaRPr lang="en-US"/>
           </a:p>
         </p:txBody>
       </p:sp>
@@ -6391,7 +6314,7 @@
           <a:p>
             <a:fld id="{AC0FE2FB-E465-BA4A-ADDB-9C5DA3362E28}" type="datetimeFigureOut">
               <a:rPr lang="en-US" smtClean="0"/>
-              <a:t>9/17/19</a:t>
+              <a:t>9/16/18</a:t>
             </a:fld>
             <a:endParaRPr lang="en-US"/>
           </a:p>
@@ -6485,9 +6408,10 @@
           <a:lstStyle/>
           <a:p>
             <a:r>
-              <a:rPr lang="en-US"/>
+              <a:rPr lang="en-US" smtClean="0"/>
               <a:t>Click to edit Master title style</a:t>
             </a:r>
+            <a:endParaRPr lang="en-US"/>
           </a:p>
         </p:txBody>
       </p:sp>
@@ -6508,7 +6432,7 @@
           <a:p>
             <a:fld id="{AC0FE2FB-E465-BA4A-ADDB-9C5DA3362E28}" type="datetimeFigureOut">
               <a:rPr lang="en-US" smtClean="0"/>
-              <a:t>9/17/19</a:t>
+              <a:t>9/16/18</a:t>
             </a:fld>
             <a:endParaRPr lang="en-US"/>
           </a:p>
@@ -6603,7 +6527,7 @@
           <a:p>
             <a:fld id="{AC0FE2FB-E465-BA4A-ADDB-9C5DA3362E28}" type="datetimeFigureOut">
               <a:rPr lang="en-US" smtClean="0"/>
-              <a:t>9/17/19</a:t>
+              <a:t>9/16/18</a:t>
             </a:fld>
             <a:endParaRPr lang="en-US"/>
           </a:p>
@@ -6706,9 +6630,10 @@
           </a:lstStyle>
           <a:p>
             <a:r>
-              <a:rPr lang="en-US"/>
+              <a:rPr lang="en-US" smtClean="0"/>
               <a:t>Click to edit Master title style</a:t>
             </a:r>
+            <a:endParaRPr lang="en-US"/>
           </a:p>
         </p:txBody>
       </p:sp>
@@ -6762,37 +6687,38 @@
           <a:p>
             <a:pPr lvl="0"/>
             <a:r>
-              <a:rPr lang="en-US"/>
+              <a:rPr lang="en-US" smtClean="0"/>
               <a:t>Click to edit Master text styles</a:t>
             </a:r>
           </a:p>
           <a:p>
             <a:pPr lvl="1"/>
             <a:r>
-              <a:rPr lang="en-US"/>
+              <a:rPr lang="en-US" smtClean="0"/>
               <a:t>Second level</a:t>
             </a:r>
           </a:p>
           <a:p>
             <a:pPr lvl="2"/>
             <a:r>
-              <a:rPr lang="en-US"/>
+              <a:rPr lang="en-US" smtClean="0"/>
               <a:t>Third level</a:t>
             </a:r>
           </a:p>
           <a:p>
             <a:pPr lvl="3"/>
             <a:r>
-              <a:rPr lang="en-US"/>
+              <a:rPr lang="en-US" smtClean="0"/>
               <a:t>Fourth level</a:t>
             </a:r>
           </a:p>
           <a:p>
             <a:pPr lvl="4"/>
             <a:r>
-              <a:rPr lang="en-US"/>
+              <a:rPr lang="en-US" smtClean="0"/>
               <a:t>Fifth level</a:t>
             </a:r>
+            <a:endParaRPr lang="en-US"/>
           </a:p>
         </p:txBody>
       </p:sp>
@@ -6855,7 +6781,7 @@
           <a:p>
             <a:pPr lvl="0"/>
             <a:r>
-              <a:rPr lang="en-US"/>
+              <a:rPr lang="en-US" smtClean="0"/>
               <a:t>Click to edit Master text styles</a:t>
             </a:r>
           </a:p>
@@ -6878,7 +6804,7 @@
           <a:p>
             <a:fld id="{AC0FE2FB-E465-BA4A-ADDB-9C5DA3362E28}" type="datetimeFigureOut">
               <a:rPr lang="en-US" smtClean="0"/>
-              <a:t>9/17/19</a:t>
+              <a:t>9/16/18</a:t>
             </a:fld>
             <a:endParaRPr lang="en-US"/>
           </a:p>
@@ -6981,9 +6907,10 @@
           </a:lstStyle>
           <a:p>
             <a:r>
-              <a:rPr lang="en-US"/>
+              <a:rPr lang="en-US" smtClean="0"/>
               <a:t>Click to edit Master title style</a:t>
             </a:r>
+            <a:endParaRPr lang="en-US"/>
           </a:p>
         </p:txBody>
       </p:sp>
@@ -7107,7 +7034,7 @@
           <a:p>
             <a:pPr lvl="0"/>
             <a:r>
-              <a:rPr lang="en-US"/>
+              <a:rPr lang="en-US" smtClean="0"/>
               <a:t>Click to edit Master text styles</a:t>
             </a:r>
           </a:p>
@@ -7130,7 +7057,7 @@
           <a:p>
             <a:fld id="{AC0FE2FB-E465-BA4A-ADDB-9C5DA3362E28}" type="datetimeFigureOut">
               <a:rPr lang="en-US" smtClean="0"/>
-              <a:t>9/17/19</a:t>
+              <a:t>9/16/18</a:t>
             </a:fld>
             <a:endParaRPr lang="en-US"/>
           </a:p>
@@ -7239,9 +7166,10 @@
           <a:lstStyle/>
           <a:p>
             <a:r>
-              <a:rPr lang="en-US"/>
+              <a:rPr lang="en-US" smtClean="0"/>
               <a:t>Click to edit Master title style</a:t>
             </a:r>
+            <a:endParaRPr lang="en-US"/>
           </a:p>
         </p:txBody>
       </p:sp>
@@ -7272,37 +7200,38 @@
           <a:p>
             <a:pPr lvl="0"/>
             <a:r>
-              <a:rPr lang="en-US"/>
+              <a:rPr lang="en-US" smtClean="0"/>
               <a:t>Click to edit Master text styles</a:t>
             </a:r>
           </a:p>
           <a:p>
             <a:pPr lvl="1"/>
             <a:r>
-              <a:rPr lang="en-US"/>
+              <a:rPr lang="en-US" smtClean="0"/>
               <a:t>Second level</a:t>
             </a:r>
           </a:p>
           <a:p>
             <a:pPr lvl="2"/>
             <a:r>
-              <a:rPr lang="en-US"/>
+              <a:rPr lang="en-US" smtClean="0"/>
               <a:t>Third level</a:t>
             </a:r>
           </a:p>
           <a:p>
             <a:pPr lvl="3"/>
             <a:r>
-              <a:rPr lang="en-US"/>
+              <a:rPr lang="en-US" smtClean="0"/>
               <a:t>Fourth level</a:t>
             </a:r>
           </a:p>
           <a:p>
             <a:pPr lvl="4"/>
             <a:r>
-              <a:rPr lang="en-US"/>
+              <a:rPr lang="en-US" smtClean="0"/>
               <a:t>Fifth level</a:t>
             </a:r>
+            <a:endParaRPr lang="en-US"/>
           </a:p>
         </p:txBody>
       </p:sp>
@@ -7341,7 +7270,7 @@
           <a:p>
             <a:fld id="{AC0FE2FB-E465-BA4A-ADDB-9C5DA3362E28}" type="datetimeFigureOut">
               <a:rPr lang="en-US" smtClean="0"/>
-              <a:t>9/17/19</a:t>
+              <a:t>9/16/18</a:t>
             </a:fld>
             <a:endParaRPr lang="en-US"/>
           </a:p>
@@ -7739,28 +7668,48 @@
           <a:lstStyle/>
           <a:p>
             <a:r>
-              <a:rPr lang="en-US" dirty="0"/>
+              <a:rPr lang="en-US" dirty="0" smtClean="0"/>
               <a:t>Welcome to Unit 1</a:t>
             </a:r>
             <a:br>
-              <a:rPr lang="en-US" dirty="0"/>
+              <a:rPr lang="en-US" dirty="0" smtClean="0"/>
             </a:br>
+            <a:r>
+              <a:rPr lang="en-US" dirty="0" smtClean="0"/>
+              <a:t/>
+            </a:r>
             <a:br>
-              <a:rPr lang="en-US" dirty="0"/>
+              <a:rPr lang="en-US" dirty="0" smtClean="0"/>
             </a:br>
             <a:r>
+              <a:rPr lang="en-US" b="1" dirty="0" smtClean="0"/>
+              <a:t>Intro </a:t>
+            </a:r>
+            <a:r>
+              <a:rPr lang="en-US" b="1" dirty="0" smtClean="0"/>
+              <a:t>to Text </a:t>
+            </a:r>
+            <a:r>
               <a:rPr lang="en-US" b="1" dirty="0"/>
-              <a:t>Intro to Text Analysis</a:t>
+              <a:t>Analysis</a:t>
             </a:r>
             <a:br>
               <a:rPr lang="en-US" b="1" dirty="0"/>
             </a:br>
+            <a:r>
+              <a:rPr lang="en-US" dirty="0" smtClean="0"/>
+              <a:t/>
+            </a:r>
             <a:br>
+              <a:rPr lang="en-US" dirty="0" smtClean="0"/>
+            </a:br>
+            <a:r>
+              <a:rPr lang="en-US" dirty="0" smtClean="0"/>
+              <a:t>Or</a:t>
+            </a:r>
+            <a:r>
               <a:rPr lang="en-US" dirty="0"/>
-            </a:br>
-            <a:r>
-              <a:rPr lang="en-US" dirty="0"/>
-              <a:t>Or, Four Ways of Reading a Text</a:t>
+              <a:t>, Four Ways of Reading a Text</a:t>
             </a:r>
             <a:br>
               <a:rPr lang="en-US" dirty="0"/>
@@ -7792,48 +7741,51 @@
           <a:lstStyle/>
           <a:p>
             <a:r>
-              <a:rPr lang="en-US" dirty="0"/>
+              <a:rPr lang="en-US" dirty="0" smtClean="0"/>
               <a:t>Delivered/Adapted: Prof. Mackenzie Brooks</a:t>
             </a:r>
           </a:p>
           <a:p>
             <a:r>
-              <a:rPr lang="en-US" dirty="0"/>
+              <a:rPr lang="en-US" dirty="0" smtClean="0"/>
               <a:t>DCI 102: Data in the Humanities </a:t>
             </a:r>
           </a:p>
           <a:p>
             <a:r>
-              <a:rPr lang="en-US"/>
-              <a:t>September 17, 2019</a:t>
-            </a:r>
-            <a:endParaRPr lang="en-US" dirty="0"/>
-          </a:p>
-          <a:p>
-            <a:r>
-              <a:rPr lang="en-US" dirty="0"/>
+              <a:rPr lang="en-US" dirty="0" smtClean="0"/>
+              <a:t>September 18, 2018</a:t>
+            </a:r>
+          </a:p>
+          <a:p>
+            <a:r>
+              <a:rPr lang="en-US" dirty="0" smtClean="0"/>
               <a:t>Created by </a:t>
             </a:r>
             <a:r>
-              <a:rPr lang="en-US" dirty="0">
+              <a:rPr lang="en-US" dirty="0" smtClean="0">
                 <a:hlinkClick r:id="rId2"/>
               </a:rPr>
               <a:t>Dr. Brandon Walsh</a:t>
             </a:r>
             <a:r>
               <a:rPr lang="en-US" dirty="0"/>
-              <a:t> // </a:t>
-            </a:r>
-            <a:r>
-              <a:rPr lang="en-US" dirty="0">
+              <a:t> </a:t>
+            </a:r>
+            <a:r>
+              <a:rPr lang="en-US" dirty="0" smtClean="0"/>
+              <a:t>// </a:t>
+            </a:r>
+            <a:r>
+              <a:rPr lang="en-US" dirty="0" smtClean="0">
                 <a:hlinkClick r:id="rId3"/>
               </a:rPr>
               <a:t>CC-BY</a:t>
             </a:r>
-            <a:endParaRPr lang="en-US" dirty="0"/>
-          </a:p>
-          <a:p>
-            <a:endParaRPr lang="en-US" dirty="0"/>
+            <a:endParaRPr lang="en-US" dirty="0" smtClean="0"/>
+          </a:p>
+          <a:p>
+            <a:endParaRPr lang="en-US" dirty="0" smtClean="0"/>
           </a:p>
         </p:txBody>
       </p:sp>
@@ -7847,6 +7799,13 @@
   <p:clrMapOvr>
     <a:masterClrMapping/>
   </p:clrMapOvr>
+  <p:timing>
+    <p:tnLst>
+      <p:par>
+        <p:cTn xmlns:p14="http://schemas.microsoft.com/office/powerpoint/2010/main" id="1" dur="indefinite" restart="never" nodeType="tmRoot"/>
+      </p:par>
+    </p:tnLst>
+  </p:timing>
 </p:sld>
 </file>
 
@@ -7883,45 +7842,51 @@
           <a:lstStyle/>
           <a:p>
             <a:r>
+              <a:rPr lang="en-US" dirty="0" smtClean="0"/>
+              <a:t>2. Bag of Words</a:t>
+            </a:r>
+            <a:endParaRPr lang="en-US" dirty="0"/>
+          </a:p>
+        </p:txBody>
+      </p:sp>
+      <p:sp>
+        <p:nvSpPr>
+          <p:cNvPr id="3" name="Content Placeholder 2"/>
+          <p:cNvSpPr>
+            <a:spLocks noGrp="1"/>
+          </p:cNvSpPr>
+          <p:nvPr>
+            <p:ph idx="1"/>
+          </p:nvPr>
+        </p:nvSpPr>
+        <p:spPr/>
+        <p:txBody>
+          <a:bodyPr/>
+          <a:lstStyle/>
+          <a:p>
+            <a:r>
               <a:rPr lang="en-US" dirty="0"/>
-              <a:t>2. Bag of Words</a:t>
-            </a:r>
-          </a:p>
-        </p:txBody>
-      </p:sp>
-      <p:sp>
-        <p:nvSpPr>
-          <p:cNvPr id="3" name="Content Placeholder 2"/>
-          <p:cNvSpPr>
-            <a:spLocks noGrp="1"/>
-          </p:cNvSpPr>
-          <p:nvPr>
-            <p:ph idx="1"/>
-          </p:nvPr>
-        </p:nvSpPr>
-        <p:spPr/>
-        <p:txBody>
-          <a:bodyPr/>
-          <a:lstStyle/>
-          <a:p>
-            <a:r>
-              <a:rPr lang="en-US" dirty="0"/>
-              <a:t>Expand the </a:t>
-            </a:r>
-            <a:r>
-              <a:rPr lang="en-US" dirty="0" err="1"/>
+              <a:t>E</a:t>
+            </a:r>
+            <a:r>
+              <a:rPr lang="en-US" dirty="0" smtClean="0"/>
+              <a:t>xpand the </a:t>
+            </a:r>
+            <a:r>
+              <a:rPr lang="en-US" dirty="0" err="1" smtClean="0"/>
               <a:t>BoW</a:t>
             </a:r>
             <a:r>
-              <a:rPr lang="en-US" dirty="0"/>
+              <a:rPr lang="en-US" dirty="0" smtClean="0"/>
               <a:t> model to include this sentence:</a:t>
             </a:r>
           </a:p>
           <a:p>
             <a:r>
-              <a:rPr lang="en-US" dirty="0"/>
+              <a:rPr lang="en-US" dirty="0" smtClean="0"/>
               <a:t>Sentence C: "I am Dave"</a:t>
             </a:r>
+            <a:endParaRPr lang="en-US" dirty="0"/>
           </a:p>
         </p:txBody>
       </p:sp>
@@ -7935,6 +7900,13 @@
   <p:clrMapOvr>
     <a:masterClrMapping/>
   </p:clrMapOvr>
+  <p:timing>
+    <p:tnLst>
+      <p:par>
+        <p:cTn xmlns:p14="http://schemas.microsoft.com/office/powerpoint/2010/main" id="1" dur="indefinite" restart="never" nodeType="tmRoot"/>
+      </p:par>
+    </p:tnLst>
+  </p:timing>
 </p:sld>
 </file>
 
@@ -7971,9 +7943,10 @@
           <a:lstStyle/>
           <a:p>
             <a:r>
-              <a:rPr lang="en-US" dirty="0"/>
+              <a:rPr lang="en-US" dirty="0" smtClean="0"/>
               <a:t>2. Bag of Words</a:t>
             </a:r>
+            <a:endParaRPr lang="en-US" dirty="0"/>
           </a:p>
         </p:txBody>
       </p:sp>
@@ -7998,7 +7971,7 @@
               <a:buNone/>
             </a:pPr>
             <a:r>
-              <a:rPr lang="en-US" dirty="0"/>
+              <a:rPr lang="en-US" dirty="0" smtClean="0"/>
               <a:t>Words in Corpus</a:t>
             </a:r>
           </a:p>
@@ -8006,14 +7979,14 @@
             <a:pPr marL="0" indent="0">
               <a:buNone/>
             </a:pPr>
-            <a:endParaRPr lang="en-US" dirty="0"/>
+            <a:endParaRPr lang="en-US" dirty="0" smtClean="0"/>
           </a:p>
           <a:p>
             <a:pPr marL="0" indent="0">
               <a:buNone/>
             </a:pPr>
             <a:r>
-              <a:rPr lang="en-US" dirty="0"/>
+              <a:rPr lang="en-US" dirty="0" smtClean="0"/>
               <a:t>[</a:t>
             </a:r>
           </a:p>
@@ -8022,7 +7995,7 @@
               <a:buNone/>
             </a:pPr>
             <a:r>
-              <a:rPr lang="en-US" dirty="0"/>
+              <a:rPr lang="en-US" dirty="0" smtClean="0"/>
               <a:t> "Barbara",</a:t>
             </a:r>
           </a:p>
@@ -8031,7 +8004,7 @@
               <a:buNone/>
             </a:pPr>
             <a:r>
-              <a:rPr lang="en-US" dirty="0"/>
+              <a:rPr lang="en-US" dirty="0" smtClean="0"/>
               <a:t> "is",</a:t>
             </a:r>
           </a:p>
@@ -8040,7 +8013,7 @@
               <a:buNone/>
             </a:pPr>
             <a:r>
-              <a:rPr lang="en-US" dirty="0"/>
+              <a:rPr lang="en-US" dirty="0" smtClean="0"/>
               <a:t> "doing",</a:t>
             </a:r>
           </a:p>
@@ -8049,7 +8022,7 @@
               <a:buNone/>
             </a:pPr>
             <a:r>
-              <a:rPr lang="en-US" dirty="0"/>
+              <a:rPr lang="en-US" dirty="0" smtClean="0"/>
               <a:t> "fine",</a:t>
             </a:r>
           </a:p>
@@ -8058,7 +8031,7 @@
               <a:buNone/>
             </a:pPr>
             <a:r>
-              <a:rPr lang="en-US" dirty="0"/>
+              <a:rPr lang="en-US" dirty="0" smtClean="0"/>
               <a:t> "thank",</a:t>
             </a:r>
           </a:p>
@@ -8067,7 +8040,7 @@
               <a:buNone/>
             </a:pPr>
             <a:r>
-              <a:rPr lang="en-US" dirty="0"/>
+              <a:rPr lang="en-US" dirty="0" smtClean="0"/>
               <a:t> "you",</a:t>
             </a:r>
           </a:p>
@@ -8076,7 +8049,7 @@
               <a:buNone/>
             </a:pPr>
             <a:r>
-              <a:rPr lang="en-US" dirty="0"/>
+              <a:rPr lang="en-US" dirty="0" smtClean="0"/>
               <a:t> "Dave,</a:t>
             </a:r>
           </a:p>
@@ -8085,7 +8058,7 @@
               <a:buNone/>
             </a:pPr>
             <a:r>
-              <a:rPr lang="en-US" dirty="0"/>
+              <a:rPr lang="en-US" dirty="0" smtClean="0"/>
               <a:t> "I",</a:t>
             </a:r>
           </a:p>
@@ -8094,7 +8067,7 @@
               <a:buNone/>
             </a:pPr>
             <a:r>
-              <a:rPr lang="en-US" dirty="0"/>
+              <a:rPr lang="en-US" dirty="0" smtClean="0"/>
               <a:t> "am"</a:t>
             </a:r>
           </a:p>
@@ -8103,7 +8076,7 @@
               <a:buNone/>
             </a:pPr>
             <a:r>
-              <a:rPr lang="en-US" dirty="0"/>
+              <a:rPr lang="en-US" dirty="0" smtClean="0"/>
               <a:t>]</a:t>
             </a:r>
           </a:p>
@@ -8132,64 +8105,64 @@
           <a:lstStyle/>
           <a:p>
             <a:r>
-              <a:rPr lang="en-US" sz="2500" dirty="0"/>
+              <a:rPr lang="en-US" sz="2500" dirty="0" smtClean="0"/>
               <a:t>Sentence A: </a:t>
             </a:r>
           </a:p>
           <a:p>
             <a:r>
-              <a:rPr lang="en-US" sz="2500" dirty="0"/>
+              <a:rPr lang="en-US" sz="2500" dirty="0" smtClean="0"/>
               <a:t>"Barbara is doing fine, thank you."</a:t>
             </a:r>
           </a:p>
           <a:p>
             <a:r>
-              <a:rPr lang="en-US" sz="2500" dirty="0"/>
+              <a:rPr lang="en-US" sz="2500" dirty="0" smtClean="0"/>
               <a:t>Sentence B: </a:t>
             </a:r>
           </a:p>
           <a:p>
             <a:r>
-              <a:rPr lang="en-US" sz="2500" dirty="0"/>
+              <a:rPr lang="en-US" sz="2500" dirty="0" smtClean="0"/>
               <a:t>"Thank you, Dave. I am doing fine.”</a:t>
             </a:r>
           </a:p>
           <a:p>
             <a:r>
-              <a:rPr lang="en-US" sz="2500" dirty="0"/>
+              <a:rPr lang="en-US" sz="2500" dirty="0" smtClean="0"/>
               <a:t>Sentence C:</a:t>
             </a:r>
           </a:p>
           <a:p>
             <a:r>
-              <a:rPr lang="en-US" sz="2500" dirty="0"/>
+              <a:rPr lang="en-US" sz="2500" dirty="0" smtClean="0"/>
               <a:t>“I am Dave.”</a:t>
             </a:r>
           </a:p>
           <a:p>
-            <a:endParaRPr lang="en-US" sz="2500" dirty="0"/>
-          </a:p>
-          <a:p>
-            <a:r>
-              <a:rPr lang="en-US" sz="2500" dirty="0"/>
+            <a:endParaRPr lang="en-US" sz="2500" dirty="0" smtClean="0"/>
+          </a:p>
+          <a:p>
+            <a:r>
+              <a:rPr lang="en-US" sz="2500" dirty="0" smtClean="0"/>
               <a:t>Counts for Sentences</a:t>
             </a:r>
           </a:p>
           <a:p>
             <a:r>
-              <a:rPr lang="en-US" sz="2500" dirty="0"/>
+              <a:rPr lang="en-US" sz="2500" dirty="0" smtClean="0"/>
               <a:t>A: [1, 1, 1, 1, 1, 1, 0, 0, 0]</a:t>
             </a:r>
           </a:p>
           <a:p>
             <a:r>
-              <a:rPr lang="en-US" sz="2500" dirty="0"/>
+              <a:rPr lang="en-US" sz="2500" dirty="0" smtClean="0"/>
               <a:t>B: [0, 0, 1, 1, 1, 1, 1, 1, 1]</a:t>
             </a:r>
           </a:p>
           <a:p>
             <a:r>
-              <a:rPr lang="en-US" sz="2500" dirty="0"/>
+              <a:rPr lang="en-US" sz="2500" dirty="0" smtClean="0"/>
               <a:t>C: [0, 0, 0, 0, 0, 0, 1, 1, 1]</a:t>
             </a:r>
           </a:p>
@@ -8244,9 +8217,10 @@
           <a:lstStyle/>
           <a:p>
             <a:r>
-              <a:rPr lang="en-US" dirty="0"/>
+              <a:rPr lang="en-US" dirty="0" smtClean="0"/>
               <a:t>2. Bag of Words</a:t>
             </a:r>
+            <a:endParaRPr lang="en-US" dirty="0"/>
           </a:p>
         </p:txBody>
       </p:sp>
@@ -8268,33 +8242,39 @@
           <a:lstStyle/>
           <a:p>
             <a:r>
-              <a:rPr lang="en-US" dirty="0"/>
+              <a:rPr lang="en-US" dirty="0" smtClean="0"/>
               <a:t>Take the paragraph in front of you from the Programming Historian on Mallet. </a:t>
             </a:r>
           </a:p>
           <a:p>
             <a:r>
-              <a:rPr lang="en-US" dirty="0"/>
-              <a:t>With a partner, make a bag of words model for it that includes counts for the number of times each word appears.</a:t>
-            </a:r>
-          </a:p>
-          <a:p>
-            <a:r>
-              <a:rPr lang="en-US" dirty="0"/>
+              <a:rPr lang="en-US" dirty="0" smtClean="0"/>
+              <a:t>With a partner, make a bag of words model for it that includes </a:t>
+            </a:r>
+            <a:r>
+              <a:rPr lang="en-US" dirty="0" smtClean="0"/>
+              <a:t>counts for the number of times each word appears.</a:t>
+            </a:r>
+            <a:endParaRPr lang="en-US" dirty="0" smtClean="0"/>
+          </a:p>
+          <a:p>
+            <a:r>
+              <a:rPr lang="en-US" dirty="0" smtClean="0"/>
               <a:t>Probably easiest to start a list of words on a separate sheet of paper. </a:t>
             </a:r>
           </a:p>
           <a:p>
             <a:r>
-              <a:rPr lang="en-US" dirty="0"/>
+              <a:rPr lang="en-US" dirty="0" smtClean="0"/>
               <a:t>When you get a new word, add it to the list and count up the number of times it occurs. Cross out all instances of that word in the paragraph and move onto the next one.</a:t>
             </a:r>
           </a:p>
           <a:p>
             <a:r>
-              <a:rPr lang="en-US" dirty="0"/>
+              <a:rPr lang="en-US" dirty="0" smtClean="0"/>
               <a:t>At the end, order them by frequency.</a:t>
             </a:r>
+            <a:endParaRPr lang="en-US" dirty="0"/>
           </a:p>
         </p:txBody>
       </p:sp>
@@ -8344,9 +8324,10 @@
           <a:lstStyle/>
           <a:p>
             <a:r>
-              <a:rPr lang="en-US" dirty="0"/>
+              <a:rPr lang="en-US" dirty="0" smtClean="0"/>
               <a:t>2. Bag of Words</a:t>
             </a:r>
+            <a:endParaRPr lang="en-US" dirty="0"/>
           </a:p>
         </p:txBody>
       </p:sp>
@@ -8371,7 +8352,7 @@
               <a:buNone/>
             </a:pPr>
             <a:r>
-              <a:rPr lang="nl-NL" dirty="0"/>
+              <a:rPr lang="nl-NL" dirty="0" smtClean="0"/>
               <a:t>[('the', 6), ('.', 5), ('to', 5), ('will', 4), (',', 4), ('and', 4), ('MALLET', 4), ('of', 3), ('in', 3), ('a', 3), ('on', 3), ('topic', 2), ('you', 2), ('how', 2), ('that', 2), ('with', 2), ('it', 2), ('so', 2), ('learn', 2), ('your', 2), ('(', 2), (')', 2), ('first', 1), ('used', 1), ('reading', 1), ('idea', 1), ('natural', 1), ('an', 1), ('program', 1), ('computer', 1), ('us', 1), ('or', 1), ('files', 1), ('always', 1), ('language', 1), ('lesson', 1), ('This', 1), ('working', 1), ('rather', 1), ('than', 1), ('manually', 1), ('where', 1), ('short-cut', 1), ('look', 1), ('You', 1), ('might', 1), ('can', 1), ('identify', 1), ('do', 1), ('at', 1), ('texts', 1), ('give', 1), ('found', 1), ('want', 1), ('clicking', 1), ('example', 1), ('by', 1), ('find', 1), ('them', 1), ('toolkit', 1), ('corpus', 1), ('then', 1), ('be', 1), ('why', 1), ('line', 1), ('kinds', 1), ('employ', 1), ('outputs', 1), ('variable', 1), ('modeller', 1), ('install', 1), ('without', 1), ('up', 1), ('good', 1), ('We', 1), ('setting', 1), ('ie', 1), ('some', 1), ('modifying', 1), ('typing', 1), ('menus', 1), ('documents', 1), ('is', 1), ('environment', 1), ('research', 1), ('what', 1), ('commands', 1), ('icons', 1), ('this', 1), ('command', 1), ('In', 1), ('knows', 1), ('run', 1), ('topics', 1), ('processing', 1), ('modeling', 1), ('work', 1), ('individually', 1), ('involves', 1), ('essentially', 1)]</a:t>
             </a:r>
             <a:endParaRPr lang="en-US" dirty="0"/>
@@ -8425,8 +8406,13 @@
           <a:p>
             <a:r>
               <a:rPr lang="en-US" dirty="0"/>
-              <a:t>2. Bag of Words</a:t>
-            </a:r>
+              <a:t>2</a:t>
+            </a:r>
+            <a:r>
+              <a:rPr lang="en-US" dirty="0" smtClean="0"/>
+              <a:t>. Bag of Words</a:t>
+            </a:r>
+            <a:endParaRPr lang="en-US" dirty="0"/>
           </a:p>
         </p:txBody>
       </p:sp>
@@ -8446,33 +8432,34 @@
           <a:lstStyle/>
           <a:p>
             <a:r>
-              <a:rPr lang="en-US" dirty="0"/>
+              <a:rPr lang="en-US" dirty="0" smtClean="0"/>
               <a:t>Lose Context</a:t>
             </a:r>
           </a:p>
           <a:p>
             <a:r>
-              <a:rPr lang="en-US" dirty="0"/>
+              <a:rPr lang="en-US" dirty="0" smtClean="0"/>
               <a:t>You wouldn’t want to do this by hand (I cheated and did this with a computer).</a:t>
             </a:r>
           </a:p>
           <a:p>
             <a:r>
-              <a:rPr lang="en-US" dirty="0"/>
+              <a:rPr lang="en-US" dirty="0" smtClean="0"/>
               <a:t>But now computers can interact with texts.</a:t>
             </a:r>
           </a:p>
           <a:p>
             <a:r>
-              <a:rPr lang="en-US" dirty="0"/>
+              <a:rPr lang="en-US" dirty="0" smtClean="0"/>
               <a:t>Computers are dumb, but they’re good at math.</a:t>
             </a:r>
           </a:p>
           <a:p>
             <a:r>
-              <a:rPr lang="en-US" dirty="0"/>
+              <a:rPr lang="en-US" dirty="0" smtClean="0"/>
               <a:t>We can use these counts to do interesting things.</a:t>
             </a:r>
+            <a:endParaRPr lang="en-US" dirty="0"/>
           </a:p>
         </p:txBody>
       </p:sp>
@@ -8522,9 +8509,10 @@
           <a:lstStyle/>
           <a:p>
             <a:r>
-              <a:rPr lang="en-US" dirty="0"/>
+              <a:rPr lang="en-US" dirty="0" smtClean="0"/>
               <a:t>2. Bag of Words</a:t>
             </a:r>
+            <a:endParaRPr lang="en-US" dirty="0"/>
           </a:p>
         </p:txBody>
       </p:sp>
@@ -8549,7 +8537,7 @@
               <a:buNone/>
             </a:pPr>
             <a:r>
-              <a:rPr lang="en-US" dirty="0"/>
+              <a:rPr lang="en-US" dirty="0" smtClean="0"/>
               <a:t>Words in Corpus</a:t>
             </a:r>
           </a:p>
@@ -8557,14 +8545,14 @@
             <a:pPr marL="0" indent="0">
               <a:buNone/>
             </a:pPr>
-            <a:endParaRPr lang="en-US" dirty="0"/>
+            <a:endParaRPr lang="en-US" dirty="0" smtClean="0"/>
           </a:p>
           <a:p>
             <a:pPr marL="0" indent="0">
               <a:buNone/>
             </a:pPr>
             <a:r>
-              <a:rPr lang="en-US" dirty="0"/>
+              <a:rPr lang="en-US" dirty="0" smtClean="0"/>
               <a:t>[</a:t>
             </a:r>
           </a:p>
@@ -8573,7 +8561,7 @@
               <a:buNone/>
             </a:pPr>
             <a:r>
-              <a:rPr lang="en-US" dirty="0"/>
+              <a:rPr lang="en-US" dirty="0" smtClean="0"/>
               <a:t> "Barbara",</a:t>
             </a:r>
           </a:p>
@@ -8582,7 +8570,7 @@
               <a:buNone/>
             </a:pPr>
             <a:r>
-              <a:rPr lang="en-US" dirty="0"/>
+              <a:rPr lang="en-US" dirty="0" smtClean="0"/>
               <a:t> "is",</a:t>
             </a:r>
           </a:p>
@@ -8591,7 +8579,7 @@
               <a:buNone/>
             </a:pPr>
             <a:r>
-              <a:rPr lang="en-US" dirty="0"/>
+              <a:rPr lang="en-US" dirty="0" smtClean="0"/>
               <a:t> "doing",</a:t>
             </a:r>
           </a:p>
@@ -8600,7 +8588,7 @@
               <a:buNone/>
             </a:pPr>
             <a:r>
-              <a:rPr lang="en-US" dirty="0"/>
+              <a:rPr lang="en-US" dirty="0" smtClean="0"/>
               <a:t> "fine",</a:t>
             </a:r>
           </a:p>
@@ -8609,7 +8597,7 @@
               <a:buNone/>
             </a:pPr>
             <a:r>
-              <a:rPr lang="en-US" dirty="0"/>
+              <a:rPr lang="en-US" dirty="0" smtClean="0"/>
               <a:t> "thank",</a:t>
             </a:r>
           </a:p>
@@ -8618,7 +8606,7 @@
               <a:buNone/>
             </a:pPr>
             <a:r>
-              <a:rPr lang="en-US" dirty="0"/>
+              <a:rPr lang="en-US" dirty="0" smtClean="0"/>
               <a:t> "you",</a:t>
             </a:r>
           </a:p>
@@ -8627,7 +8615,7 @@
               <a:buNone/>
             </a:pPr>
             <a:r>
-              <a:rPr lang="en-US" dirty="0"/>
+              <a:rPr lang="en-US" dirty="0" smtClean="0"/>
               <a:t> "Dave,</a:t>
             </a:r>
           </a:p>
@@ -8636,7 +8624,7 @@
               <a:buNone/>
             </a:pPr>
             <a:r>
-              <a:rPr lang="en-US" dirty="0"/>
+              <a:rPr lang="en-US" dirty="0" smtClean="0"/>
               <a:t> "I",</a:t>
             </a:r>
           </a:p>
@@ -8645,7 +8633,7 @@
               <a:buNone/>
             </a:pPr>
             <a:r>
-              <a:rPr lang="en-US" dirty="0"/>
+              <a:rPr lang="en-US" dirty="0" smtClean="0"/>
               <a:t> "am"</a:t>
             </a:r>
           </a:p>
@@ -8654,7 +8642,7 @@
               <a:buNone/>
             </a:pPr>
             <a:r>
-              <a:rPr lang="en-US" dirty="0"/>
+              <a:rPr lang="en-US" dirty="0" smtClean="0"/>
               <a:t>]</a:t>
             </a:r>
           </a:p>
@@ -8683,64 +8671,64 @@
           <a:lstStyle/>
           <a:p>
             <a:r>
-              <a:rPr lang="en-US" sz="2500" dirty="0"/>
+              <a:rPr lang="en-US" sz="2500" dirty="0" smtClean="0"/>
               <a:t>Sentence A: </a:t>
             </a:r>
           </a:p>
           <a:p>
             <a:r>
-              <a:rPr lang="en-US" sz="2500" dirty="0"/>
+              <a:rPr lang="en-US" sz="2500" dirty="0" smtClean="0"/>
               <a:t>"Barbara is doing fine, thank you."</a:t>
             </a:r>
           </a:p>
           <a:p>
             <a:r>
-              <a:rPr lang="en-US" sz="2500" dirty="0"/>
+              <a:rPr lang="en-US" sz="2500" dirty="0" smtClean="0"/>
               <a:t>Sentence B: </a:t>
             </a:r>
           </a:p>
           <a:p>
             <a:r>
-              <a:rPr lang="en-US" sz="2500" dirty="0"/>
+              <a:rPr lang="en-US" sz="2500" dirty="0" smtClean="0"/>
               <a:t>"Thank you, Dave. I am doing fine.”</a:t>
             </a:r>
           </a:p>
           <a:p>
             <a:r>
-              <a:rPr lang="en-US" sz="2500" dirty="0"/>
+              <a:rPr lang="en-US" sz="2500" dirty="0" smtClean="0"/>
               <a:t>Sentence C:</a:t>
             </a:r>
           </a:p>
           <a:p>
             <a:r>
-              <a:rPr lang="en-US" sz="2500" dirty="0"/>
+              <a:rPr lang="en-US" sz="2500" dirty="0" smtClean="0"/>
               <a:t>“I am Dave.”</a:t>
             </a:r>
           </a:p>
           <a:p>
-            <a:endParaRPr lang="en-US" sz="2500" dirty="0"/>
-          </a:p>
-          <a:p>
-            <a:r>
-              <a:rPr lang="en-US" sz="2500" dirty="0"/>
+            <a:endParaRPr lang="en-US" sz="2500" dirty="0" smtClean="0"/>
+          </a:p>
+          <a:p>
+            <a:r>
+              <a:rPr lang="en-US" sz="2500" dirty="0" smtClean="0"/>
               <a:t>Counts for Sentences</a:t>
             </a:r>
           </a:p>
           <a:p>
             <a:r>
-              <a:rPr lang="en-US" sz="2500" dirty="0"/>
+              <a:rPr lang="en-US" sz="2500" dirty="0" smtClean="0"/>
               <a:t>A: [1, 1, 1, 1, 1, 1, 0, 0, 0]</a:t>
             </a:r>
           </a:p>
           <a:p>
             <a:r>
-              <a:rPr lang="en-US" sz="2500" dirty="0"/>
+              <a:rPr lang="en-US" sz="2500" dirty="0" smtClean="0"/>
               <a:t>B: [0, 0, 1, 1, 1, 1, 1, 1, 1]</a:t>
             </a:r>
           </a:p>
           <a:p>
             <a:r>
-              <a:rPr lang="en-US" sz="2500" dirty="0"/>
+              <a:rPr lang="en-US" sz="2500" dirty="0" smtClean="0"/>
               <a:t>C: [0, 0, 0, 0, 0, 0, 1, 1, 1]</a:t>
             </a:r>
           </a:p>
@@ -8795,9 +8783,10 @@
           <a:lstStyle/>
           <a:p>
             <a:r>
-              <a:rPr lang="en-US" dirty="0"/>
+              <a:rPr lang="en-US" dirty="0" smtClean="0"/>
               <a:t>2. Bag of Words</a:t>
             </a:r>
+            <a:endParaRPr lang="en-US" dirty="0"/>
           </a:p>
         </p:txBody>
       </p:sp>
@@ -8822,7 +8811,7 @@
               <a:buNone/>
             </a:pPr>
             <a:r>
-              <a:rPr lang="en-US" dirty="0"/>
+              <a:rPr lang="en-US" dirty="0" smtClean="0"/>
               <a:t>Sentence A: </a:t>
             </a:r>
           </a:p>
@@ -8831,7 +8820,7 @@
               <a:buNone/>
             </a:pPr>
             <a:r>
-              <a:rPr lang="en-US" dirty="0"/>
+              <a:rPr lang="en-US" dirty="0" smtClean="0"/>
               <a:t>	"Barbara is doing fine, thank you."</a:t>
             </a:r>
           </a:p>
@@ -8840,7 +8829,7 @@
               <a:buNone/>
             </a:pPr>
             <a:r>
-              <a:rPr lang="en-US" dirty="0"/>
+              <a:rPr lang="en-US" dirty="0" smtClean="0"/>
               <a:t>Sentence B: </a:t>
             </a:r>
           </a:p>
@@ -8849,7 +8838,7 @@
               <a:buNone/>
             </a:pPr>
             <a:r>
-              <a:rPr lang="en-US" dirty="0"/>
+              <a:rPr lang="en-US" dirty="0" smtClean="0"/>
               <a:t>	"Thank you, Dave. I am doing fine.”</a:t>
             </a:r>
           </a:p>
@@ -8858,7 +8847,7 @@
               <a:buNone/>
             </a:pPr>
             <a:r>
-              <a:rPr lang="en-US" dirty="0"/>
+              <a:rPr lang="en-US" dirty="0" smtClean="0"/>
               <a:t>Sentence C:</a:t>
             </a:r>
           </a:p>
@@ -8867,7 +8856,7 @@
               <a:buNone/>
             </a:pPr>
             <a:r>
-              <a:rPr lang="en-US" dirty="0"/>
+              <a:rPr lang="en-US" dirty="0" smtClean="0"/>
               <a:t>	“I am Dave.”</a:t>
             </a:r>
           </a:p>
@@ -8882,7 +8871,7 @@
               <a:buNone/>
             </a:pPr>
             <a:r>
-              <a:rPr lang="en-US" dirty="0"/>
+              <a:rPr lang="en-US" dirty="0" smtClean="0"/>
               <a:t>Counts for Sentences</a:t>
             </a:r>
           </a:p>
@@ -8891,7 +8880,7 @@
               <a:buNone/>
             </a:pPr>
             <a:r>
-              <a:rPr lang="en-US" dirty="0"/>
+              <a:rPr lang="en-US" dirty="0" smtClean="0"/>
               <a:t>A: [1, 1, 1, 1, 1, 1, 0, 0, 0]</a:t>
             </a:r>
           </a:p>
@@ -8900,7 +8889,7 @@
               <a:buNone/>
             </a:pPr>
             <a:r>
-              <a:rPr lang="en-US" dirty="0"/>
+              <a:rPr lang="en-US" dirty="0" smtClean="0"/>
               <a:t>B: [0, 0, 1, 1, 1, 1, 1, 1, 1]</a:t>
             </a:r>
           </a:p>
@@ -8909,7 +8898,7 @@
               <a:buNone/>
             </a:pPr>
             <a:r>
-              <a:rPr lang="en-US" dirty="0"/>
+              <a:rPr lang="en-US" dirty="0" smtClean="0"/>
               <a:t>C: [0, 0, 0, 0, 0, 0, 1, 1, 1]</a:t>
             </a:r>
           </a:p>
@@ -8991,84 +8980,114 @@
               <a:buNone/>
             </a:pPr>
             <a:r>
+              <a:rPr lang="en-US" dirty="0" smtClean="0"/>
+              <a:t>A: [1, 1, 1, 1, 1, 1, 0, 0, 0]</a:t>
+            </a:r>
+          </a:p>
+          <a:p>
+            <a:pPr marL="0" indent="0">
+              <a:buNone/>
+            </a:pPr>
+            <a:r>
+              <a:rPr lang="en-US" dirty="0" smtClean="0"/>
+              <a:t>B: [0, 0, 1, 1, 1, 1, 1, 1, 1]</a:t>
+            </a:r>
+          </a:p>
+          <a:p>
+            <a:pPr marL="0" indent="0">
+              <a:buNone/>
+            </a:pPr>
+            <a:r>
+              <a:rPr lang="en-US" dirty="0" smtClean="0"/>
+              <a:t>C: [0, 0, 0, 0, 0, 0, 1, 1, 1]</a:t>
+            </a:r>
+          </a:p>
+          <a:p>
+            <a:pPr marL="0" indent="0">
+              <a:buNone/>
+            </a:pPr>
+            <a:endParaRPr lang="en-US" dirty="0" smtClean="0"/>
+          </a:p>
+          <a:p>
+            <a:pPr marL="0" indent="0">
+              <a:buNone/>
+            </a:pPr>
+            <a:r>
+              <a:rPr lang="en-US" dirty="0" smtClean="0"/>
+              <a:t>A and C are inverses – share nothing.</a:t>
+            </a:r>
+          </a:p>
+          <a:p>
+            <a:pPr marL="0" indent="0">
+              <a:buNone/>
+            </a:pPr>
+            <a:r>
+              <a:rPr lang="en-US" dirty="0" smtClean="0"/>
+              <a:t>B shares 4 terms with A</a:t>
+            </a:r>
+          </a:p>
+          <a:p>
+            <a:pPr marL="0" indent="0">
+              <a:buNone/>
+            </a:pPr>
+            <a:r>
+              <a:rPr lang="en-US" dirty="0" smtClean="0"/>
+              <a:t>C shares </a:t>
+            </a:r>
+            <a:r>
+              <a:rPr lang="en-US" dirty="0" smtClean="0"/>
+              <a:t>3 </a:t>
+            </a:r>
+            <a:r>
+              <a:rPr lang="en-US" dirty="0" smtClean="0"/>
+              <a:t>terms with </a:t>
+            </a:r>
+            <a:r>
+              <a:rPr lang="en-US" dirty="0" smtClean="0"/>
+              <a:t>B</a:t>
+            </a:r>
+            <a:endParaRPr lang="en-US" dirty="0" smtClean="0"/>
+          </a:p>
+          <a:p>
+            <a:pPr marL="0" indent="0">
+              <a:buNone/>
+            </a:pPr>
+            <a:endParaRPr lang="en-US" dirty="0" smtClean="0"/>
+          </a:p>
+          <a:p>
+            <a:pPr marL="0" indent="0">
+              <a:buNone/>
+            </a:pPr>
+            <a:r>
+              <a:rPr lang="en-US" dirty="0" smtClean="0"/>
+              <a:t>Sentences Graphed by Similarity</a:t>
+            </a:r>
+          </a:p>
+          <a:p>
+            <a:pPr marL="0" indent="0">
+              <a:buNone/>
+            </a:pPr>
+            <a:r>
+              <a:rPr lang="en-US" dirty="0" smtClean="0"/>
+              <a:t>A----------</a:t>
+            </a:r>
+            <a:r>
               <a:rPr lang="en-US" dirty="0"/>
-              <a:t>A: [1, 1, 1, 1, 1, 1, 0, 0, 0]</a:t>
-            </a:r>
-          </a:p>
-          <a:p>
-            <a:pPr marL="0" indent="0">
-              <a:buNone/>
-            </a:pPr>
-            <a:r>
-              <a:rPr lang="en-US" dirty="0"/>
-              <a:t>B: [0, 0, 1, 1, 1, 1, 1, 1, 1]</a:t>
-            </a:r>
-          </a:p>
-          <a:p>
-            <a:pPr marL="0" indent="0">
-              <a:buNone/>
-            </a:pPr>
-            <a:r>
-              <a:rPr lang="en-US" dirty="0"/>
-              <a:t>C: [0, 0, 0, 0, 0, 0, 1, 1, 1]</a:t>
-            </a:r>
-          </a:p>
-          <a:p>
-            <a:pPr marL="0" indent="0">
-              <a:buNone/>
-            </a:pPr>
+              <a:t>-B-</a:t>
+            </a:r>
+            <a:r>
+              <a:rPr lang="en-US" dirty="0" smtClean="0"/>
+              <a:t>-----</a:t>
+            </a:r>
+            <a:r>
+              <a:rPr lang="en-US" dirty="0" smtClean="0"/>
+              <a:t>--</a:t>
+            </a:r>
+            <a:r>
+              <a:rPr lang="en-US" dirty="0" smtClean="0"/>
+              <a:t>---------C</a:t>
+            </a:r>
             <a:endParaRPr lang="en-US" dirty="0"/>
-          </a:p>
-          <a:p>
-            <a:pPr marL="0" indent="0">
-              <a:buNone/>
-            </a:pPr>
-            <a:r>
-              <a:rPr lang="en-US" dirty="0"/>
-              <a:t>A and C are inverses – share nothing.</a:t>
-            </a:r>
-          </a:p>
-          <a:p>
-            <a:pPr marL="0" indent="0">
-              <a:buNone/>
-            </a:pPr>
-            <a:r>
-              <a:rPr lang="en-US" dirty="0"/>
-              <a:t>B shares 4 terms with A</a:t>
-            </a:r>
-          </a:p>
-          <a:p>
-            <a:pPr marL="0" indent="0">
-              <a:buNone/>
-            </a:pPr>
-            <a:r>
-              <a:rPr lang="en-US" dirty="0"/>
-              <a:t>C shares 3 terms with B</a:t>
-            </a:r>
-          </a:p>
-          <a:p>
-            <a:pPr marL="0" indent="0">
-              <a:buNone/>
-            </a:pPr>
-            <a:endParaRPr lang="en-US" dirty="0"/>
-          </a:p>
-          <a:p>
-            <a:pPr marL="0" indent="0">
-              <a:buNone/>
-            </a:pPr>
-            <a:r>
-              <a:rPr lang="en-US" dirty="0"/>
-              <a:t>Sentences Graphed by Similarity</a:t>
-            </a:r>
-          </a:p>
-          <a:p>
-            <a:pPr marL="0" indent="0">
-              <a:buNone/>
-            </a:pPr>
-            <a:r>
-              <a:rPr lang="en-US" dirty="0"/>
-              <a:t>A-----------B-----------------C</a:t>
-            </a:r>
           </a:p>
         </p:txBody>
       </p:sp>
@@ -9118,11 +9137,11 @@
           <a:lstStyle/>
           <a:p>
             <a:r>
-              <a:rPr lang="en-US" dirty="0"/>
+              <a:rPr lang="en-US" dirty="0" smtClean="0"/>
               <a:t>Bag of Words in </a:t>
             </a:r>
             <a:r>
-              <a:rPr lang="en-US" dirty="0" err="1"/>
+              <a:rPr lang="en-US" dirty="0" err="1" smtClean="0"/>
               <a:t>Voyant</a:t>
             </a:r>
             <a:endParaRPr lang="en-US" dirty="0"/>
@@ -9232,11 +9251,11 @@
           <a:lstStyle/>
           <a:p>
             <a:r>
-              <a:rPr lang="en-US" dirty="0"/>
+              <a:rPr lang="en-US" dirty="0" smtClean="0"/>
               <a:t>Bag of Words in </a:t>
             </a:r>
             <a:r>
-              <a:rPr lang="en-US" dirty="0" err="1"/>
+              <a:rPr lang="en-US" dirty="0" err="1" smtClean="0"/>
               <a:t>Voyant</a:t>
             </a:r>
             <a:endParaRPr lang="en-US" dirty="0"/>
@@ -9313,9 +9332,10 @@
           <a:lstStyle/>
           <a:p>
             <a:r>
-              <a:rPr lang="en-US" dirty="0"/>
+              <a:rPr lang="en-US" dirty="0" smtClean="0"/>
               <a:t>Love Notes</a:t>
             </a:r>
+            <a:endParaRPr lang="en-US" dirty="0"/>
           </a:p>
         </p:txBody>
       </p:sp>
@@ -9340,27 +9360,35 @@
               <a:buNone/>
             </a:pPr>
             <a:r>
-              <a:rPr lang="en-US" dirty="0"/>
+              <a:rPr lang="en-US" dirty="0" smtClean="0"/>
               <a:t>Dear headphone jack, </a:t>
             </a:r>
             <a:br>
-              <a:rPr lang="en-US" dirty="0"/>
+              <a:rPr lang="en-US" dirty="0" smtClean="0"/>
             </a:br>
+            <a:r>
+              <a:rPr lang="en-US" dirty="0" smtClean="0"/>
+              <a:t/>
+            </a:r>
             <a:br>
-              <a:rPr lang="en-US" dirty="0"/>
+              <a:rPr lang="en-US" dirty="0" smtClean="0"/>
             </a:br>
             <a:r>
-              <a:rPr lang="en-US" dirty="0"/>
+              <a:rPr lang="en-US" dirty="0" smtClean="0"/>
               <a:t>I love you. I mean you’re great and all. And I really love you. But I’ve been thinking a lot. And we should talk soon. But I love you. Definitely don’t worry.</a:t>
             </a:r>
             <a:br>
-              <a:rPr lang="en-US" dirty="0"/>
+              <a:rPr lang="en-US" dirty="0" smtClean="0"/>
             </a:br>
+            <a:r>
+              <a:rPr lang="en-US" dirty="0" smtClean="0"/>
+              <a:t/>
+            </a:r>
             <a:br>
-              <a:rPr lang="en-US" dirty="0"/>
+              <a:rPr lang="en-US" dirty="0" smtClean="0"/>
             </a:br>
             <a:r>
-              <a:rPr lang="en-US" dirty="0"/>
+              <a:rPr lang="en-US" dirty="0" smtClean="0"/>
               <a:t>Yours,</a:t>
             </a:r>
           </a:p>
@@ -9369,7 +9397,7 @@
               <a:buNone/>
             </a:pPr>
             <a:r>
-              <a:rPr lang="en-US" dirty="0"/>
+              <a:rPr lang="en-US" dirty="0" smtClean="0"/>
               <a:t>Apple</a:t>
             </a:r>
           </a:p>
@@ -9385,6 +9413,13 @@
   <p:clrMapOvr>
     <a:masterClrMapping/>
   </p:clrMapOvr>
+  <p:timing>
+    <p:tnLst>
+      <p:par>
+        <p:cTn xmlns:p14="http://schemas.microsoft.com/office/powerpoint/2010/main" id="1" dur="indefinite" restart="never" nodeType="tmRoot"/>
+      </p:par>
+    </p:tnLst>
+  </p:timing>
 </p:sld>
 </file>
 
@@ -9421,11 +9456,11 @@
           <a:lstStyle/>
           <a:p>
             <a:r>
-              <a:rPr lang="en-US" dirty="0"/>
+              <a:rPr lang="en-US" dirty="0" smtClean="0"/>
               <a:t>Google </a:t>
             </a:r>
             <a:r>
-              <a:rPr lang="en-US" dirty="0" err="1"/>
+              <a:rPr lang="en-US" dirty="0" err="1" smtClean="0"/>
               <a:t>NGrams</a:t>
             </a:r>
             <a:endParaRPr lang="en-US" dirty="0"/>
@@ -9491,7 +9526,7 @@
               <a:t>/</a:t>
             </a:r>
             <a:r>
-              <a:rPr lang="en-US" dirty="0" err="1"/>
+              <a:rPr lang="en-US" dirty="0" err="1" smtClean="0"/>
               <a:t>ngrams</a:t>
             </a:r>
             <a:endParaRPr lang="en-US" dirty="0"/>
@@ -9544,11 +9579,15 @@
           <a:lstStyle/>
           <a:p>
             <a:r>
-              <a:rPr lang="en-US" dirty="0"/>
-              <a:t>Concordance w/ </a:t>
-            </a:r>
-            <a:r>
-              <a:rPr lang="en-US" dirty="0" err="1"/>
+              <a:rPr lang="en-US" dirty="0" err="1" smtClean="0"/>
+              <a:t>Concodance</a:t>
+            </a:r>
+            <a:r>
+              <a:rPr lang="en-US" dirty="0" smtClean="0"/>
+              <a:t> w/ </a:t>
+            </a:r>
+            <a:r>
+              <a:rPr lang="en-US" dirty="0" err="1" smtClean="0"/>
               <a:t>Stopwords</a:t>
             </a:r>
             <a:endParaRPr lang="en-US" dirty="0"/>
@@ -9620,11 +9659,11 @@
           <a:lstStyle/>
           <a:p>
             <a:r>
-              <a:rPr lang="en-US" dirty="0"/>
+              <a:rPr lang="en-US" dirty="0" smtClean="0"/>
               <a:t>Concordance w/o </a:t>
             </a:r>
             <a:r>
-              <a:rPr lang="en-US" dirty="0" err="1"/>
+              <a:rPr lang="en-US" dirty="0" err="1" smtClean="0"/>
               <a:t>Stopwords</a:t>
             </a:r>
             <a:endParaRPr lang="en-US" dirty="0"/>
@@ -9701,9 +9740,10 @@
           <a:lstStyle/>
           <a:p>
             <a:r>
-              <a:rPr lang="en-US" dirty="0"/>
+              <a:rPr lang="en-US" dirty="0" smtClean="0"/>
               <a:t>3. Topic Modeling</a:t>
             </a:r>
+            <a:endParaRPr lang="en-US" dirty="0"/>
           </a:p>
         </p:txBody>
       </p:sp>
@@ -9723,19 +9763,19 @@
           <a:lstStyle/>
           <a:p>
             <a:r>
-              <a:rPr lang="en-US" dirty="0"/>
+              <a:rPr lang="en-US" dirty="0" smtClean="0"/>
               <a:t>You’re each given the scrambled text of three document.</a:t>
             </a:r>
           </a:p>
           <a:p>
             <a:r>
-              <a:rPr lang="en-US" dirty="0"/>
+              <a:rPr lang="en-US" dirty="0" smtClean="0"/>
               <a:t>What are they about? Pick 3 themes or topics for each text. Texts can share topics.</a:t>
             </a:r>
           </a:p>
           <a:p>
             <a:r>
-              <a:rPr lang="en-US" dirty="0"/>
+              <a:rPr lang="en-US" dirty="0" smtClean="0"/>
               <a:t>How do you know?</a:t>
             </a:r>
           </a:p>
@@ -9787,21 +9827,22 @@
           <a:lstStyle/>
           <a:p>
             <a:r>
-              <a:rPr lang="en-US" dirty="0"/>
+              <a:rPr lang="en-US" dirty="0" smtClean="0"/>
               <a:t>Text 1: evidence, medicine, murder</a:t>
             </a:r>
           </a:p>
           <a:p>
             <a:r>
-              <a:rPr lang="en-US" dirty="0"/>
+              <a:rPr lang="en-US" dirty="0" smtClean="0"/>
               <a:t>Text 2: evidence, love, woman</a:t>
             </a:r>
           </a:p>
           <a:p>
             <a:r>
-              <a:rPr lang="en-US" dirty="0"/>
+              <a:rPr lang="en-US" dirty="0" smtClean="0"/>
               <a:t>Text 3: medicine, news, transportation</a:t>
             </a:r>
+            <a:endParaRPr lang="en-US" dirty="0"/>
           </a:p>
         </p:txBody>
       </p:sp>
@@ -9821,9 +9862,10 @@
           <a:lstStyle/>
           <a:p>
             <a:r>
-              <a:rPr lang="en-US" dirty="0"/>
+              <a:rPr lang="en-US" dirty="0" smtClean="0"/>
               <a:t>3. Topic Modeling</a:t>
             </a:r>
+            <a:endParaRPr lang="en-US" dirty="0"/>
           </a:p>
         </p:txBody>
       </p:sp>
@@ -9873,9 +9915,10 @@
           <a:lstStyle/>
           <a:p>
             <a:r>
-              <a:rPr lang="en-US" dirty="0"/>
+              <a:rPr lang="en-US" dirty="0" smtClean="0"/>
               <a:t>3. Topic Modeling</a:t>
             </a:r>
+            <a:endParaRPr lang="en-US" dirty="0"/>
           </a:p>
         </p:txBody>
       </p:sp>
@@ -9895,44 +9938,45 @@
           <a:lstStyle/>
           <a:p>
             <a:r>
-              <a:rPr lang="en-US" dirty="0"/>
+              <a:rPr lang="en-US" dirty="0" smtClean="0"/>
               <a:t>Variation of Bags of Words</a:t>
             </a:r>
           </a:p>
           <a:p>
             <a:r>
-              <a:rPr lang="en-US" dirty="0"/>
+              <a:rPr lang="en-US" dirty="0" smtClean="0"/>
               <a:t>Texts are </a:t>
             </a:r>
             <a:r>
-              <a:rPr lang="en-US" i="1" dirty="0"/>
+              <a:rPr lang="en-US" i="1" dirty="0" smtClean="0"/>
               <a:t>about </a:t>
             </a:r>
             <a:r>
-              <a:rPr lang="en-US" dirty="0"/>
+              <a:rPr lang="en-US" dirty="0" smtClean="0"/>
               <a:t>something – themes/topics</a:t>
             </a:r>
           </a:p>
           <a:p>
             <a:r>
-              <a:rPr lang="en-US" dirty="0"/>
+              <a:rPr lang="en-US" dirty="0" smtClean="0"/>
               <a:t>Vocabulary lets us know this.</a:t>
             </a:r>
           </a:p>
           <a:p>
             <a:r>
-              <a:rPr lang="en-US" dirty="0"/>
+              <a:rPr lang="en-US" dirty="0" smtClean="0"/>
               <a:t>So if we know the words, we can infer the topics. </a:t>
             </a:r>
           </a:p>
           <a:p>
             <a:r>
-              <a:rPr lang="en-US" dirty="0"/>
+              <a:rPr lang="en-US" dirty="0" smtClean="0"/>
               <a:t>But, more specifically, we want to look at clusters of words.</a:t>
             </a:r>
-          </a:p>
-          <a:p>
             <a:endParaRPr lang="en-US" dirty="0"/>
+          </a:p>
+          <a:p>
+            <a:endParaRPr lang="en-US" dirty="0" smtClean="0"/>
           </a:p>
         </p:txBody>
       </p:sp>
@@ -9982,9 +10026,10 @@
           <a:lstStyle/>
           <a:p>
             <a:r>
-              <a:rPr lang="en-US" dirty="0"/>
+              <a:rPr lang="en-US" dirty="0" smtClean="0"/>
               <a:t>3. Topic Modeling</a:t>
             </a:r>
+            <a:endParaRPr lang="en-US" dirty="0"/>
           </a:p>
         </p:txBody>
       </p:sp>
@@ -10061,19 +10106,19 @@
           <a:lstStyle/>
           <a:p>
             <a:r>
-              <a:rPr lang="en-US" dirty="0"/>
+              <a:rPr lang="en-US" dirty="0" smtClean="0"/>
               <a:t>red: evidence</a:t>
             </a:r>
           </a:p>
           <a:p>
             <a:r>
-              <a:rPr lang="en-US" dirty="0"/>
+              <a:rPr lang="en-US" dirty="0" smtClean="0"/>
               <a:t>green: medicine</a:t>
             </a:r>
           </a:p>
           <a:p>
             <a:r>
-              <a:rPr lang="en-US" dirty="0"/>
+              <a:rPr lang="en-US" dirty="0" smtClean="0"/>
               <a:t>blue: murder</a:t>
             </a:r>
           </a:p>
@@ -10128,9 +10173,10 @@
           <a:lstStyle/>
           <a:p>
             <a:r>
-              <a:rPr lang="en-US" dirty="0"/>
+              <a:rPr lang="en-US" dirty="0" smtClean="0"/>
               <a:t>3. Topic Modeling</a:t>
             </a:r>
+            <a:endParaRPr lang="en-US" dirty="0"/>
           </a:p>
         </p:txBody>
       </p:sp>
@@ -10150,25 +10196,25 @@
           <a:lstStyle/>
           <a:p>
             <a:r>
-              <a:rPr lang="en-US" dirty="0"/>
+              <a:rPr lang="en-US" dirty="0" smtClean="0"/>
               <a:t>Runs over a corpus</a:t>
             </a:r>
           </a:p>
           <a:p>
             <a:r>
-              <a:rPr lang="en-US" dirty="0"/>
+              <a:rPr lang="en-US" dirty="0" smtClean="0"/>
               <a:t>Pulls out statistically significant clusters of words in each document</a:t>
             </a:r>
           </a:p>
           <a:p>
             <a:r>
-              <a:rPr lang="en-US" dirty="0"/>
+              <a:rPr lang="en-US" dirty="0" smtClean="0"/>
               <a:t>More sophisticated than simple word counts</a:t>
             </a:r>
           </a:p>
           <a:p>
             <a:r>
-              <a:rPr lang="en-US" dirty="0"/>
+              <a:rPr lang="en-US" dirty="0" smtClean="0"/>
               <a:t>Gets at underlying themes/topics in docs</a:t>
             </a:r>
           </a:p>
@@ -10225,9 +10271,10 @@
           <a:lstStyle/>
           <a:p>
             <a:r>
-              <a:rPr lang="en-US" sz="4000" dirty="0"/>
+              <a:rPr lang="en-US" sz="4000" dirty="0" smtClean="0"/>
               <a:t>3. Topic Modeling</a:t>
             </a:r>
+            <a:endParaRPr lang="en-US" sz="4000" dirty="0"/>
           </a:p>
         </p:txBody>
       </p:sp>
@@ -10253,14 +10300,14 @@
           <a:lstStyle/>
           <a:p>
             <a:r>
-              <a:rPr lang="en-US" dirty="0"/>
+              <a:rPr lang="en-US" dirty="0" smtClean="0"/>
               <a:t>Fugitive Slave Ad topic from </a:t>
             </a:r>
             <a:r>
-              <a:rPr lang="en-US" i="1" dirty="0"/>
+              <a:rPr lang="en-US" i="1" dirty="0" smtClean="0"/>
               <a:t>Mining the Dispatch</a:t>
             </a:r>
-            <a:endParaRPr lang="en-US" dirty="0"/>
+            <a:endParaRPr lang="en-US" dirty="0" smtClean="0"/>
           </a:p>
           <a:p>
             <a:r>
@@ -10376,9 +10423,10 @@
           <a:lstStyle/>
           <a:p>
             <a:r>
-              <a:rPr lang="en-US" dirty="0"/>
+              <a:rPr lang="en-US" dirty="0" smtClean="0"/>
               <a:t>4. Sentiment Analysis</a:t>
             </a:r>
+            <a:endParaRPr lang="en-US" dirty="0"/>
           </a:p>
         </p:txBody>
       </p:sp>
@@ -10398,27 +10446,30 @@
           <a:lstStyle/>
           <a:p>
             <a:r>
-              <a:rPr lang="en-US" dirty="0"/>
+              <a:rPr lang="en-US" dirty="0" smtClean="0"/>
               <a:t>How does a text feel?</a:t>
             </a:r>
-          </a:p>
-          <a:p>
-            <a:r>
-              <a:rPr lang="en-US" dirty="0"/>
+            <a:endParaRPr lang="en-US" dirty="0"/>
+          </a:p>
+          <a:p>
+            <a:r>
+              <a:rPr lang="en-US" dirty="0" smtClean="0"/>
               <a:t>Is it happy? Sad?</a:t>
             </a:r>
           </a:p>
           <a:p>
             <a:r>
-              <a:rPr lang="en-US" dirty="0"/>
+              <a:rPr lang="en-US" dirty="0" smtClean="0"/>
               <a:t>Complicated questions!</a:t>
             </a:r>
-          </a:p>
-          <a:p>
-            <a:r>
-              <a:rPr lang="en-US" dirty="0"/>
+            <a:endParaRPr lang="en-US" dirty="0"/>
+          </a:p>
+          <a:p>
+            <a:r>
+              <a:rPr lang="en-US" dirty="0" smtClean="0"/>
               <a:t>Let’s try to tell…</a:t>
             </a:r>
+            <a:endParaRPr lang="en-US" dirty="0"/>
           </a:p>
         </p:txBody>
       </p:sp>
@@ -10468,9 +10519,10 @@
           <a:lstStyle/>
           <a:p>
             <a:r>
-              <a:rPr lang="en-US" dirty="0"/>
+              <a:rPr lang="en-US" dirty="0" smtClean="0"/>
               <a:t>1. Close Reading</a:t>
             </a:r>
+            <a:endParaRPr lang="en-US" dirty="0"/>
           </a:p>
         </p:txBody>
       </p:sp>
@@ -10490,31 +10542,31 @@
           <a:lstStyle/>
           <a:p>
             <a:r>
-              <a:rPr lang="en-US" dirty="0"/>
+              <a:rPr lang="en-US" dirty="0" smtClean="0"/>
               <a:t>Every detail matters</a:t>
             </a:r>
           </a:p>
           <a:p>
             <a:r>
-              <a:rPr lang="en-US" dirty="0"/>
+              <a:rPr lang="en-US" dirty="0" smtClean="0"/>
               <a:t>Every detail matters whether the author intended them or not</a:t>
             </a:r>
           </a:p>
           <a:p>
             <a:r>
-              <a:rPr lang="en-US" dirty="0"/>
+              <a:rPr lang="en-US" dirty="0" smtClean="0"/>
               <a:t>In most cases, assumes that meaning is hidden</a:t>
             </a:r>
           </a:p>
           <a:p>
             <a:r>
-              <a:rPr lang="en-US" dirty="0"/>
+              <a:rPr lang="en-US" dirty="0" smtClean="0"/>
               <a:t>You have to uncover meaning by connecting small details</a:t>
             </a:r>
           </a:p>
           <a:p>
             <a:r>
-              <a:rPr lang="en-US" dirty="0"/>
+              <a:rPr lang="en-US" dirty="0" smtClean="0"/>
               <a:t>Context matters</a:t>
             </a:r>
           </a:p>
@@ -10530,6 +10582,13 @@
   <p:clrMapOvr>
     <a:masterClrMapping/>
   </p:clrMapOvr>
+  <p:timing>
+    <p:tnLst>
+      <p:par>
+        <p:cTn xmlns:p14="http://schemas.microsoft.com/office/powerpoint/2010/main" id="1" dur="indefinite" restart="never" nodeType="tmRoot"/>
+      </p:par>
+    </p:tnLst>
+  </p:timing>
 </p:sld>
 </file>
 
@@ -10566,9 +10625,10 @@
           <a:lstStyle/>
           <a:p>
             <a:r>
-              <a:rPr lang="en-US" dirty="0"/>
+              <a:rPr lang="en-US" dirty="0" smtClean="0"/>
               <a:t>4. Sentiment Analysis</a:t>
             </a:r>
+            <a:endParaRPr lang="en-US" dirty="0"/>
           </a:p>
         </p:txBody>
       </p:sp>
@@ -10588,18 +10648,19 @@
           <a:lstStyle/>
           <a:p>
             <a:r>
-              <a:rPr lang="en-US" dirty="0"/>
+              <a:rPr lang="en-US" dirty="0" smtClean="0"/>
               <a:t>“I am very happy.”</a:t>
             </a:r>
           </a:p>
           <a:p>
+            <a:endParaRPr lang="en-US" dirty="0" smtClean="0"/>
+          </a:p>
+          <a:p>
+            <a:r>
+              <a:rPr lang="en-US" dirty="0" smtClean="0"/>
+              <a:t>“She is so sad.”</a:t>
+            </a:r>
             <a:endParaRPr lang="en-US" dirty="0"/>
-          </a:p>
-          <a:p>
-            <a:r>
-              <a:rPr lang="en-US" dirty="0"/>
-              <a:t>“She is so sad.”</a:t>
-            </a:r>
           </a:p>
         </p:txBody>
       </p:sp>
@@ -10649,9 +10710,10 @@
           <a:lstStyle/>
           <a:p>
             <a:r>
-              <a:rPr lang="en-US" dirty="0"/>
+              <a:rPr lang="en-US" dirty="0" smtClean="0"/>
               <a:t>4. Sentiment Analysis</a:t>
             </a:r>
+            <a:endParaRPr lang="en-US" dirty="0"/>
           </a:p>
         </p:txBody>
       </p:sp>
@@ -10671,12 +10733,13 @@
           <a:lstStyle/>
           <a:p>
             <a:r>
-              <a:rPr lang="en-US" dirty="0"/>
+              <a:rPr lang="en-US" dirty="0" smtClean="0"/>
               <a:t>"It was the best of times, it was the worst of times…”</a:t>
             </a:r>
-          </a:p>
-          <a:p>
             <a:endParaRPr lang="en-US" dirty="0"/>
+          </a:p>
+          <a:p>
+            <a:endParaRPr lang="en-US" dirty="0" smtClean="0"/>
           </a:p>
         </p:txBody>
       </p:sp>
@@ -10726,9 +10789,10 @@
           <a:lstStyle/>
           <a:p>
             <a:r>
-              <a:rPr lang="en-US" dirty="0"/>
+              <a:rPr lang="en-US" dirty="0" smtClean="0"/>
               <a:t>4. Sentiment Analysis</a:t>
             </a:r>
+            <a:endParaRPr lang="en-US" dirty="0"/>
           </a:p>
         </p:txBody>
       </p:sp>
@@ -10748,16 +10812,17 @@
           <a:lstStyle/>
           <a:p>
             <a:r>
-              <a:rPr lang="en-US" dirty="0"/>
+              <a:rPr lang="en-US" dirty="0" smtClean="0"/>
               <a:t>"It was the best of times, it was the worst of times…”</a:t>
             </a:r>
-          </a:p>
-          <a:p>
             <a:endParaRPr lang="en-US" dirty="0"/>
           </a:p>
           <a:p>
-            <a:r>
-              <a:rPr lang="en-US" dirty="0"/>
+            <a:endParaRPr lang="en-US" dirty="0" smtClean="0"/>
+          </a:p>
+          <a:p>
+            <a:r>
+              <a:rPr lang="en-US" dirty="0" smtClean="0"/>
               <a:t>Not a clear answer overall. We need a better way to register this. Let’s go word by word.</a:t>
             </a:r>
           </a:p>
@@ -10809,9 +10874,10 @@
           <a:lstStyle/>
           <a:p>
             <a:r>
-              <a:rPr lang="en-US" dirty="0"/>
+              <a:rPr lang="en-US" dirty="0" smtClean="0"/>
               <a:t>4. Sentiment Analysis</a:t>
             </a:r>
+            <a:endParaRPr lang="en-US" dirty="0"/>
           </a:p>
         </p:txBody>
       </p:sp>
@@ -10837,75 +10903,80 @@
           <a:lstStyle/>
           <a:p>
             <a:r>
+              <a:rPr lang="en-US" sz="2500" dirty="0" smtClean="0"/>
+              <a:t>"It </a:t>
+            </a:r>
+          </a:p>
+          <a:p>
+            <a:r>
+              <a:rPr lang="en-US" sz="2500" dirty="0" smtClean="0"/>
+              <a:t>was </a:t>
+            </a:r>
+          </a:p>
+          <a:p>
+            <a:r>
+              <a:rPr lang="en-US" sz="2500" dirty="0" smtClean="0"/>
+              <a:t>the </a:t>
+            </a:r>
+          </a:p>
+          <a:p>
+            <a:r>
+              <a:rPr lang="en-US" sz="2500" dirty="0" smtClean="0"/>
+              <a:t>best			happy!</a:t>
+            </a:r>
+          </a:p>
+          <a:p>
+            <a:r>
+              <a:rPr lang="en-US" sz="2500" dirty="0" smtClean="0"/>
+              <a:t>of </a:t>
+            </a:r>
+          </a:p>
+          <a:p>
+            <a:r>
+              <a:rPr lang="en-US" sz="2500" dirty="0" smtClean="0"/>
+              <a:t>times, </a:t>
+            </a:r>
+          </a:p>
+          <a:p>
+            <a:r>
+              <a:rPr lang="en-US" sz="2500" dirty="0" smtClean="0"/>
+              <a:t>it </a:t>
+            </a:r>
+          </a:p>
+          <a:p>
+            <a:r>
+              <a:rPr lang="en-US" sz="2500" dirty="0" smtClean="0"/>
+              <a:t>was </a:t>
+            </a:r>
+          </a:p>
+          <a:p>
+            <a:r>
+              <a:rPr lang="en-US" sz="2500" dirty="0" smtClean="0"/>
+              <a:t>the </a:t>
+            </a:r>
+          </a:p>
+          <a:p>
+            <a:r>
               <a:rPr lang="en-US" sz="2500" dirty="0"/>
-              <a:t>"It </a:t>
-            </a:r>
-          </a:p>
-          <a:p>
-            <a:r>
-              <a:rPr lang="en-US" sz="2500" dirty="0"/>
-              <a:t>was </a:t>
-            </a:r>
-          </a:p>
-          <a:p>
-            <a:r>
-              <a:rPr lang="en-US" sz="2500" dirty="0"/>
-              <a:t>the </a:t>
-            </a:r>
-          </a:p>
-          <a:p>
-            <a:r>
-              <a:rPr lang="en-US" sz="2500" dirty="0"/>
-              <a:t>best			happy!</a:t>
-            </a:r>
-          </a:p>
-          <a:p>
-            <a:r>
-              <a:rPr lang="en-US" sz="2500" dirty="0"/>
+              <a:t>w</a:t>
+            </a:r>
+            <a:r>
+              <a:rPr lang="en-US" sz="2500" dirty="0" smtClean="0"/>
+              <a:t>orst			sad!</a:t>
+            </a:r>
+          </a:p>
+          <a:p>
+            <a:r>
+              <a:rPr lang="en-US" sz="2500" dirty="0" smtClean="0"/>
               <a:t>of </a:t>
             </a:r>
           </a:p>
           <a:p>
             <a:r>
-              <a:rPr lang="en-US" sz="2500" dirty="0"/>
-              <a:t>times, </a:t>
-            </a:r>
-          </a:p>
-          <a:p>
-            <a:r>
-              <a:rPr lang="en-US" sz="2500" dirty="0"/>
-              <a:t>it </a:t>
-            </a:r>
-          </a:p>
-          <a:p>
-            <a:r>
-              <a:rPr lang="en-US" sz="2500" dirty="0"/>
-              <a:t>was </a:t>
-            </a:r>
-          </a:p>
-          <a:p>
-            <a:r>
-              <a:rPr lang="en-US" sz="2500" dirty="0"/>
-              <a:t>the </a:t>
-            </a:r>
-          </a:p>
-          <a:p>
-            <a:r>
-              <a:rPr lang="en-US" sz="2500" dirty="0"/>
-              <a:t>worst			sad!</a:t>
-            </a:r>
-          </a:p>
-          <a:p>
-            <a:r>
-              <a:rPr lang="en-US" sz="2500" dirty="0"/>
-              <a:t>of </a:t>
-            </a:r>
-          </a:p>
-          <a:p>
-            <a:r>
-              <a:rPr lang="en-US" sz="2500" dirty="0"/>
+              <a:rPr lang="en-US" sz="2500" dirty="0" smtClean="0"/>
               <a:t>times…"</a:t>
             </a:r>
+            <a:endParaRPr lang="en-US" sz="2500" dirty="0"/>
           </a:p>
         </p:txBody>
       </p:sp>
@@ -10919,6 +10990,13 @@
   <p:clrMapOvr>
     <a:masterClrMapping/>
   </p:clrMapOvr>
+  <p:timing>
+    <p:tnLst>
+      <p:par>
+        <p:cTn xmlns:p14="http://schemas.microsoft.com/office/powerpoint/2010/main" id="1" dur="indefinite" restart="never" nodeType="tmRoot"/>
+      </p:par>
+    </p:tnLst>
+  </p:timing>
 </p:sld>
 </file>
 
@@ -10955,9 +11033,10 @@
           <a:lstStyle/>
           <a:p>
             <a:r>
-              <a:rPr lang="en-US" dirty="0"/>
+              <a:rPr lang="en-US" dirty="0" smtClean="0"/>
               <a:t>4. Sentiment Analysis</a:t>
             </a:r>
+            <a:endParaRPr lang="en-US" dirty="0"/>
           </a:p>
         </p:txBody>
       </p:sp>
@@ -10983,75 +11062,80 @@
           <a:lstStyle/>
           <a:p>
             <a:r>
+              <a:rPr lang="en-US" sz="2500" dirty="0" smtClean="0"/>
+              <a:t>"It </a:t>
+            </a:r>
+          </a:p>
+          <a:p>
+            <a:r>
+              <a:rPr lang="en-US" sz="2500" dirty="0" smtClean="0"/>
+              <a:t>was </a:t>
+            </a:r>
+          </a:p>
+          <a:p>
+            <a:r>
+              <a:rPr lang="en-US" sz="2500" dirty="0" smtClean="0"/>
+              <a:t>the </a:t>
+            </a:r>
+          </a:p>
+          <a:p>
+            <a:r>
+              <a:rPr lang="en-US" sz="2500" dirty="0" smtClean="0"/>
+              <a:t>best			happy! / positive</a:t>
+            </a:r>
+          </a:p>
+          <a:p>
+            <a:r>
+              <a:rPr lang="en-US" sz="2500" dirty="0" smtClean="0"/>
+              <a:t>of </a:t>
+            </a:r>
+          </a:p>
+          <a:p>
+            <a:r>
+              <a:rPr lang="en-US" sz="2500" dirty="0" smtClean="0"/>
+              <a:t>times, </a:t>
+            </a:r>
+          </a:p>
+          <a:p>
+            <a:r>
+              <a:rPr lang="en-US" sz="2500" dirty="0" smtClean="0"/>
+              <a:t>it </a:t>
+            </a:r>
+          </a:p>
+          <a:p>
+            <a:r>
+              <a:rPr lang="en-US" sz="2500" dirty="0" smtClean="0"/>
+              <a:t>was </a:t>
+            </a:r>
+          </a:p>
+          <a:p>
+            <a:r>
+              <a:rPr lang="en-US" sz="2500" dirty="0" smtClean="0"/>
+              <a:t>the </a:t>
+            </a:r>
+          </a:p>
+          <a:p>
+            <a:r>
               <a:rPr lang="en-US" sz="2500" dirty="0"/>
-              <a:t>"It </a:t>
-            </a:r>
-          </a:p>
-          <a:p>
-            <a:r>
-              <a:rPr lang="en-US" sz="2500" dirty="0"/>
-              <a:t>was </a:t>
-            </a:r>
-          </a:p>
-          <a:p>
-            <a:r>
-              <a:rPr lang="en-US" sz="2500" dirty="0"/>
-              <a:t>the </a:t>
-            </a:r>
-          </a:p>
-          <a:p>
-            <a:r>
-              <a:rPr lang="en-US" sz="2500" dirty="0"/>
-              <a:t>best			happy! / positive</a:t>
-            </a:r>
-          </a:p>
-          <a:p>
-            <a:r>
-              <a:rPr lang="en-US" sz="2500" dirty="0"/>
+              <a:t>w</a:t>
+            </a:r>
+            <a:r>
+              <a:rPr lang="en-US" sz="2500" dirty="0" smtClean="0"/>
+              <a:t>orst			sad! / negative</a:t>
+            </a:r>
+          </a:p>
+          <a:p>
+            <a:r>
+              <a:rPr lang="en-US" sz="2500" dirty="0" smtClean="0"/>
               <a:t>of </a:t>
             </a:r>
           </a:p>
           <a:p>
             <a:r>
-              <a:rPr lang="en-US" sz="2500" dirty="0"/>
-              <a:t>times, </a:t>
-            </a:r>
-          </a:p>
-          <a:p>
-            <a:r>
-              <a:rPr lang="en-US" sz="2500" dirty="0"/>
-              <a:t>it </a:t>
-            </a:r>
-          </a:p>
-          <a:p>
-            <a:r>
-              <a:rPr lang="en-US" sz="2500" dirty="0"/>
-              <a:t>was </a:t>
-            </a:r>
-          </a:p>
-          <a:p>
-            <a:r>
-              <a:rPr lang="en-US" sz="2500" dirty="0"/>
-              <a:t>the </a:t>
-            </a:r>
-          </a:p>
-          <a:p>
-            <a:r>
-              <a:rPr lang="en-US" sz="2500" dirty="0"/>
-              <a:t>worst			sad! / negative</a:t>
-            </a:r>
-          </a:p>
-          <a:p>
-            <a:r>
-              <a:rPr lang="en-US" sz="2500" dirty="0"/>
-              <a:t>of </a:t>
-            </a:r>
-          </a:p>
-          <a:p>
-            <a:r>
-              <a:rPr lang="en-US" sz="2500" dirty="0"/>
+              <a:rPr lang="en-US" sz="2500" dirty="0" smtClean="0"/>
               <a:t>times…"</a:t>
             </a:r>
+            <a:endParaRPr lang="en-US" sz="2500" dirty="0"/>
           </a:p>
         </p:txBody>
       </p:sp>
@@ -11065,6 +11149,13 @@
   <p:clrMapOvr>
     <a:masterClrMapping/>
   </p:clrMapOvr>
+  <p:timing>
+    <p:tnLst>
+      <p:par>
+        <p:cTn xmlns:p14="http://schemas.microsoft.com/office/powerpoint/2010/main" id="1" dur="indefinite" restart="never" nodeType="tmRoot"/>
+      </p:par>
+    </p:tnLst>
+  </p:timing>
 </p:sld>
 </file>
 
@@ -11101,9 +11192,10 @@
           <a:lstStyle/>
           <a:p>
             <a:r>
-              <a:rPr lang="en-US" dirty="0"/>
+              <a:rPr lang="en-US" dirty="0" smtClean="0"/>
               <a:t>4. Sentiment Analysis</a:t>
             </a:r>
+            <a:endParaRPr lang="en-US" dirty="0"/>
           </a:p>
         </p:txBody>
       </p:sp>
@@ -11129,80 +11221,85 @@
           <a:lstStyle/>
           <a:p>
             <a:r>
+              <a:rPr lang="en-US" sz="2500" dirty="0" smtClean="0"/>
+              <a:t>"It </a:t>
+            </a:r>
+          </a:p>
+          <a:p>
+            <a:r>
+              <a:rPr lang="en-US" sz="2500" dirty="0" smtClean="0"/>
+              <a:t>was </a:t>
+            </a:r>
+          </a:p>
+          <a:p>
+            <a:r>
+              <a:rPr lang="en-US" sz="2500" dirty="0" smtClean="0"/>
+              <a:t>the </a:t>
+            </a:r>
+          </a:p>
+          <a:p>
+            <a:r>
+              <a:rPr lang="en-US" sz="2500" dirty="0" smtClean="0"/>
+              <a:t>best			happy! / positive / 1</a:t>
+            </a:r>
+          </a:p>
+          <a:p>
+            <a:r>
+              <a:rPr lang="en-US" sz="2500" dirty="0" smtClean="0"/>
+              <a:t>of </a:t>
+            </a:r>
+          </a:p>
+          <a:p>
+            <a:r>
+              <a:rPr lang="en-US" sz="2500" dirty="0" smtClean="0"/>
+              <a:t>times, </a:t>
+            </a:r>
+          </a:p>
+          <a:p>
+            <a:r>
+              <a:rPr lang="en-US" sz="2500" dirty="0" smtClean="0"/>
+              <a:t>it </a:t>
+            </a:r>
+          </a:p>
+          <a:p>
+            <a:r>
+              <a:rPr lang="en-US" sz="2500" dirty="0" smtClean="0"/>
+              <a:t>was </a:t>
+            </a:r>
+          </a:p>
+          <a:p>
+            <a:r>
+              <a:rPr lang="en-US" sz="2500" dirty="0" smtClean="0"/>
+              <a:t>the </a:t>
+            </a:r>
+          </a:p>
+          <a:p>
+            <a:r>
               <a:rPr lang="en-US" sz="2500" dirty="0"/>
-              <a:t>"It </a:t>
-            </a:r>
-          </a:p>
-          <a:p>
-            <a:r>
-              <a:rPr lang="en-US" sz="2500" dirty="0"/>
-              <a:t>was </a:t>
-            </a:r>
-          </a:p>
-          <a:p>
-            <a:r>
-              <a:rPr lang="en-US" sz="2500" dirty="0"/>
-              <a:t>the </a:t>
-            </a:r>
-          </a:p>
-          <a:p>
-            <a:r>
-              <a:rPr lang="en-US" sz="2500" dirty="0"/>
-              <a:t>best			happy! / positive / 1</a:t>
-            </a:r>
-          </a:p>
-          <a:p>
-            <a:r>
-              <a:rPr lang="en-US" sz="2500" dirty="0"/>
+              <a:t>w</a:t>
+            </a:r>
+            <a:r>
+              <a:rPr lang="en-US" sz="2500" dirty="0" smtClean="0"/>
+              <a:t>orst			sad! / negative </a:t>
+            </a:r>
+            <a:r>
+              <a:rPr lang="en-US" sz="2500" smtClean="0"/>
+              <a:t>/ -1</a:t>
+            </a:r>
+            <a:endParaRPr lang="en-US" sz="2500" dirty="0" smtClean="0"/>
+          </a:p>
+          <a:p>
+            <a:r>
+              <a:rPr lang="en-US" sz="2500" dirty="0" smtClean="0"/>
               <a:t>of </a:t>
             </a:r>
           </a:p>
           <a:p>
             <a:r>
-              <a:rPr lang="en-US" sz="2500" dirty="0"/>
-              <a:t>times, </a:t>
-            </a:r>
-          </a:p>
-          <a:p>
-            <a:r>
-              <a:rPr lang="en-US" sz="2500" dirty="0"/>
-              <a:t>it </a:t>
-            </a:r>
-          </a:p>
-          <a:p>
-            <a:r>
-              <a:rPr lang="en-US" sz="2500" dirty="0"/>
-              <a:t>was </a:t>
-            </a:r>
-          </a:p>
-          <a:p>
-            <a:r>
-              <a:rPr lang="en-US" sz="2500" dirty="0"/>
-              <a:t>the </a:t>
-            </a:r>
-          </a:p>
-          <a:p>
-            <a:r>
-              <a:rPr lang="en-US" sz="2500" dirty="0"/>
-              <a:t>worst			sad! / negative </a:t>
-            </a:r>
-            <a:r>
-              <a:rPr lang="en-US" sz="2500"/>
-              <a:t>/ -1</a:t>
+              <a:rPr lang="en-US" sz="2500" dirty="0" smtClean="0"/>
+              <a:t>times…"</a:t>
             </a:r>
             <a:endParaRPr lang="en-US" sz="2500" dirty="0"/>
-          </a:p>
-          <a:p>
-            <a:r>
-              <a:rPr lang="en-US" sz="2500" dirty="0"/>
-              <a:t>of </a:t>
-            </a:r>
-          </a:p>
-          <a:p>
-            <a:r>
-              <a:rPr lang="en-US" sz="2500" dirty="0"/>
-              <a:t>times…"</a:t>
-            </a:r>
           </a:p>
         </p:txBody>
       </p:sp>
@@ -11216,6 +11313,13 @@
   <p:clrMapOvr>
     <a:masterClrMapping/>
   </p:clrMapOvr>
+  <p:timing>
+    <p:tnLst>
+      <p:par>
+        <p:cTn xmlns:p14="http://schemas.microsoft.com/office/powerpoint/2010/main" id="1" dur="indefinite" restart="never" nodeType="tmRoot"/>
+      </p:par>
+    </p:tnLst>
+  </p:timing>
 </p:sld>
 </file>
 
@@ -11252,9 +11356,10 @@
           <a:lstStyle/>
           <a:p>
             <a:r>
-              <a:rPr lang="en-US" dirty="0"/>
+              <a:rPr lang="en-US" dirty="0" smtClean="0"/>
               <a:t>4. Sentiment Analysis</a:t>
             </a:r>
+            <a:endParaRPr lang="en-US" dirty="0"/>
           </a:p>
         </p:txBody>
       </p:sp>
@@ -11276,17 +11381,21 @@
           <a:lstStyle/>
           <a:p>
             <a:r>
+              <a:rPr lang="en-US" sz="2800" dirty="0" smtClean="0"/>
+              <a:t>"It was the best of times, it was the worst of times…”</a:t>
+            </a:r>
+          </a:p>
+          <a:p>
+            <a:pPr marL="0" indent="0">
+              <a:buNone/>
+            </a:pPr>
+            <a:r>
               <a:rPr lang="en-US" sz="2800" dirty="0"/>
-              <a:t>"It was the best of times, it was the worst of times…”</a:t>
-            </a:r>
-          </a:p>
-          <a:p>
-            <a:pPr marL="0" indent="0">
-              <a:buNone/>
-            </a:pPr>
-            <a:r>
-              <a:rPr lang="en-US" sz="2800" dirty="0"/>
-              <a:t>					1 							– 1</a:t>
+              <a:t>	</a:t>
+            </a:r>
+            <a:r>
+              <a:rPr lang="en-US" sz="2800" dirty="0" smtClean="0"/>
+              <a:t>				1 							– 1</a:t>
             </a:r>
           </a:p>
           <a:p>
@@ -11300,7 +11409,7 @@
               <a:buNone/>
             </a:pPr>
             <a:r>
-              <a:rPr lang="en-US" sz="2800" dirty="0"/>
+              <a:rPr lang="en-US" sz="2800" dirty="0" smtClean="0"/>
               <a:t>Total = 0</a:t>
             </a:r>
           </a:p>
@@ -11309,9 +11418,10 @@
               <a:buNone/>
             </a:pPr>
             <a:r>
-              <a:rPr lang="en-US" sz="2800" dirty="0"/>
+              <a:rPr lang="en-US" sz="2800" dirty="0" smtClean="0"/>
               <a:t>Overall neutral sentiment</a:t>
             </a:r>
+            <a:endParaRPr lang="en-US" sz="2800" dirty="0"/>
           </a:p>
         </p:txBody>
       </p:sp>
@@ -11361,9 +11471,10 @@
           <a:lstStyle/>
           <a:p>
             <a:r>
-              <a:rPr lang="en-US" dirty="0"/>
+              <a:rPr lang="en-US" dirty="0" smtClean="0"/>
               <a:t>4. Sentiment Analysis</a:t>
             </a:r>
+            <a:endParaRPr lang="en-US" dirty="0"/>
           </a:p>
         </p:txBody>
       </p:sp>
@@ -11385,36 +11496,36 @@
           <a:lstStyle/>
           <a:p>
             <a:r>
-              <a:rPr lang="en-US" dirty="0"/>
+              <a:rPr lang="en-US" dirty="0" smtClean="0"/>
               <a:t>Can imagine a range of emotions: good, better, best.</a:t>
             </a:r>
           </a:p>
           <a:p>
             <a:r>
-              <a:rPr lang="en-US" dirty="0"/>
+              <a:rPr lang="en-US" dirty="0" smtClean="0"/>
               <a:t>So you could use a range of numbers: good = +1, better= +3, best = +5</a:t>
             </a:r>
           </a:p>
           <a:p>
             <a:r>
-              <a:rPr lang="en-US" dirty="0"/>
+              <a:rPr lang="en-US" dirty="0" smtClean="0"/>
               <a:t>Say, assign any emotion-laden word a number between -5 and +5. </a:t>
             </a:r>
           </a:p>
           <a:p>
             <a:r>
-              <a:rPr lang="en-US" dirty="0"/>
+              <a:rPr lang="en-US" dirty="0" smtClean="0"/>
               <a:t>Keep in mind that you’re not reading for context. Simply on a word-by-word basis.</a:t>
             </a:r>
           </a:p>
           <a:p>
             <a:r>
-              <a:rPr lang="en-US" dirty="0"/>
+              <a:rPr lang="en-US" dirty="0" smtClean="0"/>
               <a:t>So “yes” would be positive. “no” would be negative</a:t>
             </a:r>
           </a:p>
           <a:p>
-            <a:endParaRPr lang="en-US" dirty="0"/>
+            <a:endParaRPr lang="en-US" dirty="0" smtClean="0"/>
           </a:p>
           <a:p>
             <a:endParaRPr lang="en-US" dirty="0"/>
@@ -11467,9 +11578,10 @@
           <a:lstStyle/>
           <a:p>
             <a:r>
-              <a:rPr lang="en-US" dirty="0"/>
+              <a:rPr lang="en-US" dirty="0" smtClean="0"/>
               <a:t>4. Sentiment Analysis</a:t>
             </a:r>
+            <a:endParaRPr lang="en-US" dirty="0"/>
           </a:p>
         </p:txBody>
       </p:sp>
@@ -11489,33 +11601,34 @@
           <a:lstStyle/>
           <a:p>
             <a:r>
-              <a:rPr lang="en-US" dirty="0"/>
+              <a:rPr lang="en-US" dirty="0" smtClean="0"/>
               <a:t>Chart the sentiment for each of the three excerpts on your handout. </a:t>
             </a:r>
           </a:p>
           <a:p>
             <a:r>
-              <a:rPr lang="en-US" dirty="0"/>
+              <a:rPr lang="en-US" dirty="0" smtClean="0"/>
               <a:t>Assign numerical values to the words then add up the numbers for each paragraph. Average them all at the end for each paragraph.</a:t>
             </a:r>
           </a:p>
           <a:p>
             <a:r>
-              <a:rPr lang="en-US" dirty="0"/>
+              <a:rPr lang="en-US" dirty="0" smtClean="0"/>
               <a:t>Which is happier? Sadder?</a:t>
             </a:r>
           </a:p>
           <a:p>
             <a:r>
-              <a:rPr lang="en-US" dirty="0"/>
+              <a:rPr lang="en-US" dirty="0" smtClean="0"/>
               <a:t>Happiest? Saddest?</a:t>
             </a:r>
           </a:p>
           <a:p>
             <a:r>
-              <a:rPr lang="en-US" dirty="0"/>
+              <a:rPr lang="en-US" dirty="0" smtClean="0"/>
               <a:t>Any problems or questions that this raises?</a:t>
             </a:r>
+            <a:endParaRPr lang="en-US" dirty="0"/>
           </a:p>
         </p:txBody>
       </p:sp>
@@ -11565,9 +11678,10 @@
           <a:lstStyle/>
           <a:p>
             <a:r>
-              <a:rPr lang="en-US" dirty="0"/>
+              <a:rPr lang="en-US" dirty="0" smtClean="0"/>
               <a:t>4. Sentiment Analysis</a:t>
             </a:r>
+            <a:endParaRPr lang="en-US" dirty="0"/>
           </a:p>
         </p:txBody>
       </p:sp>
@@ -11587,21 +11701,22 @@
           <a:lstStyle/>
           <a:p>
             <a:r>
-              <a:rPr lang="en-US" dirty="0"/>
+              <a:rPr lang="en-US" dirty="0" smtClean="0"/>
               <a:t>Declaration: Negative</a:t>
             </a:r>
           </a:p>
           <a:p>
             <a:r>
-              <a:rPr lang="en-US" dirty="0"/>
+              <a:rPr lang="en-US" dirty="0" smtClean="0"/>
               <a:t>Kafka: Negative</a:t>
             </a:r>
           </a:p>
           <a:p>
             <a:r>
-              <a:rPr lang="en-US" dirty="0"/>
+              <a:rPr lang="en-US" dirty="0" smtClean="0"/>
               <a:t>Bradbury: Positive, right?</a:t>
             </a:r>
+            <a:endParaRPr lang="en-US" dirty="0"/>
           </a:p>
         </p:txBody>
       </p:sp>
@@ -11651,9 +11766,10 @@
           <a:lstStyle/>
           <a:p>
             <a:r>
-              <a:rPr lang="en-US" dirty="0"/>
+              <a:rPr lang="en-US" dirty="0" smtClean="0"/>
               <a:t>1. Close Reading</a:t>
             </a:r>
+            <a:endParaRPr lang="en-US" dirty="0"/>
           </a:p>
         </p:txBody>
       </p:sp>
@@ -11673,27 +11789,29 @@
           <a:lstStyle/>
           <a:p>
             <a:r>
-              <a:rPr lang="en-US" dirty="0"/>
+              <a:rPr lang="en-US" dirty="0" smtClean="0"/>
               <a:t>Handout has five paragraphs on it. </a:t>
             </a:r>
-          </a:p>
-          <a:p>
-            <a:r>
-              <a:rPr lang="en-US" dirty="0"/>
+            <a:endParaRPr lang="en-US" dirty="0"/>
+          </a:p>
+          <a:p>
+            <a:r>
+              <a:rPr lang="en-US" dirty="0" smtClean="0"/>
               <a:t>Read them normally.</a:t>
             </a:r>
           </a:p>
           <a:p>
             <a:r>
-              <a:rPr lang="en-US" dirty="0"/>
+              <a:rPr lang="en-US" dirty="0" smtClean="0"/>
               <a:t>Pay close attention to every detail.</a:t>
             </a:r>
           </a:p>
           <a:p>
             <a:r>
-              <a:rPr lang="en-US" dirty="0"/>
+              <a:rPr lang="en-US" dirty="0" smtClean="0"/>
               <a:t>Discuss with your partner.</a:t>
             </a:r>
+            <a:endParaRPr lang="en-US" dirty="0"/>
           </a:p>
         </p:txBody>
       </p:sp>
@@ -11707,6 +11825,13 @@
   <p:clrMapOvr>
     <a:masterClrMapping/>
   </p:clrMapOvr>
+  <p:timing>
+    <p:tnLst>
+      <p:par>
+        <p:cTn xmlns:p14="http://schemas.microsoft.com/office/powerpoint/2010/main" id="1" dur="indefinite" restart="never" nodeType="tmRoot"/>
+      </p:par>
+    </p:tnLst>
+  </p:timing>
 </p:sld>
 </file>
 
@@ -11743,34 +11868,20 @@
           <a:lstStyle/>
           <a:p>
             <a:r>
-              <a:rPr lang="en-US" dirty="0"/>
+              <a:rPr lang="en-US" dirty="0" smtClean="0"/>
               <a:t>Pretty Vexed</a:t>
             </a:r>
           </a:p>
           <a:p>
             <a:r>
-              <a:rPr lang="en-US" dirty="0"/>
+              <a:rPr lang="en-US" dirty="0" smtClean="0"/>
               <a:t>But intellectually interesting in itself</a:t>
             </a:r>
           </a:p>
           <a:p>
             <a:r>
-              <a:rPr lang="en-US" dirty="0"/>
+              <a:rPr lang="en-US" dirty="0" smtClean="0"/>
               <a:t>High stakes for businesses</a:t>
-            </a:r>
-          </a:p>
-          <a:p>
-            <a:r>
-              <a:rPr lang="en-US" dirty="0"/>
-              <a:t>https://</a:t>
-            </a:r>
-            <a:r>
-              <a:rPr lang="en-US" dirty="0" err="1"/>
-              <a:t>open.nytimes.com</a:t>
-            </a:r>
-            <a:r>
-              <a:rPr lang="en-US"/>
-              <a:t>/how-does-this-article-make-you-feel-4684e5e9c47</a:t>
             </a:r>
             <a:endParaRPr lang="en-US" dirty="0"/>
           </a:p>
@@ -11815,9 +11926,10 @@
           </a:lstStyle>
           <a:p>
             <a:r>
-              <a:rPr lang="en-US" dirty="0"/>
+              <a:rPr lang="en-US" dirty="0" smtClean="0"/>
               <a:t>4. Sentiment Analysis</a:t>
             </a:r>
+            <a:endParaRPr lang="en-US" dirty="0"/>
           </a:p>
         </p:txBody>
       </p:sp>
@@ -11867,9 +11979,10 @@
           <a:lstStyle/>
           <a:p>
             <a:r>
-              <a:rPr lang="en-US" dirty="0"/>
+              <a:rPr lang="en-US" dirty="0" smtClean="0"/>
               <a:t>4. Sentiment Analysis</a:t>
             </a:r>
+            <a:endParaRPr lang="en-US" dirty="0"/>
           </a:p>
         </p:txBody>
       </p:sp>
@@ -11920,25 +12033,26 @@
           <a:lstStyle/>
           <a:p>
             <a:r>
-              <a:rPr lang="en-US" dirty="0"/>
+              <a:rPr lang="en-US" dirty="0" smtClean="0"/>
               <a:t>http://</a:t>
             </a:r>
             <a:r>
-              <a:rPr lang="en-US" dirty="0" err="1"/>
+              <a:rPr lang="en-US" dirty="0" err="1" smtClean="0"/>
               <a:t>www.matthewjockers.net</a:t>
             </a:r>
             <a:r>
-              <a:rPr lang="en-US" dirty="0"/>
+              <a:rPr lang="en-US" dirty="0" smtClean="0"/>
               <a:t>/2015/02/02/</a:t>
             </a:r>
             <a:r>
-              <a:rPr lang="en-US" dirty="0" err="1"/>
+              <a:rPr lang="en-US" dirty="0" err="1" smtClean="0"/>
               <a:t>syuzhet</a:t>
             </a:r>
             <a:r>
-              <a:rPr lang="en-US" dirty="0"/>
+              <a:rPr lang="en-US" dirty="0" smtClean="0"/>
               <a:t>/</a:t>
             </a:r>
+            <a:endParaRPr lang="en-US" dirty="0"/>
           </a:p>
         </p:txBody>
       </p:sp>
@@ -11988,9 +12102,10 @@
           <a:lstStyle/>
           <a:p>
             <a:r>
-              <a:rPr lang="en-US" dirty="0"/>
+              <a:rPr lang="en-US" dirty="0" smtClean="0"/>
               <a:t>4. Sentiment Analysis</a:t>
             </a:r>
+            <a:endParaRPr lang="en-US" dirty="0"/>
           </a:p>
         </p:txBody>
       </p:sp>
@@ -12017,7 +12132,7 @@
           <a:lstStyle/>
           <a:p>
             <a:r>
-              <a:rPr lang="en-US" dirty="0" err="1"/>
+              <a:rPr lang="en-US" dirty="0" err="1" smtClean="0"/>
               <a:t>emojisentiment.com</a:t>
             </a:r>
             <a:endParaRPr lang="en-US" dirty="0"/>
@@ -12094,9 +12209,10 @@
           <a:lstStyle/>
           <a:p>
             <a:r>
-              <a:rPr lang="en-US" dirty="0"/>
+              <a:rPr lang="en-US" dirty="0" smtClean="0"/>
               <a:t>1. Close Reading</a:t>
             </a:r>
+            <a:endParaRPr lang="en-US" dirty="0"/>
           </a:p>
         </p:txBody>
       </p:sp>
@@ -12116,27 +12232,28 @@
           <a:lstStyle/>
           <a:p>
             <a:r>
-              <a:rPr lang="en-US" dirty="0"/>
+              <a:rPr lang="en-US" dirty="0" smtClean="0"/>
               <a:t>Used a lot in literary studies, history, etc.</a:t>
             </a:r>
           </a:p>
           <a:p>
             <a:r>
-              <a:rPr lang="en-US" dirty="0"/>
+              <a:rPr lang="en-US" dirty="0" smtClean="0"/>
               <a:t>Also just in everyday life.</a:t>
             </a:r>
           </a:p>
           <a:p>
             <a:r>
-              <a:rPr lang="en-US" dirty="0"/>
+              <a:rPr lang="en-US" dirty="0" smtClean="0"/>
               <a:t>Generally a version of how you conduct life.</a:t>
             </a:r>
           </a:p>
           <a:p>
             <a:r>
-              <a:rPr lang="en-US" dirty="0"/>
+              <a:rPr lang="en-US" dirty="0" smtClean="0"/>
               <a:t>Overanalyzing life events – a kind of close reading.</a:t>
             </a:r>
+            <a:endParaRPr lang="en-US" dirty="0"/>
           </a:p>
         </p:txBody>
       </p:sp>
@@ -12150,6 +12267,13 @@
   <p:clrMapOvr>
     <a:masterClrMapping/>
   </p:clrMapOvr>
+  <p:timing>
+    <p:tnLst>
+      <p:par>
+        <p:cTn xmlns:p14="http://schemas.microsoft.com/office/powerpoint/2010/main" id="1" dur="indefinite" restart="never" nodeType="tmRoot"/>
+      </p:par>
+    </p:tnLst>
+  </p:timing>
 </p:sld>
 </file>
 
@@ -12186,9 +12310,10 @@
           <a:lstStyle/>
           <a:p>
             <a:r>
-              <a:rPr lang="en-US" dirty="0"/>
+              <a:rPr lang="en-US" dirty="0" smtClean="0"/>
               <a:t>2. Bag of Words</a:t>
             </a:r>
+            <a:endParaRPr lang="en-US" dirty="0"/>
           </a:p>
         </p:txBody>
       </p:sp>
@@ -12208,19 +12333,19 @@
           <a:lstStyle/>
           <a:p>
             <a:r>
-              <a:rPr lang="en-US" dirty="0"/>
+              <a:rPr lang="en-US" dirty="0" smtClean="0"/>
               <a:t>Vocabulary is basic premise of meaning.</a:t>
             </a:r>
           </a:p>
           <a:p>
             <a:r>
-              <a:rPr lang="en-US" dirty="0"/>
+              <a:rPr lang="en-US" dirty="0" smtClean="0"/>
               <a:t>You can find out something interesting about a text just by looking at the vocabulary.</a:t>
             </a:r>
           </a:p>
           <a:p>
             <a:r>
-              <a:rPr lang="en-US" dirty="0"/>
+              <a:rPr lang="en-US" dirty="0" smtClean="0"/>
               <a:t>In practice, means you’re just counting words.</a:t>
             </a:r>
           </a:p>
@@ -12236,6 +12361,13 @@
   <p:clrMapOvr>
     <a:masterClrMapping/>
   </p:clrMapOvr>
+  <p:timing>
+    <p:tnLst>
+      <p:par>
+        <p:cTn xmlns:p14="http://schemas.microsoft.com/office/powerpoint/2010/main" id="1" dur="indefinite" restart="never" nodeType="tmRoot"/>
+      </p:par>
+    </p:tnLst>
+  </p:timing>
 </p:sld>
 </file>
 
@@ -12291,30 +12423,35 @@
           <a:lstStyle/>
           <a:p>
             <a:r>
+              <a:rPr lang="en-US" dirty="0" smtClean="0"/>
+              <a:t>"Fine. How are you doing?"</a:t>
+            </a:r>
+          </a:p>
+          <a:p>
+            <a:r>
+              <a:rPr lang="en-US" dirty="0" smtClean="0"/>
+              <a:t>"How are you doing? Fine?”</a:t>
+            </a:r>
+          </a:p>
+          <a:p>
+            <a:endParaRPr lang="en-US" dirty="0"/>
+          </a:p>
+          <a:p>
+            <a:r>
+              <a:rPr lang="en-US" dirty="0" smtClean="0"/>
+              <a:t>Bag of words models for both:</a:t>
+            </a:r>
+          </a:p>
+          <a:p>
+            <a:r>
               <a:rPr lang="en-US" dirty="0"/>
-              <a:t>"Fine. How are you doing?"</a:t>
-            </a:r>
-          </a:p>
-          <a:p>
-            <a:r>
-              <a:rPr lang="en-US" dirty="0"/>
-              <a:t>"How are you doing? Fine?”</a:t>
-            </a:r>
-          </a:p>
-          <a:p>
+              <a:t>[</a:t>
+            </a:r>
+            <a:r>
+              <a:rPr lang="en-US" dirty="0" smtClean="0"/>
+              <a:t>“fine”, “how”, “are”, “you”, “doing”]</a:t>
+            </a:r>
             <a:endParaRPr lang="en-US" dirty="0"/>
-          </a:p>
-          <a:p>
-            <a:r>
-              <a:rPr lang="en-US" dirty="0"/>
-              <a:t>Bag of words models for both:</a:t>
-            </a:r>
-          </a:p>
-          <a:p>
-            <a:r>
-              <a:rPr lang="en-US" dirty="0"/>
-              <a:t>[“fine”, “how”, “are”, “you”, “doing”]</a:t>
-            </a:r>
           </a:p>
         </p:txBody>
       </p:sp>
@@ -12328,6 +12465,13 @@
   <p:clrMapOvr>
     <a:masterClrMapping/>
   </p:clrMapOvr>
+  <p:timing>
+    <p:tnLst>
+      <p:par>
+        <p:cTn xmlns:p14="http://schemas.microsoft.com/office/powerpoint/2010/main" id="1" dur="indefinite" restart="never" nodeType="tmRoot"/>
+      </p:par>
+    </p:tnLst>
+  </p:timing>
 </p:sld>
 </file>
 
@@ -12364,9 +12508,10 @@
           <a:lstStyle/>
           <a:p>
             <a:r>
-              <a:rPr lang="en-US" dirty="0"/>
+              <a:rPr lang="en-US" dirty="0" smtClean="0"/>
               <a:t>2. Bag of Words</a:t>
             </a:r>
+            <a:endParaRPr lang="en-US" dirty="0"/>
           </a:p>
         </p:txBody>
       </p:sp>
@@ -12389,7 +12534,7 @@
               <a:buNone/>
             </a:pPr>
             <a:r>
-              <a:rPr lang="en-US" dirty="0"/>
+              <a:rPr lang="en-US" dirty="0" smtClean="0"/>
               <a:t>Sentence A: "Barbara is doing fine, thank you."</a:t>
             </a:r>
           </a:p>
@@ -12398,7 +12543,7 @@
               <a:buNone/>
             </a:pPr>
             <a:r>
-              <a:rPr lang="en-US" dirty="0"/>
+              <a:rPr lang="en-US" dirty="0" smtClean="0"/>
               <a:t>Sentence B: "Thank you, Dave. I am doing fine.”</a:t>
             </a:r>
           </a:p>
@@ -12413,9 +12558,10 @@
               <a:buNone/>
             </a:pPr>
             <a:r>
-              <a:rPr lang="en-US" dirty="0"/>
+              <a:rPr lang="en-US" dirty="0" smtClean="0"/>
               <a:t>Make a Bag of Words model for these sentences.</a:t>
             </a:r>
+            <a:endParaRPr lang="en-US" dirty="0"/>
           </a:p>
         </p:txBody>
       </p:sp>
@@ -12429,6 +12575,13 @@
   <p:clrMapOvr>
     <a:masterClrMapping/>
   </p:clrMapOvr>
+  <p:timing>
+    <p:tnLst>
+      <p:par>
+        <p:cTn xmlns:p14="http://schemas.microsoft.com/office/powerpoint/2010/main" id="1" dur="indefinite" restart="never" nodeType="tmRoot"/>
+      </p:par>
+    </p:tnLst>
+  </p:timing>
 </p:sld>
 </file>
 
@@ -12465,9 +12618,10 @@
           <a:lstStyle/>
           <a:p>
             <a:r>
-              <a:rPr lang="en-US" dirty="0"/>
+              <a:rPr lang="en-US" dirty="0" smtClean="0"/>
               <a:t>2. Bag of Words</a:t>
             </a:r>
+            <a:endParaRPr lang="en-US" dirty="0"/>
           </a:p>
         </p:txBody>
       </p:sp>
@@ -12492,7 +12646,7 @@
               <a:buNone/>
             </a:pPr>
             <a:r>
-              <a:rPr lang="en-US" dirty="0"/>
+              <a:rPr lang="en-US" dirty="0" smtClean="0"/>
               <a:t>Words in Corpus</a:t>
             </a:r>
           </a:p>
@@ -12501,7 +12655,7 @@
               <a:buNone/>
             </a:pPr>
             <a:r>
-              <a:rPr lang="en-US" dirty="0"/>
+              <a:rPr lang="en-US" dirty="0" smtClean="0"/>
               <a:t>[</a:t>
             </a:r>
           </a:p>
@@ -12510,7 +12664,7 @@
               <a:buNone/>
             </a:pPr>
             <a:r>
-              <a:rPr lang="en-US" dirty="0"/>
+              <a:rPr lang="en-US" dirty="0" smtClean="0"/>
               <a:t>    "Barbara",</a:t>
             </a:r>
           </a:p>
@@ -12519,7 +12673,7 @@
               <a:buNone/>
             </a:pPr>
             <a:r>
-              <a:rPr lang="en-US" dirty="0"/>
+              <a:rPr lang="en-US" dirty="0" smtClean="0"/>
               <a:t>    "is",</a:t>
             </a:r>
           </a:p>
@@ -12528,7 +12682,7 @@
               <a:buNone/>
             </a:pPr>
             <a:r>
-              <a:rPr lang="en-US" dirty="0"/>
+              <a:rPr lang="en-US" dirty="0" smtClean="0"/>
               <a:t>    "doing",</a:t>
             </a:r>
           </a:p>
@@ -12537,7 +12691,7 @@
               <a:buNone/>
             </a:pPr>
             <a:r>
-              <a:rPr lang="en-US" dirty="0"/>
+              <a:rPr lang="en-US" dirty="0" smtClean="0"/>
               <a:t>    "fine",</a:t>
             </a:r>
           </a:p>
@@ -12546,7 +12700,7 @@
               <a:buNone/>
             </a:pPr>
             <a:r>
-              <a:rPr lang="en-US" dirty="0"/>
+              <a:rPr lang="en-US" dirty="0" smtClean="0"/>
               <a:t>    "thank",</a:t>
             </a:r>
           </a:p>
@@ -12555,7 +12709,7 @@
               <a:buNone/>
             </a:pPr>
             <a:r>
-              <a:rPr lang="en-US" dirty="0"/>
+              <a:rPr lang="en-US" dirty="0" smtClean="0"/>
               <a:t>    "you",</a:t>
             </a:r>
           </a:p>
@@ -12564,7 +12718,7 @@
               <a:buNone/>
             </a:pPr>
             <a:r>
-              <a:rPr lang="en-US" dirty="0"/>
+              <a:rPr lang="en-US" dirty="0" smtClean="0"/>
               <a:t>    "Dave,</a:t>
             </a:r>
           </a:p>
@@ -12573,7 +12727,7 @@
               <a:buNone/>
             </a:pPr>
             <a:r>
-              <a:rPr lang="en-US" dirty="0"/>
+              <a:rPr lang="en-US" dirty="0" smtClean="0"/>
               <a:t>    "I",</a:t>
             </a:r>
           </a:p>
@@ -12582,7 +12736,7 @@
               <a:buNone/>
             </a:pPr>
             <a:r>
-              <a:rPr lang="en-US" dirty="0"/>
+              <a:rPr lang="en-US" dirty="0" smtClean="0"/>
               <a:t>    "am"</a:t>
             </a:r>
           </a:p>
@@ -12591,7 +12745,7 @@
               <a:buNone/>
             </a:pPr>
             <a:r>
-              <a:rPr lang="en-US" dirty="0"/>
+              <a:rPr lang="en-US" dirty="0" smtClean="0"/>
               <a:t>]</a:t>
             </a:r>
           </a:p>
@@ -12599,34 +12753,35 @@
             <a:pPr marL="0" indent="0">
               <a:buNone/>
             </a:pPr>
+            <a:endParaRPr lang="en-US" dirty="0" smtClean="0"/>
+          </a:p>
+          <a:p>
+            <a:pPr marL="0" indent="0">
+              <a:buNone/>
+            </a:pPr>
+            <a:r>
+              <a:rPr lang="en-US" dirty="0" smtClean="0"/>
+              <a:t>Counts for Sentences</a:t>
+            </a:r>
+          </a:p>
+          <a:p>
+            <a:pPr marL="0" indent="0">
+              <a:buNone/>
+            </a:pPr>
+            <a:r>
+              <a:rPr lang="en-US" dirty="0" smtClean="0"/>
+              <a:t>A: [1, 1, 1, 1, 1, 1, 0, 0, 0]</a:t>
+            </a:r>
+          </a:p>
+          <a:p>
+            <a:pPr marL="0" indent="0">
+              <a:buNone/>
+            </a:pPr>
+            <a:r>
+              <a:rPr lang="en-US" dirty="0" smtClean="0"/>
+              <a:t>B: [0, 0, 1, 1, 1, 1, 1, 1, 1]</a:t>
+            </a:r>
             <a:endParaRPr lang="en-US" dirty="0"/>
-          </a:p>
-          <a:p>
-            <a:pPr marL="0" indent="0">
-              <a:buNone/>
-            </a:pPr>
-            <a:r>
-              <a:rPr lang="en-US" dirty="0"/>
-              <a:t>Counts for Sentences</a:t>
-            </a:r>
-          </a:p>
-          <a:p>
-            <a:pPr marL="0" indent="0">
-              <a:buNone/>
-            </a:pPr>
-            <a:r>
-              <a:rPr lang="en-US" dirty="0"/>
-              <a:t>A: [1, 1, 1, 1, 1, 1, 0, 0, 0]</a:t>
-            </a:r>
-          </a:p>
-          <a:p>
-            <a:pPr marL="0" indent="0">
-              <a:buNone/>
-            </a:pPr>
-            <a:r>
-              <a:rPr lang="en-US" dirty="0"/>
-              <a:t>B: [0, 0, 1, 1, 1, 1, 1, 1, 1]</a:t>
-            </a:r>
           </a:p>
         </p:txBody>
       </p:sp>
@@ -12653,25 +12808,25 @@
           <a:lstStyle/>
           <a:p>
             <a:r>
-              <a:rPr lang="en-US" sz="3600" dirty="0"/>
+              <a:rPr lang="en-US" sz="3600" dirty="0" smtClean="0"/>
               <a:t>Sentence A: </a:t>
             </a:r>
           </a:p>
           <a:p>
             <a:r>
-              <a:rPr lang="en-US" sz="3600" dirty="0"/>
+              <a:rPr lang="en-US" sz="3600" dirty="0" smtClean="0"/>
               <a:t>"Barbara is doing fine, thank you."</a:t>
             </a:r>
           </a:p>
           <a:p>
             <a:r>
-              <a:rPr lang="en-US" sz="3600" dirty="0"/>
+              <a:rPr lang="en-US" sz="3600" dirty="0" smtClean="0"/>
               <a:t>Sentence B: </a:t>
             </a:r>
           </a:p>
           <a:p>
             <a:r>
-              <a:rPr lang="en-US" sz="3600" dirty="0"/>
+              <a:rPr lang="en-US" sz="3600" dirty="0" smtClean="0"/>
               <a:t>"Thank you, Dave. I am doing fine.”</a:t>
             </a:r>
           </a:p>
@@ -12690,6 +12845,13 @@
   <p:clrMapOvr>
     <a:masterClrMapping/>
   </p:clrMapOvr>
+  <p:timing>
+    <p:tnLst>
+      <p:par>
+        <p:cTn xmlns:p14="http://schemas.microsoft.com/office/powerpoint/2010/main" id="1" dur="indefinite" restart="never" nodeType="tmRoot"/>
+      </p:par>
+    </p:tnLst>
+  </p:timing>
 </p:sld>
 </file>
 
